--- a/cours/GM - Travaux pratiques - drill.pptx
+++ b/cours/GM - Travaux pratiques - drill.pptx
@@ -38,9 +38,9 @@
     <p:sldId id="328" r:id="rId29"/>
     <p:sldId id="311" r:id="rId30"/>
     <p:sldId id="337" r:id="rId31"/>
-    <p:sldId id="326" r:id="rId32"/>
-    <p:sldId id="295" r:id="rId33"/>
-    <p:sldId id="338" r:id="rId34"/>
+    <p:sldId id="341" r:id="rId32"/>
+    <p:sldId id="326" r:id="rId33"/>
+    <p:sldId id="340" r:id="rId34"/>
     <p:sldId id="339" r:id="rId35"/>
   </p:sldIdLst>
   <p:sldSz cx="12192000" cy="6858000"/>
@@ -230,7 +230,7 @@
           <a:p>
             <a:fld id="{05CF0F9A-6161-450D-AD24-FE13ECDFFC91}" type="datetimeFigureOut">
               <a:rPr lang="fr-FR" smtClean="0"/>
-              <a:t>15/11/2022</a:t>
+              <a:t>06/01/2023</a:t>
             </a:fld>
             <a:endParaRPr lang="fr-FR"/>
           </a:p>
@@ -825,11 +825,7 @@
             </a:pPr>
             <a:r>
               <a:rPr lang="fr-FR" baseline="0" dirty="0" smtClean="0"/>
-              <a:t>4) </a:t>
-            </a:r>
-            <a:r>
-              <a:rPr lang="fr-FR" baseline="0" dirty="0" smtClean="0"/>
-              <a:t>Enregistrer en GMP</a:t>
+              <a:t>4) Enregistrer en GMP</a:t>
             </a:r>
           </a:p>
           <a:p>
@@ -3166,11 +3162,7 @@
           <a:p>
             <a:r>
               <a:rPr lang="fr-FR" dirty="0" smtClean="0"/>
-              <a:t>3) </a:t>
-            </a:r>
-            <a:r>
-              <a:rPr lang="fr-FR" dirty="0" smtClean="0"/>
-              <a:t>Recherche complexe</a:t>
+              <a:t>3) Recherche complexe</a:t>
             </a:r>
           </a:p>
           <a:p>
@@ -3289,11 +3281,7 @@
           <a:p>
             <a:r>
               <a:rPr lang="fr-FR" dirty="0" smtClean="0"/>
-              <a:t>2) </a:t>
-            </a:r>
-            <a:r>
-              <a:rPr lang="fr-FR" dirty="0" smtClean="0"/>
-              <a:t>Diviser</a:t>
+              <a:t>2) Diviser</a:t>
             </a:r>
             <a:r>
               <a:rPr lang="fr-FR" baseline="0" dirty="0" smtClean="0"/>
@@ -3334,11 +3322,7 @@
             </a:pPr>
             <a:r>
               <a:rPr lang="fr-FR" baseline="0" dirty="0" smtClean="0"/>
-              <a:t>3) </a:t>
-            </a:r>
-            <a:r>
-              <a:rPr lang="fr-FR" baseline="0" dirty="0" smtClean="0"/>
-              <a:t>Générer les </a:t>
+              <a:t>3) Générer les </a:t>
             </a:r>
             <a:r>
               <a:rPr lang="fr-FR" baseline="0" dirty="0" err="1" smtClean="0"/>
@@ -3414,11 +3398,44 @@
             </a:r>
             <a:r>
               <a:rPr lang="fr-FR" baseline="0" dirty="0" smtClean="0"/>
-              <a:t> l’attribut LAYER</a:t>
-            </a:r>
-            <a:r>
-              <a:rPr lang="fr-FR" baseline="0" dirty="0" smtClean="0"/>
-              <a:t>)</a:t>
+              <a:t> l’attribut LAYER)</a:t>
+            </a:r>
+          </a:p>
+          <a:p>
+            <a:pPr marL="0" indent="0">
+              <a:buFontTx/>
+              <a:buNone/>
+            </a:pPr>
+            <a:endParaRPr lang="fr-FR" baseline="0" dirty="0" smtClean="0"/>
+          </a:p>
+          <a:p>
+            <a:pPr marL="0" indent="0">
+              <a:buFontTx/>
+              <a:buNone/>
+            </a:pPr>
+            <a:r>
+              <a:rPr lang="fr-FR" baseline="0" dirty="0" smtClean="0"/>
+              <a:t>4) Tableau des attributs</a:t>
+            </a:r>
+          </a:p>
+          <a:p>
+            <a:pPr marL="171450" indent="-171450">
+              <a:buFontTx/>
+              <a:buChar char="-"/>
+            </a:pPr>
+            <a:r>
+              <a:rPr lang="fr-FR" baseline="0" dirty="0" smtClean="0"/>
+              <a:t>Sur la couche relevés gonion clic droit -&gt; EDIT ATTRIBUTES</a:t>
+            </a:r>
+          </a:p>
+          <a:p>
+            <a:pPr marL="171450" indent="-171450">
+              <a:buFontTx/>
+              <a:buChar char="-"/>
+            </a:pPr>
+            <a:r>
+              <a:rPr lang="fr-FR" baseline="0" dirty="0" smtClean="0"/>
+              <a:t>Icone « sauvegarder en CSV »</a:t>
             </a:r>
             <a:endParaRPr lang="fr-FR" dirty="0" smtClean="0"/>
           </a:p>
@@ -3953,11 +3970,7 @@
             </a:pPr>
             <a:r>
               <a:rPr lang="fr-FR" dirty="0" smtClean="0"/>
-              <a:t>File </a:t>
-            </a:r>
-            <a:r>
-              <a:rPr lang="fr-FR" dirty="0" smtClean="0"/>
-              <a:t>-&gt; </a:t>
+              <a:t>File -&gt; </a:t>
             </a:r>
             <a:r>
               <a:rPr lang="fr-FR" dirty="0" err="1" smtClean="0"/>
@@ -3988,11 +4001,7 @@
             </a:pPr>
             <a:r>
               <a:rPr lang="fr-FR" dirty="0" smtClean="0"/>
-              <a:t>Ou </a:t>
-            </a:r>
-            <a:r>
-              <a:rPr lang="fr-FR" dirty="0" smtClean="0"/>
-              <a:t>importer les cartes, les sélectionner, puis clic droit -&gt; LAYER -&gt; MAP CATALOG</a:t>
+              <a:t>Ou importer les cartes, les sélectionner, puis clic droit -&gt; LAYER -&gt; MAP CATALOG</a:t>
             </a:r>
           </a:p>
           <a:p>
@@ -6040,7 +6049,336 @@
           <a:bodyPr/>
           <a:lstStyle/>
           <a:p>
-            <a:endParaRPr lang="fr-FR" dirty="0"/>
+            <a:pPr marL="0" marR="0" indent="0" algn="l" defTabSz="914400" rtl="0" eaLnBrk="1" fontAlgn="auto" latinLnBrk="0" hangingPunct="1">
+              <a:lnSpc>
+                <a:spcPct val="100000"/>
+              </a:lnSpc>
+              <a:spcBef>
+                <a:spcPts val="0"/>
+              </a:spcBef>
+              <a:spcAft>
+                <a:spcPts val="0"/>
+              </a:spcAft>
+              <a:buClrTx/>
+              <a:buSzTx/>
+              <a:buFontTx/>
+              <a:buNone/>
+              <a:tabLst/>
+              <a:defRPr/>
+            </a:pPr>
+            <a:r>
+              <a:rPr lang="fr-FR" dirty="0" smtClean="0"/>
+              <a:t>1)</a:t>
+            </a:r>
+            <a:r>
+              <a:rPr lang="fr-FR" baseline="0" dirty="0" smtClean="0"/>
+              <a:t> Importer les relais</a:t>
+            </a:r>
+          </a:p>
+          <a:p>
+            <a:pPr marL="0" marR="0" indent="0" algn="l" defTabSz="914400" rtl="0" eaLnBrk="1" fontAlgn="auto" latinLnBrk="0" hangingPunct="1">
+              <a:lnSpc>
+                <a:spcPct val="100000"/>
+              </a:lnSpc>
+              <a:spcBef>
+                <a:spcPts val="0"/>
+              </a:spcBef>
+              <a:spcAft>
+                <a:spcPts val="0"/>
+              </a:spcAft>
+              <a:buClrTx/>
+              <a:buSzTx/>
+              <a:buFontTx/>
+              <a:buNone/>
+              <a:tabLst/>
+              <a:defRPr/>
+            </a:pPr>
+            <a:r>
+              <a:rPr lang="fr-FR" baseline="0" dirty="0" smtClean="0"/>
+              <a:t>Paramètres d’importation :</a:t>
+            </a:r>
+          </a:p>
+          <a:p>
+            <a:pPr marL="171450" marR="0" indent="-171450" algn="l" defTabSz="914400" rtl="0" eaLnBrk="1" fontAlgn="auto" latinLnBrk="0" hangingPunct="1">
+              <a:lnSpc>
+                <a:spcPct val="100000"/>
+              </a:lnSpc>
+              <a:spcBef>
+                <a:spcPts val="0"/>
+              </a:spcBef>
+              <a:spcAft>
+                <a:spcPts val="0"/>
+              </a:spcAft>
+              <a:buClrTx/>
+              <a:buSzTx/>
+              <a:buFontTx/>
+              <a:buChar char="-"/>
+              <a:tabLst/>
+              <a:defRPr/>
+            </a:pPr>
+            <a:r>
+              <a:rPr lang="fr-FR" baseline="0" dirty="0" smtClean="0"/>
+              <a:t>Point </a:t>
+            </a:r>
+            <a:r>
+              <a:rPr lang="fr-FR" baseline="0" dirty="0" err="1" smtClean="0"/>
+              <a:t>only</a:t>
+            </a:r>
+            <a:endParaRPr lang="fr-FR" baseline="0" dirty="0" smtClean="0"/>
+          </a:p>
+          <a:p>
+            <a:pPr marL="171450" marR="0" indent="-171450" algn="l" defTabSz="914400" rtl="0" eaLnBrk="1" fontAlgn="auto" latinLnBrk="0" hangingPunct="1">
+              <a:lnSpc>
+                <a:spcPct val="100000"/>
+              </a:lnSpc>
+              <a:spcBef>
+                <a:spcPts val="0"/>
+              </a:spcBef>
+              <a:spcAft>
+                <a:spcPts val="0"/>
+              </a:spcAft>
+              <a:buClrTx/>
+              <a:buSzTx/>
+              <a:buFontTx/>
+              <a:buChar char="-"/>
+              <a:tabLst/>
+              <a:defRPr/>
+            </a:pPr>
+            <a:r>
+              <a:rPr lang="fr-FR" baseline="0" dirty="0" smtClean="0"/>
+              <a:t>Coordonnées MGRS</a:t>
+            </a:r>
+          </a:p>
+          <a:p>
+            <a:pPr marL="171450" marR="0" indent="-171450" algn="l" defTabSz="914400" rtl="0" eaLnBrk="1" fontAlgn="auto" latinLnBrk="0" hangingPunct="1">
+              <a:lnSpc>
+                <a:spcPct val="100000"/>
+              </a:lnSpc>
+              <a:spcBef>
+                <a:spcPts val="0"/>
+              </a:spcBef>
+              <a:spcAft>
+                <a:spcPts val="0"/>
+              </a:spcAft>
+              <a:buClrTx/>
+              <a:buSzTx/>
+              <a:buFontTx/>
+              <a:buChar char="-"/>
+              <a:tabLst/>
+              <a:defRPr/>
+            </a:pPr>
+            <a:r>
+              <a:rPr lang="fr-FR" baseline="0" dirty="0" smtClean="0"/>
+              <a:t>Avec entêtes de colonnes</a:t>
+            </a:r>
+          </a:p>
+          <a:p>
+            <a:pPr marL="0" indent="0">
+              <a:buNone/>
+            </a:pPr>
+            <a:endParaRPr lang="fr-FR" dirty="0" smtClean="0"/>
+          </a:p>
+          <a:p>
+            <a:pPr marL="0" indent="0">
+              <a:buNone/>
+            </a:pPr>
+            <a:r>
+              <a:rPr lang="fr-FR" dirty="0" smtClean="0"/>
+              <a:t>2) Mettre</a:t>
+            </a:r>
+            <a:r>
+              <a:rPr lang="fr-FR" baseline="0" dirty="0" smtClean="0"/>
+              <a:t> une pièce jointe sur un vecteur</a:t>
+            </a:r>
+          </a:p>
+          <a:p>
+            <a:pPr marL="171450" indent="-171450">
+              <a:buFontTx/>
+              <a:buChar char="-"/>
+            </a:pPr>
+            <a:r>
+              <a:rPr lang="fr-FR" baseline="0" dirty="0" smtClean="0"/>
+              <a:t>Placer un point</a:t>
+            </a:r>
+          </a:p>
+          <a:p>
+            <a:pPr marL="171450" indent="-171450">
+              <a:buFontTx/>
+              <a:buChar char="-"/>
+            </a:pPr>
+            <a:r>
+              <a:rPr lang="fr-FR" baseline="0" dirty="0" smtClean="0"/>
+              <a:t>Avec le numériseur, sélectionner le point</a:t>
+            </a:r>
+          </a:p>
+          <a:p>
+            <a:pPr marL="171450" indent="-171450">
+              <a:buFontTx/>
+              <a:buChar char="-"/>
+            </a:pPr>
+            <a:r>
+              <a:rPr lang="fr-FR" baseline="0" dirty="0" smtClean="0"/>
+              <a:t>Clic droit -&gt; EDIT</a:t>
+            </a:r>
+          </a:p>
+          <a:p>
+            <a:pPr marL="171450" indent="-171450">
+              <a:buFontTx/>
+              <a:buChar char="-"/>
+            </a:pPr>
+            <a:r>
+              <a:rPr lang="fr-FR" baseline="0" dirty="0" smtClean="0"/>
+              <a:t>Bouton « </a:t>
+            </a:r>
+            <a:r>
+              <a:rPr lang="fr-FR" baseline="0" dirty="0" err="1" smtClean="0"/>
+              <a:t>add</a:t>
+            </a:r>
+            <a:r>
+              <a:rPr lang="fr-FR" baseline="0" dirty="0" smtClean="0"/>
+              <a:t> file </a:t>
+            </a:r>
+            <a:r>
+              <a:rPr lang="fr-FR" baseline="0" dirty="0" err="1" smtClean="0"/>
+              <a:t>link</a:t>
+            </a:r>
+            <a:r>
+              <a:rPr lang="fr-FR" baseline="0" dirty="0" smtClean="0"/>
+              <a:t> », sélectionner le fichier voulu</a:t>
+            </a:r>
+          </a:p>
+          <a:p>
+            <a:pPr marL="171450" indent="-171450">
+              <a:buFontTx/>
+              <a:buChar char="-"/>
+            </a:pPr>
+            <a:r>
+              <a:rPr lang="fr-FR" baseline="0" dirty="0" smtClean="0"/>
+              <a:t>Avec l’outil « </a:t>
+            </a:r>
+            <a:r>
+              <a:rPr lang="fr-FR" baseline="0" dirty="0" err="1" smtClean="0"/>
+              <a:t>Feature</a:t>
+            </a:r>
+            <a:r>
+              <a:rPr lang="fr-FR" baseline="0" dirty="0" smtClean="0"/>
+              <a:t> Info », sélectionner le point</a:t>
+            </a:r>
+          </a:p>
+          <a:p>
+            <a:pPr marL="0" indent="0">
+              <a:buFontTx/>
+              <a:buNone/>
+            </a:pPr>
+            <a:endParaRPr lang="fr-FR" baseline="0" dirty="0" smtClean="0"/>
+          </a:p>
+          <a:p>
+            <a:pPr marL="0" indent="0">
+              <a:buFontTx/>
+              <a:buNone/>
+            </a:pPr>
+            <a:r>
+              <a:rPr lang="fr-FR" baseline="0" dirty="0" smtClean="0"/>
+              <a:t>3) Jointure de fichier</a:t>
+            </a:r>
+          </a:p>
+          <a:p>
+            <a:pPr marL="171450" indent="-171450">
+              <a:buFontTx/>
+              <a:buChar char="-"/>
+            </a:pPr>
+            <a:r>
+              <a:rPr lang="fr-FR" baseline="0" dirty="0" smtClean="0"/>
+              <a:t>Sur la couche relais, clic droit -&gt; JOIN</a:t>
+            </a:r>
+          </a:p>
+          <a:p>
+            <a:pPr marL="171450" indent="-171450">
+              <a:buFontTx/>
+              <a:buChar char="-"/>
+            </a:pPr>
+            <a:r>
+              <a:rPr lang="fr-FR" baseline="0" dirty="0" smtClean="0"/>
+              <a:t>Sélectionner le </a:t>
+            </a:r>
+            <a:r>
+              <a:rPr lang="fr-FR" baseline="0" dirty="0" err="1" smtClean="0"/>
+              <a:t>fichie</a:t>
+            </a:r>
+            <a:r>
+              <a:rPr lang="fr-FR" baseline="0" dirty="0" smtClean="0"/>
+              <a:t> relais_data.csv</a:t>
+            </a:r>
+          </a:p>
+          <a:p>
+            <a:pPr marL="171450" indent="-171450">
+              <a:buFontTx/>
+              <a:buChar char="-"/>
+            </a:pPr>
+            <a:r>
+              <a:rPr lang="fr-FR" baseline="0" dirty="0" err="1" smtClean="0"/>
+              <a:t>Delimiter</a:t>
+            </a:r>
+            <a:r>
+              <a:rPr lang="fr-FR" baseline="0" dirty="0" smtClean="0"/>
+              <a:t> : point virgule</a:t>
+            </a:r>
+          </a:p>
+          <a:p>
+            <a:pPr marL="171450" indent="-171450">
+              <a:buFontTx/>
+              <a:buChar char="-"/>
+            </a:pPr>
+            <a:r>
+              <a:rPr lang="fr-FR" baseline="0" dirty="0" smtClean="0"/>
+              <a:t>File </a:t>
+            </a:r>
+            <a:r>
+              <a:rPr lang="fr-FR" baseline="0" dirty="0" err="1" smtClean="0"/>
+              <a:t>attribute</a:t>
+            </a:r>
+            <a:r>
+              <a:rPr lang="fr-FR" baseline="0" dirty="0" smtClean="0"/>
+              <a:t> : OBJECTID</a:t>
+            </a:r>
+          </a:p>
+          <a:p>
+            <a:pPr marL="171450" indent="-171450">
+              <a:buFontTx/>
+              <a:buChar char="-"/>
+            </a:pPr>
+            <a:r>
+              <a:rPr lang="fr-FR" baseline="0" dirty="0" smtClean="0"/>
+              <a:t>Layer </a:t>
+            </a:r>
+            <a:r>
+              <a:rPr lang="fr-FR" baseline="0" dirty="0" err="1" smtClean="0"/>
+              <a:t>attribute</a:t>
+            </a:r>
+            <a:r>
+              <a:rPr lang="fr-FR" baseline="0" dirty="0" smtClean="0"/>
+              <a:t> : OBJECTID</a:t>
+            </a:r>
+          </a:p>
+          <a:p>
+            <a:pPr marL="171450" indent="-171450">
+              <a:buFontTx/>
+              <a:buChar char="-"/>
+            </a:pPr>
+            <a:r>
+              <a:rPr lang="fr-FR" baseline="0" dirty="0" smtClean="0"/>
+              <a:t>Valider</a:t>
+            </a:r>
+          </a:p>
+          <a:p>
+            <a:pPr marL="171450" indent="-171450">
+              <a:buFontTx/>
+              <a:buChar char="-"/>
+            </a:pPr>
+            <a:r>
+              <a:rPr lang="fr-FR" baseline="0" dirty="0" smtClean="0"/>
+              <a:t>Vérifier que la couche relais.csv contient l’attribut NORME</a:t>
+            </a:r>
           </a:p>
         </p:txBody>
       </p:sp>
@@ -6129,11 +6467,7 @@
             </a:pPr>
             <a:r>
               <a:rPr lang="fr-FR" dirty="0" smtClean="0"/>
-              <a:t>Afficher</a:t>
-            </a:r>
-            <a:r>
-              <a:rPr lang="fr-FR" baseline="0" dirty="0" smtClean="0"/>
-              <a:t> une carte de chaleur</a:t>
+              <a:t>Ajouter un attribut</a:t>
             </a:r>
           </a:p>
           <a:p>
@@ -6142,24 +6476,8 @@
               <a:buChar char="-"/>
             </a:pPr>
             <a:r>
-              <a:rPr lang="fr-FR" baseline="0" dirty="0" smtClean="0"/>
-              <a:t>Sur la couche </a:t>
-            </a:r>
-            <a:r>
-              <a:rPr lang="fr-FR" baseline="0" dirty="0" err="1" smtClean="0"/>
-              <a:t>villes_alsace</a:t>
-            </a:r>
-            <a:r>
-              <a:rPr lang="fr-FR" baseline="0" dirty="0" smtClean="0"/>
-              <a:t>, clic droit -&gt; </a:t>
-            </a:r>
-            <a:r>
-              <a:rPr lang="fr-FR" baseline="0" dirty="0" err="1" smtClean="0"/>
-              <a:t>Analysis</a:t>
-            </a:r>
-            <a:r>
-              <a:rPr lang="fr-FR" baseline="0" dirty="0" smtClean="0"/>
-              <a:t> -&gt; DENSITY</a:t>
+              <a:rPr lang="fr-FR" dirty="0" smtClean="0"/>
+              <a:t>Sur la couche relais, clic droit -&gt; EDIT ATTRIBUTES</a:t>
             </a:r>
           </a:p>
           <a:p>
@@ -6168,16 +6486,25 @@
               <a:buChar char="-"/>
             </a:pPr>
             <a:r>
-              <a:rPr lang="fr-FR" baseline="0" dirty="0" smtClean="0"/>
-              <a:t>Si besoin augmenter le paramètre « </a:t>
-            </a:r>
-            <a:r>
-              <a:rPr lang="fr-FR" baseline="0" dirty="0" err="1" smtClean="0"/>
-              <a:t>Search</a:t>
-            </a:r>
-            <a:r>
-              <a:rPr lang="fr-FR" baseline="0" dirty="0" smtClean="0"/>
-              <a:t> radius » pour augmenter la sensibilité</a:t>
+              <a:rPr lang="fr-FR" dirty="0" smtClean="0"/>
+              <a:t>Icone ajouter un attribut</a:t>
+            </a:r>
+          </a:p>
+          <a:p>
+            <a:pPr marL="0" indent="0">
+              <a:buFontTx/>
+              <a:buNone/>
+            </a:pPr>
+            <a:endParaRPr lang="fr-FR" dirty="0" smtClean="0"/>
+          </a:p>
+          <a:p>
+            <a:pPr marL="0" indent="0">
+              <a:buFontTx/>
+              <a:buNone/>
+            </a:pPr>
+            <a:r>
+              <a:rPr lang="fr-FR" dirty="0" smtClean="0"/>
+              <a:t>2) Copier le contenu d’un attribut vers un autre</a:t>
             </a:r>
           </a:p>
           <a:p>
@@ -6186,16 +6513,12 @@
               <a:buChar char="-"/>
             </a:pPr>
             <a:r>
-              <a:rPr lang="fr-FR" baseline="0" dirty="0" err="1" smtClean="0"/>
-              <a:t>Shader</a:t>
-            </a:r>
-            <a:r>
-              <a:rPr lang="fr-FR" baseline="0" dirty="0" smtClean="0"/>
-              <a:t> : Mettre Atlas </a:t>
-            </a:r>
-            <a:r>
-              <a:rPr lang="fr-FR" baseline="0" dirty="0" err="1" smtClean="0"/>
-              <a:t>shader</a:t>
+              <a:rPr lang="fr-FR" baseline="0" dirty="0" smtClean="0"/>
+              <a:t>Sur la couche relais, clic droit -&gt; LAYER -&gt; CALCULATE/COPY </a:t>
+            </a:r>
+            <a:r>
+              <a:rPr lang="fr-FR" baseline="0" dirty="0" err="1" smtClean="0"/>
+              <a:t>attributes</a:t>
             </a:r>
             <a:endParaRPr lang="fr-FR" baseline="0" dirty="0" smtClean="0"/>
           </a:p>
@@ -6204,26 +6527,24 @@
               <a:buFontTx/>
               <a:buChar char="-"/>
             </a:pPr>
+            <a:r>
+              <a:rPr lang="fr-FR" baseline="0" dirty="0" smtClean="0"/>
+              <a:t>OU clic droit -&gt; EDIT ATTRIBUTES -&gt; icone CALCULATE </a:t>
+            </a:r>
+            <a:r>
+              <a:rPr lang="fr-FR" baseline="0" dirty="0" err="1" smtClean="0"/>
+              <a:t>attributes</a:t>
+            </a:r>
             <a:endParaRPr lang="fr-FR" baseline="0" dirty="0" smtClean="0"/>
           </a:p>
           <a:p>
-            <a:pPr marL="0" indent="0">
-              <a:buFontTx/>
-              <a:buNone/>
-            </a:pPr>
-            <a:r>
-              <a:rPr lang="fr-FR" baseline="0" dirty="0" smtClean="0"/>
-              <a:t>2) Compter les points</a:t>
-            </a:r>
-          </a:p>
-          <a:p>
             <a:pPr marL="171450" indent="-171450">
               <a:buFontTx/>
               <a:buChar char="-"/>
             </a:pPr>
             <a:r>
               <a:rPr lang="fr-FR" baseline="0" dirty="0" smtClean="0"/>
-              <a:t>Avec le numériseur, sélectionner la zone</a:t>
+              <a:t>Indiquer « NORME2 » en attribut de destination</a:t>
             </a:r>
           </a:p>
           <a:p>
@@ -6233,69 +6554,17 @@
             </a:pPr>
             <a:r>
               <a:rPr lang="fr-FR" baseline="0" dirty="0" smtClean="0"/>
-              <a:t>Clic droit -&gt; </a:t>
-            </a:r>
-            <a:r>
-              <a:rPr lang="fr-FR" baseline="0" dirty="0" err="1" smtClean="0"/>
-              <a:t>Attribute</a:t>
-            </a:r>
-            <a:r>
-              <a:rPr lang="fr-FR" baseline="0" dirty="0" smtClean="0"/>
-              <a:t>/style </a:t>
-            </a:r>
-            <a:r>
-              <a:rPr lang="fr-FR" baseline="0" dirty="0" err="1" smtClean="0"/>
-              <a:t>functions</a:t>
-            </a:r>
-            <a:r>
-              <a:rPr lang="fr-FR" baseline="0" dirty="0" smtClean="0"/>
-              <a:t> -&gt; </a:t>
-            </a:r>
-            <a:r>
-              <a:rPr lang="fr-FR" baseline="0" dirty="0" err="1" smtClean="0"/>
-              <a:t>add</a:t>
-            </a:r>
-            <a:r>
-              <a:rPr lang="fr-FR" baseline="0" dirty="0" smtClean="0"/>
-              <a:t> </a:t>
-            </a:r>
-            <a:r>
-              <a:rPr lang="fr-FR" baseline="0" dirty="0" err="1" smtClean="0"/>
-              <a:t>attributes</a:t>
-            </a:r>
-            <a:r>
-              <a:rPr lang="fr-FR" baseline="0" dirty="0" smtClean="0"/>
-              <a:t> </a:t>
-            </a:r>
-            <a:r>
-              <a:rPr lang="fr-FR" baseline="0" dirty="0" err="1" smtClean="0"/>
-              <a:t>with</a:t>
-            </a:r>
-            <a:r>
-              <a:rPr lang="fr-FR" baseline="0" dirty="0" smtClean="0"/>
-              <a:t> count of points and </a:t>
-            </a:r>
-            <a:r>
-              <a:rPr lang="fr-FR" baseline="0" dirty="0" err="1" smtClean="0"/>
-              <a:t>lines</a:t>
-            </a:r>
-            <a:endParaRPr lang="fr-FR" baseline="0" dirty="0" smtClean="0"/>
+              <a:t>Option « utiliser un calcul simple »</a:t>
+            </a:r>
           </a:p>
           <a:p>
             <a:pPr marL="171450" indent="-171450">
               <a:buFontTx/>
               <a:buChar char="-"/>
             </a:pPr>
-            <a:endParaRPr lang="fr-FR" baseline="0" dirty="0" smtClean="0"/>
-          </a:p>
-          <a:p>
-            <a:pPr marL="0" indent="0">
-              <a:buFontTx/>
-              <a:buNone/>
-            </a:pPr>
-            <a:r>
-              <a:rPr lang="fr-FR" baseline="0" dirty="0" smtClean="0"/>
-              <a:t>3) Importer les relais</a:t>
+            <a:r>
+              <a:rPr lang="fr-FR" baseline="0" dirty="0" smtClean="0"/>
+              <a:t>Attribut source : NORME</a:t>
             </a:r>
           </a:p>
           <a:p>
@@ -6305,7 +6574,7 @@
             </a:pPr>
             <a:r>
               <a:rPr lang="fr-FR" baseline="0" dirty="0" smtClean="0"/>
-              <a:t>Faire glisser le fichier CARTO/IMPORT/relais.csv</a:t>
+              <a:t>Opération : copier l’attribut source</a:t>
             </a:r>
           </a:p>
           <a:p>
@@ -6314,229 +6583,10 @@
               <a:buChar char="-"/>
             </a:pPr>
             <a:r>
-              <a:rPr lang="fr-FR" baseline="0" dirty="0" smtClean="0"/>
-              <a:t>Point </a:t>
-            </a:r>
-            <a:r>
-              <a:rPr lang="fr-FR" baseline="0" dirty="0" err="1" smtClean="0"/>
-              <a:t>only</a:t>
-            </a:r>
-            <a:endParaRPr lang="fr-FR" baseline="0" dirty="0" smtClean="0"/>
-          </a:p>
-          <a:p>
-            <a:pPr marL="171450" indent="-171450">
-              <a:buFontTx/>
-              <a:buChar char="-"/>
-            </a:pPr>
-            <a:r>
-              <a:rPr lang="fr-FR" baseline="0" dirty="0" err="1" smtClean="0"/>
-              <a:t>Coordinate</a:t>
-            </a:r>
-            <a:r>
-              <a:rPr lang="fr-FR" baseline="0" dirty="0" smtClean="0"/>
-              <a:t> format : MGRS</a:t>
-            </a:r>
-          </a:p>
-          <a:p>
-            <a:pPr marL="171450" indent="-171450">
-              <a:buFontTx/>
-              <a:buChar char="-"/>
-            </a:pPr>
-            <a:r>
-              <a:rPr lang="fr-FR" baseline="0" dirty="0" smtClean="0"/>
-              <a:t>Cocher « </a:t>
-            </a:r>
-            <a:r>
-              <a:rPr lang="fr-FR" baseline="0" dirty="0" err="1" smtClean="0"/>
-              <a:t>column</a:t>
-            </a:r>
-            <a:r>
-              <a:rPr lang="fr-FR" baseline="0" dirty="0" smtClean="0"/>
-              <a:t> headers in first </a:t>
-            </a:r>
-            <a:r>
-              <a:rPr lang="fr-FR" baseline="0" dirty="0" err="1" smtClean="0"/>
-              <a:t>row</a:t>
-            </a:r>
-            <a:r>
-              <a:rPr lang="fr-FR" baseline="0" dirty="0" smtClean="0"/>
-              <a:t> »</a:t>
-            </a:r>
-          </a:p>
-          <a:p>
-            <a:pPr marL="171450" indent="-171450">
-              <a:buFontTx/>
-              <a:buChar char="-"/>
-            </a:pPr>
-            <a:r>
-              <a:rPr lang="fr-FR" baseline="0" dirty="0" err="1" smtClean="0"/>
-              <a:t>Decocher</a:t>
-            </a:r>
-            <a:r>
-              <a:rPr lang="fr-FR" baseline="0" dirty="0" smtClean="0"/>
-              <a:t> « </a:t>
-            </a:r>
-            <a:r>
-              <a:rPr lang="fr-FR" baseline="0" dirty="0" err="1" smtClean="0"/>
-              <a:t>treat</a:t>
-            </a:r>
-            <a:r>
-              <a:rPr lang="fr-FR" baseline="0" dirty="0" smtClean="0"/>
-              <a:t> 3rd </a:t>
-            </a:r>
-            <a:r>
-              <a:rPr lang="fr-FR" baseline="0" dirty="0" err="1" smtClean="0"/>
-              <a:t>coordinate</a:t>
-            </a:r>
-            <a:r>
-              <a:rPr lang="fr-FR" baseline="0" dirty="0" smtClean="0"/>
-              <a:t> value as </a:t>
-            </a:r>
-            <a:r>
-              <a:rPr lang="fr-FR" baseline="0" dirty="0" err="1" smtClean="0"/>
-              <a:t>elevation</a:t>
-            </a:r>
-            <a:r>
-              <a:rPr lang="fr-FR" baseline="0" dirty="0" smtClean="0"/>
-              <a:t> »</a:t>
-            </a:r>
-          </a:p>
-          <a:p>
-            <a:pPr marL="171450" indent="-171450">
-              <a:buFontTx/>
-              <a:buChar char="-"/>
-            </a:pPr>
-            <a:r>
-              <a:rPr lang="fr-FR" baseline="0" dirty="0" smtClean="0"/>
-              <a:t>En projection indiquer </a:t>
-            </a:r>
-            <a:r>
-              <a:rPr lang="fr-FR" baseline="0" dirty="0" err="1" smtClean="0"/>
-              <a:t>Geographic</a:t>
-            </a:r>
-            <a:r>
-              <a:rPr lang="fr-FR" baseline="0" dirty="0" smtClean="0"/>
-              <a:t>, </a:t>
-            </a:r>
-            <a:r>
-              <a:rPr lang="fr-FR" baseline="0" dirty="0" err="1" smtClean="0"/>
-              <a:t>Datum</a:t>
-            </a:r>
-            <a:r>
-              <a:rPr lang="fr-FR" baseline="0" dirty="0" smtClean="0"/>
-              <a:t> : WGS84</a:t>
-            </a:r>
-          </a:p>
-          <a:p>
-            <a:pPr marL="171450" indent="-171450">
-              <a:buFontTx/>
-              <a:buChar char="-"/>
-            </a:pPr>
-            <a:endParaRPr lang="fr-FR" baseline="0" dirty="0" smtClean="0"/>
-          </a:p>
-          <a:p>
-            <a:pPr marL="0" indent="0">
-              <a:buFontTx/>
-              <a:buNone/>
-            </a:pPr>
-            <a:r>
-              <a:rPr lang="fr-FR" baseline="0" dirty="0" smtClean="0"/>
-              <a:t>4) Générer un </a:t>
-            </a:r>
-            <a:r>
-              <a:rPr lang="fr-FR" baseline="0" dirty="0" err="1" smtClean="0"/>
-              <a:t>diagrame</a:t>
-            </a:r>
-            <a:r>
-              <a:rPr lang="fr-FR" baseline="0" dirty="0" smtClean="0"/>
-              <a:t> </a:t>
-            </a:r>
-            <a:r>
-              <a:rPr lang="fr-FR" baseline="0" dirty="0" err="1" smtClean="0"/>
-              <a:t>Voronoi</a:t>
-            </a:r>
-            <a:r>
-              <a:rPr lang="fr-FR" baseline="0" dirty="0" smtClean="0"/>
-              <a:t> </a:t>
-            </a:r>
-            <a:r>
-              <a:rPr lang="fr-FR" baseline="0" dirty="0" err="1" smtClean="0"/>
-              <a:t>Thiessen</a:t>
-            </a:r>
-            <a:endParaRPr lang="fr-FR" baseline="0" dirty="0" smtClean="0"/>
-          </a:p>
-          <a:p>
-            <a:pPr marL="171450" indent="-171450">
-              <a:buFontTx/>
-              <a:buChar char="-"/>
-            </a:pPr>
-            <a:r>
-              <a:rPr lang="fr-FR" baseline="0" dirty="0" smtClean="0"/>
-              <a:t>Masquer toutes les couches vecteurs sauf la couche relais</a:t>
-            </a:r>
-          </a:p>
-          <a:p>
-            <a:pPr marL="171450" indent="-171450">
-              <a:buFontTx/>
-              <a:buChar char="-"/>
-            </a:pPr>
-            <a:r>
-              <a:rPr lang="fr-FR" baseline="0" dirty="0" smtClean="0"/>
-              <a:t>Menu </a:t>
-            </a:r>
-            <a:r>
-              <a:rPr lang="fr-FR" baseline="0" dirty="0" err="1" smtClean="0"/>
-              <a:t>Analysis</a:t>
-            </a:r>
-            <a:r>
-              <a:rPr lang="fr-FR" baseline="0" dirty="0" smtClean="0"/>
-              <a:t> -&gt; </a:t>
-            </a:r>
-            <a:r>
-              <a:rPr lang="fr-FR" baseline="0" dirty="0" err="1" smtClean="0"/>
-              <a:t>Create</a:t>
-            </a:r>
-            <a:r>
-              <a:rPr lang="fr-FR" baseline="0" dirty="0" smtClean="0"/>
-              <a:t> &gt;</a:t>
-            </a:r>
-            <a:r>
-              <a:rPr lang="fr-FR" baseline="0" dirty="0" err="1" smtClean="0"/>
-              <a:t>Voronoi</a:t>
-            </a:r>
-            <a:r>
-              <a:rPr lang="fr-FR" baseline="0" dirty="0" smtClean="0"/>
-              <a:t>/</a:t>
-            </a:r>
-            <a:r>
-              <a:rPr lang="fr-FR" baseline="0" dirty="0" err="1" smtClean="0"/>
-              <a:t>Thiessen</a:t>
-            </a:r>
-            <a:r>
-              <a:rPr lang="fr-FR" baseline="0" dirty="0" smtClean="0"/>
-              <a:t> </a:t>
-            </a:r>
-            <a:r>
-              <a:rPr lang="fr-FR" baseline="0" dirty="0" err="1" smtClean="0"/>
-              <a:t>Diagram</a:t>
-            </a:r>
-            <a:r>
-              <a:rPr lang="fr-FR" baseline="0" dirty="0" smtClean="0"/>
-              <a:t> </a:t>
-            </a:r>
-            <a:r>
-              <a:rPr lang="fr-FR" baseline="0" dirty="0" err="1" smtClean="0"/>
-              <a:t>from</a:t>
-            </a:r>
-            <a:r>
-              <a:rPr lang="fr-FR" baseline="0" dirty="0" smtClean="0"/>
-              <a:t> points </a:t>
-            </a:r>
-            <a:r>
-              <a:rPr lang="fr-FR" baseline="0" dirty="0" err="1" smtClean="0"/>
-              <a:t>features</a:t>
-            </a:r>
-            <a:endParaRPr lang="fr-FR" dirty="0"/>
+              <a:rPr lang="fr-FR" baseline="0" smtClean="0"/>
+              <a:t>Valider</a:t>
+            </a:r>
+            <a:endParaRPr lang="fr-FR" dirty="0" smtClean="0"/>
           </a:p>
         </p:txBody>
       </p:sp>
@@ -6566,7 +6616,7 @@
     </p:spTree>
     <p:extLst>
       <p:ext uri="{BB962C8B-B14F-4D97-AF65-F5344CB8AC3E}">
-        <p14:creationId xmlns:p14="http://schemas.microsoft.com/office/powerpoint/2010/main" val="2486356471"/>
+        <p14:creationId xmlns:p14="http://schemas.microsoft.com/office/powerpoint/2010/main" val="4022308970"/>
       </p:ext>
     </p:extLst>
   </p:cSld>
@@ -6624,8 +6674,205 @@
               <a:buAutoNum type="arabicParenR"/>
             </a:pPr>
             <a:r>
-              <a:rPr lang="fr-FR" baseline="0" dirty="0" smtClean="0"/>
-              <a:t>Etude de densité</a:t>
+              <a:rPr lang="fr-FR" dirty="0" smtClean="0"/>
+              <a:t>Afficher</a:t>
+            </a:r>
+            <a:r>
+              <a:rPr lang="fr-FR" baseline="0" dirty="0" smtClean="0"/>
+              <a:t> une carte de chaleur</a:t>
+            </a:r>
+          </a:p>
+          <a:p>
+            <a:pPr marL="171450" indent="-171450">
+              <a:buFontTx/>
+              <a:buChar char="-"/>
+            </a:pPr>
+            <a:r>
+              <a:rPr lang="fr-FR" baseline="0" dirty="0" smtClean="0"/>
+              <a:t>Sur la couche </a:t>
+            </a:r>
+            <a:r>
+              <a:rPr lang="fr-FR" baseline="0" dirty="0" err="1" smtClean="0"/>
+              <a:t>villes_alsace</a:t>
+            </a:r>
+            <a:r>
+              <a:rPr lang="fr-FR" baseline="0" dirty="0" smtClean="0"/>
+              <a:t>, clic droit -&gt; </a:t>
+            </a:r>
+            <a:r>
+              <a:rPr lang="fr-FR" baseline="0" dirty="0" err="1" smtClean="0"/>
+              <a:t>Analysis</a:t>
+            </a:r>
+            <a:r>
+              <a:rPr lang="fr-FR" baseline="0" dirty="0" smtClean="0"/>
+              <a:t> -&gt; DENSITY</a:t>
+            </a:r>
+          </a:p>
+          <a:p>
+            <a:pPr marL="171450" indent="-171450">
+              <a:buFontTx/>
+              <a:buChar char="-"/>
+            </a:pPr>
+            <a:r>
+              <a:rPr lang="fr-FR" baseline="0" dirty="0" smtClean="0"/>
+              <a:t>Si besoin augmenter le paramètre « </a:t>
+            </a:r>
+            <a:r>
+              <a:rPr lang="fr-FR" baseline="0" dirty="0" err="1" smtClean="0"/>
+              <a:t>Search</a:t>
+            </a:r>
+            <a:r>
+              <a:rPr lang="fr-FR" baseline="0" dirty="0" smtClean="0"/>
+              <a:t> radius » pour augmenter la sensibilité</a:t>
+            </a:r>
+          </a:p>
+          <a:p>
+            <a:pPr marL="171450" indent="-171450">
+              <a:buFontTx/>
+              <a:buChar char="-"/>
+            </a:pPr>
+            <a:r>
+              <a:rPr lang="fr-FR" baseline="0" dirty="0" err="1" smtClean="0"/>
+              <a:t>Shader</a:t>
+            </a:r>
+            <a:r>
+              <a:rPr lang="fr-FR" baseline="0" dirty="0" smtClean="0"/>
+              <a:t> : Mettre Atlas </a:t>
+            </a:r>
+            <a:r>
+              <a:rPr lang="fr-FR" baseline="0" dirty="0" err="1" smtClean="0"/>
+              <a:t>shader</a:t>
+            </a:r>
+            <a:endParaRPr lang="fr-FR" baseline="0" dirty="0" smtClean="0"/>
+          </a:p>
+          <a:p>
+            <a:pPr marL="171450" indent="-171450">
+              <a:buFontTx/>
+              <a:buChar char="-"/>
+            </a:pPr>
+            <a:endParaRPr lang="fr-FR" baseline="0" dirty="0" smtClean="0"/>
+          </a:p>
+          <a:p>
+            <a:pPr marL="0" indent="0">
+              <a:buFontTx/>
+              <a:buNone/>
+            </a:pPr>
+            <a:r>
+              <a:rPr lang="fr-FR" baseline="0" dirty="0" smtClean="0"/>
+              <a:t>2) Compter les points</a:t>
+            </a:r>
+          </a:p>
+          <a:p>
+            <a:pPr marL="171450" indent="-171450">
+              <a:buFontTx/>
+              <a:buChar char="-"/>
+            </a:pPr>
+            <a:r>
+              <a:rPr lang="fr-FR" baseline="0" dirty="0" smtClean="0"/>
+              <a:t>Avec le numériseur, sélectionner la zone</a:t>
+            </a:r>
+          </a:p>
+          <a:p>
+            <a:pPr marL="171450" indent="-171450">
+              <a:buFontTx/>
+              <a:buChar char="-"/>
+            </a:pPr>
+            <a:r>
+              <a:rPr lang="fr-FR" baseline="0" dirty="0" smtClean="0"/>
+              <a:t>Clic droit -&gt; </a:t>
+            </a:r>
+            <a:r>
+              <a:rPr lang="fr-FR" baseline="0" dirty="0" err="1" smtClean="0"/>
+              <a:t>Attribute</a:t>
+            </a:r>
+            <a:r>
+              <a:rPr lang="fr-FR" baseline="0" dirty="0" smtClean="0"/>
+              <a:t>/style </a:t>
+            </a:r>
+            <a:r>
+              <a:rPr lang="fr-FR" baseline="0" dirty="0" err="1" smtClean="0"/>
+              <a:t>functions</a:t>
+            </a:r>
+            <a:r>
+              <a:rPr lang="fr-FR" baseline="0" dirty="0" smtClean="0"/>
+              <a:t> -&gt; </a:t>
+            </a:r>
+            <a:r>
+              <a:rPr lang="fr-FR" baseline="0" dirty="0" err="1" smtClean="0"/>
+              <a:t>add</a:t>
+            </a:r>
+            <a:r>
+              <a:rPr lang="fr-FR" baseline="0" dirty="0" smtClean="0"/>
+              <a:t> </a:t>
+            </a:r>
+            <a:r>
+              <a:rPr lang="fr-FR" baseline="0" dirty="0" err="1" smtClean="0"/>
+              <a:t>attributes</a:t>
+            </a:r>
+            <a:r>
+              <a:rPr lang="fr-FR" baseline="0" dirty="0" smtClean="0"/>
+              <a:t> </a:t>
+            </a:r>
+            <a:r>
+              <a:rPr lang="fr-FR" baseline="0" dirty="0" err="1" smtClean="0"/>
+              <a:t>with</a:t>
+            </a:r>
+            <a:r>
+              <a:rPr lang="fr-FR" baseline="0" dirty="0" smtClean="0"/>
+              <a:t> count of points and </a:t>
+            </a:r>
+            <a:r>
+              <a:rPr lang="fr-FR" baseline="0" dirty="0" err="1" smtClean="0"/>
+              <a:t>lines</a:t>
+            </a:r>
+            <a:endParaRPr lang="fr-FR" baseline="0" dirty="0" smtClean="0"/>
+          </a:p>
+          <a:p>
+            <a:pPr marL="171450" indent="-171450">
+              <a:buFontTx/>
+              <a:buChar char="-"/>
+            </a:pPr>
+            <a:endParaRPr lang="fr-FR" baseline="0" dirty="0" smtClean="0"/>
+          </a:p>
+          <a:p>
+            <a:pPr marL="0" indent="0">
+              <a:buFontTx/>
+              <a:buNone/>
+            </a:pPr>
+            <a:r>
+              <a:rPr lang="fr-FR" baseline="0" dirty="0" smtClean="0"/>
+              <a:t>3) Importer le vecteur trajets</a:t>
+            </a:r>
+          </a:p>
+          <a:p>
+            <a:pPr marL="0" indent="0">
+              <a:buFontTx/>
+              <a:buNone/>
+            </a:pPr>
+            <a:r>
+              <a:rPr lang="fr-FR" baseline="0" dirty="0" smtClean="0"/>
+              <a:t>- VECTEURS/trajets/</a:t>
+            </a:r>
+            <a:r>
+              <a:rPr lang="fr-FR" baseline="0" dirty="0" err="1" smtClean="0"/>
+              <a:t>trajets.shp</a:t>
+            </a:r>
+            <a:endParaRPr lang="fr-FR" baseline="0" dirty="0" smtClean="0"/>
+          </a:p>
+          <a:p>
+            <a:pPr marL="0" indent="0">
+              <a:buFontTx/>
+              <a:buNone/>
+            </a:pPr>
+            <a:endParaRPr lang="fr-FR" baseline="0" dirty="0" smtClean="0"/>
+          </a:p>
+          <a:p>
+            <a:pPr marL="0" indent="0">
+              <a:buNone/>
+            </a:pPr>
+            <a:r>
+              <a:rPr lang="fr-FR" baseline="0" dirty="0" smtClean="0"/>
+              <a:t>4) Etude de densité</a:t>
             </a:r>
           </a:p>
           <a:p>
@@ -6786,6 +7033,13 @@
               <a:rPr lang="fr-FR" baseline="0" dirty="0" smtClean="0"/>
               <a:t>Masquer les couches trajets et points</a:t>
             </a:r>
+          </a:p>
+          <a:p>
+            <a:pPr marL="0" indent="0">
+              <a:buFontTx/>
+              <a:buNone/>
+            </a:pPr>
+            <a:endParaRPr lang="fr-FR" dirty="0"/>
           </a:p>
         </p:txBody>
       </p:sp>
@@ -6815,7 +7069,7 @@
     </p:spTree>
     <p:extLst>
       <p:ext uri="{BB962C8B-B14F-4D97-AF65-F5344CB8AC3E}">
-        <p14:creationId xmlns:p14="http://schemas.microsoft.com/office/powerpoint/2010/main" val="2261096632"/>
+        <p14:creationId xmlns:p14="http://schemas.microsoft.com/office/powerpoint/2010/main" val="2486356471"/>
       </p:ext>
     </p:extLst>
   </p:cSld>
@@ -6826,6 +7080,586 @@
 </file>
 
 <file path=ppt/notesSlides/notesSlide28.xml><?xml version="1.0" encoding="utf-8"?>
+<p:notes xmlns:a="http://schemas.openxmlformats.org/drawingml/2006/main" xmlns:r="http://schemas.openxmlformats.org/officeDocument/2006/relationships" xmlns:p="http://schemas.openxmlformats.org/presentationml/2006/main">
+  <p:cSld>
+    <p:spTree>
+      <p:nvGrpSpPr>
+        <p:cNvPr id="1" name=""/>
+        <p:cNvGrpSpPr/>
+        <p:nvPr/>
+      </p:nvGrpSpPr>
+      <p:grpSpPr>
+        <a:xfrm>
+          <a:off x="0" y="0"/>
+          <a:ext cx="0" cy="0"/>
+          <a:chOff x="0" y="0"/>
+          <a:chExt cx="0" cy="0"/>
+        </a:xfrm>
+      </p:grpSpPr>
+      <p:sp>
+        <p:nvSpPr>
+          <p:cNvPr id="2" name="Espace réservé de l'image des diapositives 1"/>
+          <p:cNvSpPr>
+            <a:spLocks noGrp="1" noRot="1" noChangeAspect="1"/>
+          </p:cNvSpPr>
+          <p:nvPr>
+            <p:ph type="sldImg"/>
+          </p:nvPr>
+        </p:nvSpPr>
+        <p:spPr/>
+      </p:sp>
+      <p:sp>
+        <p:nvSpPr>
+          <p:cNvPr id="3" name="Espace réservé des commentaires 2"/>
+          <p:cNvSpPr>
+            <a:spLocks noGrp="1"/>
+          </p:cNvSpPr>
+          <p:nvPr>
+            <p:ph type="body" idx="1"/>
+          </p:nvPr>
+        </p:nvSpPr>
+        <p:spPr/>
+        <p:txBody>
+          <a:bodyPr/>
+          <a:lstStyle/>
+          <a:p>
+            <a:pPr marL="228600" indent="-228600">
+              <a:buFontTx/>
+              <a:buAutoNum type="arabicParenR"/>
+            </a:pPr>
+            <a:r>
+              <a:rPr lang="fr-FR" baseline="0" dirty="0" smtClean="0"/>
+              <a:t>Importer la FITEC 5</a:t>
+            </a:r>
+          </a:p>
+          <a:p>
+            <a:pPr marL="228600" indent="-228600">
+              <a:buFontTx/>
+              <a:buAutoNum type="arabicParenR"/>
+            </a:pPr>
+            <a:endParaRPr lang="fr-FR" baseline="0" dirty="0" smtClean="0"/>
+          </a:p>
+          <a:p>
+            <a:pPr marL="228600" indent="-228600">
+              <a:buFontTx/>
+              <a:buAutoNum type="arabicParenR"/>
+            </a:pPr>
+            <a:r>
+              <a:rPr lang="fr-FR" baseline="0" smtClean="0"/>
+              <a:t>Importer le fichier BDD_VUHF.csv</a:t>
+            </a:r>
+            <a:endParaRPr lang="fr-FR" baseline="0" dirty="0" smtClean="0"/>
+          </a:p>
+          <a:p>
+            <a:pPr marL="228600" indent="-228600">
+              <a:buFontTx/>
+              <a:buAutoNum type="arabicParenR"/>
+            </a:pPr>
+            <a:endParaRPr lang="fr-FR" baseline="0" dirty="0" smtClean="0"/>
+          </a:p>
+          <a:p>
+            <a:pPr marL="0" indent="0">
+              <a:buFontTx/>
+              <a:buNone/>
+            </a:pPr>
+            <a:r>
+              <a:rPr lang="fr-FR" baseline="0" dirty="0" smtClean="0"/>
+              <a:t>3) Importer les relais</a:t>
+            </a:r>
+          </a:p>
+          <a:p>
+            <a:pPr marL="171450" indent="-171450">
+              <a:buFontTx/>
+              <a:buChar char="-"/>
+            </a:pPr>
+            <a:r>
+              <a:rPr lang="fr-FR" baseline="0" dirty="0" smtClean="0"/>
+              <a:t>Faire glisser le fichier CARTO/IMPORT/relais.csv</a:t>
+            </a:r>
+          </a:p>
+          <a:p>
+            <a:pPr marL="171450" indent="-171450">
+              <a:buFontTx/>
+              <a:buChar char="-"/>
+            </a:pPr>
+            <a:r>
+              <a:rPr lang="fr-FR" baseline="0" dirty="0" smtClean="0"/>
+              <a:t>Point </a:t>
+            </a:r>
+            <a:r>
+              <a:rPr lang="fr-FR" baseline="0" dirty="0" err="1" smtClean="0"/>
+              <a:t>only</a:t>
+            </a:r>
+            <a:endParaRPr lang="fr-FR" baseline="0" dirty="0" smtClean="0"/>
+          </a:p>
+          <a:p>
+            <a:pPr marL="171450" indent="-171450">
+              <a:buFontTx/>
+              <a:buChar char="-"/>
+            </a:pPr>
+            <a:r>
+              <a:rPr lang="fr-FR" baseline="0" dirty="0" err="1" smtClean="0"/>
+              <a:t>Coordinate</a:t>
+            </a:r>
+            <a:r>
+              <a:rPr lang="fr-FR" baseline="0" dirty="0" smtClean="0"/>
+              <a:t> format : MGRS</a:t>
+            </a:r>
+          </a:p>
+          <a:p>
+            <a:pPr marL="171450" indent="-171450">
+              <a:buFontTx/>
+              <a:buChar char="-"/>
+            </a:pPr>
+            <a:r>
+              <a:rPr lang="fr-FR" baseline="0" dirty="0" smtClean="0"/>
+              <a:t>Cocher « </a:t>
+            </a:r>
+            <a:r>
+              <a:rPr lang="fr-FR" baseline="0" dirty="0" err="1" smtClean="0"/>
+              <a:t>column</a:t>
+            </a:r>
+            <a:r>
+              <a:rPr lang="fr-FR" baseline="0" dirty="0" smtClean="0"/>
+              <a:t> headers in first </a:t>
+            </a:r>
+            <a:r>
+              <a:rPr lang="fr-FR" baseline="0" dirty="0" err="1" smtClean="0"/>
+              <a:t>row</a:t>
+            </a:r>
+            <a:r>
+              <a:rPr lang="fr-FR" baseline="0" dirty="0" smtClean="0"/>
+              <a:t> »</a:t>
+            </a:r>
+          </a:p>
+          <a:p>
+            <a:pPr marL="171450" indent="-171450">
+              <a:buFontTx/>
+              <a:buChar char="-"/>
+            </a:pPr>
+            <a:r>
+              <a:rPr lang="fr-FR" baseline="0" dirty="0" err="1" smtClean="0"/>
+              <a:t>Decocher</a:t>
+            </a:r>
+            <a:r>
+              <a:rPr lang="fr-FR" baseline="0" dirty="0" smtClean="0"/>
+              <a:t> « </a:t>
+            </a:r>
+            <a:r>
+              <a:rPr lang="fr-FR" baseline="0" dirty="0" err="1" smtClean="0"/>
+              <a:t>treat</a:t>
+            </a:r>
+            <a:r>
+              <a:rPr lang="fr-FR" baseline="0" dirty="0" smtClean="0"/>
+              <a:t> 3rd </a:t>
+            </a:r>
+            <a:r>
+              <a:rPr lang="fr-FR" baseline="0" dirty="0" err="1" smtClean="0"/>
+              <a:t>coordinate</a:t>
+            </a:r>
+            <a:r>
+              <a:rPr lang="fr-FR" baseline="0" dirty="0" smtClean="0"/>
+              <a:t> value as </a:t>
+            </a:r>
+            <a:r>
+              <a:rPr lang="fr-FR" baseline="0" dirty="0" err="1" smtClean="0"/>
+              <a:t>elevation</a:t>
+            </a:r>
+            <a:r>
+              <a:rPr lang="fr-FR" baseline="0" dirty="0" smtClean="0"/>
+              <a:t> »</a:t>
+            </a:r>
+          </a:p>
+          <a:p>
+            <a:pPr marL="171450" indent="-171450">
+              <a:buFontTx/>
+              <a:buChar char="-"/>
+            </a:pPr>
+            <a:r>
+              <a:rPr lang="fr-FR" baseline="0" dirty="0" smtClean="0"/>
+              <a:t>En projection indiquer </a:t>
+            </a:r>
+            <a:r>
+              <a:rPr lang="fr-FR" baseline="0" dirty="0" err="1" smtClean="0"/>
+              <a:t>Geographic</a:t>
+            </a:r>
+            <a:r>
+              <a:rPr lang="fr-FR" baseline="0" dirty="0" smtClean="0"/>
+              <a:t>, </a:t>
+            </a:r>
+            <a:r>
+              <a:rPr lang="fr-FR" baseline="0" dirty="0" err="1" smtClean="0"/>
+              <a:t>Datum</a:t>
+            </a:r>
+            <a:r>
+              <a:rPr lang="fr-FR" baseline="0" dirty="0" smtClean="0"/>
+              <a:t> : WGS84</a:t>
+            </a:r>
+          </a:p>
+          <a:p>
+            <a:pPr marL="171450" indent="-171450">
+              <a:buFontTx/>
+              <a:buChar char="-"/>
+            </a:pPr>
+            <a:endParaRPr lang="fr-FR" baseline="0" dirty="0" smtClean="0"/>
+          </a:p>
+          <a:p>
+            <a:pPr marL="0" indent="0">
+              <a:buFontTx/>
+              <a:buNone/>
+            </a:pPr>
+            <a:r>
+              <a:rPr lang="fr-FR" baseline="0" dirty="0" smtClean="0"/>
+              <a:t>4) Générer un </a:t>
+            </a:r>
+            <a:r>
+              <a:rPr lang="fr-FR" baseline="0" dirty="0" err="1" smtClean="0"/>
+              <a:t>diagrame</a:t>
+            </a:r>
+            <a:r>
+              <a:rPr lang="fr-FR" baseline="0" dirty="0" smtClean="0"/>
+              <a:t> </a:t>
+            </a:r>
+            <a:r>
+              <a:rPr lang="fr-FR" baseline="0" dirty="0" err="1" smtClean="0"/>
+              <a:t>Voronoi</a:t>
+            </a:r>
+            <a:r>
+              <a:rPr lang="fr-FR" baseline="0" dirty="0" smtClean="0"/>
+              <a:t> </a:t>
+            </a:r>
+            <a:r>
+              <a:rPr lang="fr-FR" baseline="0" dirty="0" err="1" smtClean="0"/>
+              <a:t>Thiessen</a:t>
+            </a:r>
+            <a:endParaRPr lang="fr-FR" baseline="0" dirty="0" smtClean="0"/>
+          </a:p>
+          <a:p>
+            <a:pPr marL="171450" indent="-171450">
+              <a:buFontTx/>
+              <a:buChar char="-"/>
+            </a:pPr>
+            <a:r>
+              <a:rPr lang="fr-FR" baseline="0" dirty="0" smtClean="0"/>
+              <a:t>Masquer toutes les couches vecteurs sauf la couche relais</a:t>
+            </a:r>
+          </a:p>
+          <a:p>
+            <a:pPr marL="171450" indent="-171450">
+              <a:buFontTx/>
+              <a:buChar char="-"/>
+            </a:pPr>
+            <a:r>
+              <a:rPr lang="fr-FR" baseline="0" dirty="0" smtClean="0"/>
+              <a:t>Menu </a:t>
+            </a:r>
+            <a:r>
+              <a:rPr lang="fr-FR" baseline="0" dirty="0" err="1" smtClean="0"/>
+              <a:t>Analysis</a:t>
+            </a:r>
+            <a:r>
+              <a:rPr lang="fr-FR" baseline="0" dirty="0" smtClean="0"/>
+              <a:t> -&gt; </a:t>
+            </a:r>
+            <a:r>
+              <a:rPr lang="fr-FR" baseline="0" dirty="0" err="1" smtClean="0"/>
+              <a:t>Create</a:t>
+            </a:r>
+            <a:r>
+              <a:rPr lang="fr-FR" baseline="0" dirty="0" smtClean="0"/>
+              <a:t> &gt;</a:t>
+            </a:r>
+            <a:r>
+              <a:rPr lang="fr-FR" baseline="0" dirty="0" err="1" smtClean="0"/>
+              <a:t>Voronoi</a:t>
+            </a:r>
+            <a:r>
+              <a:rPr lang="fr-FR" baseline="0" dirty="0" smtClean="0"/>
+              <a:t>/</a:t>
+            </a:r>
+            <a:r>
+              <a:rPr lang="fr-FR" baseline="0" dirty="0" err="1" smtClean="0"/>
+              <a:t>Thiessen</a:t>
+            </a:r>
+            <a:r>
+              <a:rPr lang="fr-FR" baseline="0" dirty="0" smtClean="0"/>
+              <a:t> </a:t>
+            </a:r>
+            <a:r>
+              <a:rPr lang="fr-FR" baseline="0" dirty="0" err="1" smtClean="0"/>
+              <a:t>Diagram</a:t>
+            </a:r>
+            <a:r>
+              <a:rPr lang="fr-FR" baseline="0" dirty="0" smtClean="0"/>
+              <a:t> </a:t>
+            </a:r>
+            <a:r>
+              <a:rPr lang="fr-FR" baseline="0" dirty="0" err="1" smtClean="0"/>
+              <a:t>from</a:t>
+            </a:r>
+            <a:r>
+              <a:rPr lang="fr-FR" baseline="0" dirty="0" smtClean="0"/>
+              <a:t> points </a:t>
+            </a:r>
+            <a:r>
+              <a:rPr lang="fr-FR" baseline="0" dirty="0" err="1" smtClean="0"/>
+              <a:t>features</a:t>
+            </a:r>
+            <a:endParaRPr lang="fr-FR" dirty="0" smtClean="0"/>
+          </a:p>
+          <a:p>
+            <a:endParaRPr lang="fr-FR" dirty="0" smtClean="0"/>
+          </a:p>
+          <a:p>
+            <a:r>
+              <a:rPr lang="fr-FR" dirty="0" smtClean="0"/>
+              <a:t>5) Importer geonames_67</a:t>
+            </a:r>
+          </a:p>
+          <a:p>
+            <a:pPr marL="171450" indent="-171450">
+              <a:buFontTx/>
+              <a:buChar char="-"/>
+            </a:pPr>
+            <a:r>
+              <a:rPr lang="fr-FR" baseline="0" dirty="0" smtClean="0"/>
+              <a:t>Faire glisser le fichier CARTO/IMPORT/relais.csv</a:t>
+            </a:r>
+          </a:p>
+          <a:p>
+            <a:pPr marL="171450" indent="-171450">
+              <a:buFontTx/>
+              <a:buChar char="-"/>
+            </a:pPr>
+            <a:r>
+              <a:rPr lang="fr-FR" baseline="0" dirty="0" smtClean="0"/>
+              <a:t>Point </a:t>
+            </a:r>
+            <a:r>
+              <a:rPr lang="fr-FR" baseline="0" dirty="0" err="1" smtClean="0"/>
+              <a:t>only</a:t>
+            </a:r>
+            <a:endParaRPr lang="fr-FR" baseline="0" dirty="0" smtClean="0"/>
+          </a:p>
+          <a:p>
+            <a:pPr marL="171450" indent="-171450">
+              <a:buFontTx/>
+              <a:buChar char="-"/>
+            </a:pPr>
+            <a:r>
+              <a:rPr lang="fr-FR" baseline="0" dirty="0" err="1" smtClean="0"/>
+              <a:t>Coordinate</a:t>
+            </a:r>
+            <a:r>
+              <a:rPr lang="fr-FR" baseline="0" dirty="0" smtClean="0"/>
+              <a:t> format : Default, latitude first</a:t>
+            </a:r>
+          </a:p>
+          <a:p>
+            <a:pPr marL="171450" indent="-171450">
+              <a:buFontTx/>
+              <a:buChar char="-"/>
+            </a:pPr>
+            <a:r>
+              <a:rPr lang="fr-FR" baseline="0" dirty="0" smtClean="0"/>
+              <a:t>Cocher « </a:t>
+            </a:r>
+            <a:r>
+              <a:rPr lang="fr-FR" baseline="0" dirty="0" err="1" smtClean="0"/>
+              <a:t>column</a:t>
+            </a:r>
+            <a:r>
+              <a:rPr lang="fr-FR" baseline="0" dirty="0" smtClean="0"/>
+              <a:t> headers in first </a:t>
+            </a:r>
+            <a:r>
+              <a:rPr lang="fr-FR" baseline="0" dirty="0" err="1" smtClean="0"/>
+              <a:t>row</a:t>
+            </a:r>
+            <a:r>
+              <a:rPr lang="fr-FR" baseline="0" dirty="0" smtClean="0"/>
+              <a:t> »</a:t>
+            </a:r>
+          </a:p>
+          <a:p>
+            <a:pPr marL="171450" indent="-171450">
+              <a:buFontTx/>
+              <a:buChar char="-"/>
+            </a:pPr>
+            <a:r>
+              <a:rPr lang="fr-FR" baseline="0" dirty="0" smtClean="0"/>
+              <a:t>Cocher « </a:t>
+            </a:r>
+            <a:r>
+              <a:rPr lang="fr-FR" baseline="0" dirty="0" err="1" smtClean="0"/>
+              <a:t>treat</a:t>
+            </a:r>
+            <a:r>
+              <a:rPr lang="fr-FR" baseline="0" dirty="0" smtClean="0"/>
+              <a:t> 3rd </a:t>
+            </a:r>
+            <a:r>
+              <a:rPr lang="fr-FR" baseline="0" dirty="0" err="1" smtClean="0"/>
+              <a:t>coordinate</a:t>
+            </a:r>
+            <a:r>
+              <a:rPr lang="fr-FR" baseline="0" dirty="0" smtClean="0"/>
+              <a:t> value as </a:t>
+            </a:r>
+            <a:r>
+              <a:rPr lang="fr-FR" baseline="0" dirty="0" err="1" smtClean="0"/>
+              <a:t>elevation</a:t>
+            </a:r>
+            <a:r>
+              <a:rPr lang="fr-FR" baseline="0" dirty="0" smtClean="0"/>
+              <a:t> »</a:t>
+            </a:r>
+          </a:p>
+          <a:p>
+            <a:pPr marL="171450" indent="-171450">
+              <a:buFontTx/>
+              <a:buChar char="-"/>
+            </a:pPr>
+            <a:r>
+              <a:rPr lang="fr-FR" baseline="0" dirty="0" smtClean="0"/>
+              <a:t>En projection indiquer </a:t>
+            </a:r>
+            <a:r>
+              <a:rPr lang="fr-FR" baseline="0" dirty="0" err="1" smtClean="0"/>
+              <a:t>Geographic</a:t>
+            </a:r>
+            <a:r>
+              <a:rPr lang="fr-FR" baseline="0" dirty="0" smtClean="0"/>
+              <a:t>, </a:t>
+            </a:r>
+            <a:r>
+              <a:rPr lang="fr-FR" baseline="0" dirty="0" err="1" smtClean="0"/>
+              <a:t>Datum</a:t>
+            </a:r>
+            <a:r>
+              <a:rPr lang="fr-FR" baseline="0" dirty="0" smtClean="0"/>
+              <a:t> : WGS84</a:t>
+            </a:r>
+          </a:p>
+          <a:p>
+            <a:pPr marL="171450" indent="-171450">
+              <a:buFontTx/>
+              <a:buChar char="-"/>
+            </a:pPr>
+            <a:endParaRPr lang="fr-FR" baseline="0" dirty="0" smtClean="0"/>
+          </a:p>
+          <a:p>
+            <a:pPr marL="0" indent="0">
+              <a:buFontTx/>
+              <a:buNone/>
+            </a:pPr>
+            <a:r>
+              <a:rPr lang="fr-FR" baseline="0" dirty="0" smtClean="0"/>
+              <a:t>6) Carte de chaleur</a:t>
+            </a:r>
+          </a:p>
+          <a:p>
+            <a:pPr marL="171450" indent="-171450">
+              <a:buFontTx/>
+              <a:buChar char="-"/>
+            </a:pPr>
+            <a:r>
+              <a:rPr lang="fr-FR" baseline="0" dirty="0" smtClean="0"/>
+              <a:t>Sur la couche geonames_67</a:t>
+            </a:r>
+          </a:p>
+          <a:p>
+            <a:pPr marL="171450" indent="-171450">
+              <a:buFontTx/>
+              <a:buChar char="-"/>
+            </a:pPr>
+            <a:r>
+              <a:rPr lang="fr-FR" baseline="0" dirty="0" smtClean="0"/>
+              <a:t>Clic droit -&gt; ANALYSIS - &gt; DENSITY</a:t>
+            </a:r>
+          </a:p>
+          <a:p>
+            <a:pPr marL="171450" indent="-171450">
+              <a:buFontTx/>
+              <a:buChar char="-"/>
+            </a:pPr>
+            <a:r>
+              <a:rPr lang="fr-FR" baseline="0" dirty="0" smtClean="0"/>
+              <a:t>Population count : attribut POPULATION</a:t>
+            </a:r>
+          </a:p>
+          <a:p>
+            <a:pPr marL="171450" indent="-171450">
+              <a:buFontTx/>
+              <a:buChar char="-"/>
+            </a:pPr>
+            <a:r>
+              <a:rPr lang="fr-FR" baseline="0" dirty="0" err="1" smtClean="0"/>
+              <a:t>Shader</a:t>
+            </a:r>
+            <a:r>
+              <a:rPr lang="fr-FR" baseline="0" dirty="0" smtClean="0"/>
+              <a:t> : Atlas</a:t>
+            </a:r>
+          </a:p>
+          <a:p>
+            <a:pPr marL="171450" indent="-171450">
+              <a:buFontTx/>
+              <a:buChar char="-"/>
+            </a:pPr>
+            <a:endParaRPr lang="fr-FR" baseline="0" dirty="0" smtClean="0"/>
+          </a:p>
+          <a:p>
+            <a:endParaRPr lang="fr-FR" dirty="0" smtClean="0"/>
+          </a:p>
+          <a:p>
+            <a:endParaRPr lang="fr-FR" dirty="0" smtClean="0"/>
+          </a:p>
+          <a:p>
+            <a:endParaRPr lang="fr-FR" dirty="0" smtClean="0"/>
+          </a:p>
+          <a:p>
+            <a:endParaRPr lang="fr-FR" dirty="0"/>
+          </a:p>
+        </p:txBody>
+      </p:sp>
+      <p:sp>
+        <p:nvSpPr>
+          <p:cNvPr id="4" name="Espace réservé du numéro de diapositive 3"/>
+          <p:cNvSpPr>
+            <a:spLocks noGrp="1"/>
+          </p:cNvSpPr>
+          <p:nvPr>
+            <p:ph type="sldNum" sz="quarter" idx="10"/>
+          </p:nvPr>
+        </p:nvSpPr>
+        <p:spPr/>
+        <p:txBody>
+          <a:bodyPr/>
+          <a:lstStyle/>
+          <a:p>
+            <a:fld id="{7FED9F59-E5F7-4D0D-AFB1-35ABD0360038}" type="slidenum">
+              <a:rPr lang="fr-FR" smtClean="0"/>
+              <a:t>32</a:t>
+            </a:fld>
+            <a:endParaRPr lang="fr-FR"/>
+          </a:p>
+        </p:txBody>
+      </p:sp>
+    </p:spTree>
+    <p:extLst>
+      <p:ext uri="{BB962C8B-B14F-4D97-AF65-F5344CB8AC3E}">
+        <p14:creationId xmlns:p14="http://schemas.microsoft.com/office/powerpoint/2010/main" val="158707173"/>
+      </p:ext>
+    </p:extLst>
+  </p:cSld>
+  <p:clrMapOvr>
+    <a:masterClrMapping/>
+  </p:clrMapOvr>
+</p:notes>
+</file>
+
+<file path=ppt/notesSlides/notesSlide29.xml><?xml version="1.0" encoding="utf-8"?>
 <p:notes xmlns:a="http://schemas.openxmlformats.org/drawingml/2006/main" xmlns:r="http://schemas.openxmlformats.org/officeDocument/2006/relationships" xmlns:p="http://schemas.openxmlformats.org/presentationml/2006/main">
   <p:cSld>
     <p:spTree>
@@ -9334,7 +10168,7 @@
           <a:p>
             <a:fld id="{A74F3EA5-292C-4331-BAB5-A6575F471254}" type="datetimeFigureOut">
               <a:rPr lang="fr-FR" smtClean="0"/>
-              <a:t>15/11/2022</a:t>
+              <a:t>06/01/2023</a:t>
             </a:fld>
             <a:endParaRPr lang="fr-FR"/>
           </a:p>
@@ -9520,7 +10354,7 @@
           <a:p>
             <a:fld id="{A74F3EA5-292C-4331-BAB5-A6575F471254}" type="datetimeFigureOut">
               <a:rPr lang="fr-FR" smtClean="0"/>
-              <a:t>15/11/2022</a:t>
+              <a:t>06/01/2023</a:t>
             </a:fld>
             <a:endParaRPr lang="fr-FR"/>
           </a:p>
@@ -9706,7 +10540,7 @@
           <a:p>
             <a:fld id="{A74F3EA5-292C-4331-BAB5-A6575F471254}" type="datetimeFigureOut">
               <a:rPr lang="fr-FR" smtClean="0"/>
-              <a:t>15/11/2022</a:t>
+              <a:t>06/01/2023</a:t>
             </a:fld>
             <a:endParaRPr lang="fr-FR"/>
           </a:p>
@@ -9898,7 +10732,7 @@
           <a:p>
             <a:fld id="{A74F3EA5-292C-4331-BAB5-A6575F471254}" type="datetimeFigureOut">
               <a:rPr lang="fr-FR" smtClean="0"/>
-              <a:t>15/11/2022</a:t>
+              <a:t>06/01/2023</a:t>
             </a:fld>
             <a:endParaRPr lang="fr-FR"/>
           </a:p>
@@ -10068,7 +10902,7 @@
           <a:p>
             <a:fld id="{A74F3EA5-292C-4331-BAB5-A6575F471254}" type="datetimeFigureOut">
               <a:rPr lang="fr-FR" smtClean="0"/>
-              <a:t>15/11/2022</a:t>
+              <a:t>06/01/2023</a:t>
             </a:fld>
             <a:endParaRPr lang="fr-FR"/>
           </a:p>
@@ -10314,7 +11148,7 @@
           <a:p>
             <a:fld id="{A74F3EA5-292C-4331-BAB5-A6575F471254}" type="datetimeFigureOut">
               <a:rPr lang="fr-FR" smtClean="0"/>
-              <a:t>15/11/2022</a:t>
+              <a:t>06/01/2023</a:t>
             </a:fld>
             <a:endParaRPr lang="fr-FR"/>
           </a:p>
@@ -10546,7 +11380,7 @@
           <a:p>
             <a:fld id="{A74F3EA5-292C-4331-BAB5-A6575F471254}" type="datetimeFigureOut">
               <a:rPr lang="fr-FR" smtClean="0"/>
-              <a:t>15/11/2022</a:t>
+              <a:t>06/01/2023</a:t>
             </a:fld>
             <a:endParaRPr lang="fr-FR"/>
           </a:p>
@@ -10913,7 +11747,7 @@
           <a:p>
             <a:fld id="{A74F3EA5-292C-4331-BAB5-A6575F471254}" type="datetimeFigureOut">
               <a:rPr lang="fr-FR" smtClean="0"/>
-              <a:t>15/11/2022</a:t>
+              <a:t>06/01/2023</a:t>
             </a:fld>
             <a:endParaRPr lang="fr-FR"/>
           </a:p>
@@ -11031,7 +11865,7 @@
           <a:p>
             <a:fld id="{A74F3EA5-292C-4331-BAB5-A6575F471254}" type="datetimeFigureOut">
               <a:rPr lang="fr-FR" smtClean="0"/>
-              <a:t>15/11/2022</a:t>
+              <a:t>06/01/2023</a:t>
             </a:fld>
             <a:endParaRPr lang="fr-FR"/>
           </a:p>
@@ -11126,7 +11960,7 @@
           <a:p>
             <a:fld id="{A74F3EA5-292C-4331-BAB5-A6575F471254}" type="datetimeFigureOut">
               <a:rPr lang="fr-FR" smtClean="0"/>
-              <a:t>15/11/2022</a:t>
+              <a:t>06/01/2023</a:t>
             </a:fld>
             <a:endParaRPr lang="fr-FR"/>
           </a:p>
@@ -11403,7 +12237,7 @@
           <a:p>
             <a:fld id="{A74F3EA5-292C-4331-BAB5-A6575F471254}" type="datetimeFigureOut">
               <a:rPr lang="fr-FR" smtClean="0"/>
-              <a:t>15/11/2022</a:t>
+              <a:t>06/01/2023</a:t>
             </a:fld>
             <a:endParaRPr lang="fr-FR"/>
           </a:p>
@@ -11589,7 +12423,7 @@
           <a:p>
             <a:fld id="{A74F3EA5-292C-4331-BAB5-A6575F471254}" type="datetimeFigureOut">
               <a:rPr lang="fr-FR" smtClean="0"/>
-              <a:t>15/11/2022</a:t>
+              <a:t>06/01/2023</a:t>
             </a:fld>
             <a:endParaRPr lang="fr-FR"/>
           </a:p>
@@ -11846,7 +12680,7 @@
           <a:p>
             <a:fld id="{A74F3EA5-292C-4331-BAB5-A6575F471254}" type="datetimeFigureOut">
               <a:rPr lang="fr-FR" smtClean="0"/>
-              <a:t>15/11/2022</a:t>
+              <a:t>06/01/2023</a:t>
             </a:fld>
             <a:endParaRPr lang="fr-FR"/>
           </a:p>
@@ -12016,7 +12850,7 @@
           <a:p>
             <a:fld id="{A74F3EA5-292C-4331-BAB5-A6575F471254}" type="datetimeFigureOut">
               <a:rPr lang="fr-FR" smtClean="0"/>
-              <a:t>15/11/2022</a:t>
+              <a:t>06/01/2023</a:t>
             </a:fld>
             <a:endParaRPr lang="fr-FR"/>
           </a:p>
@@ -12196,7 +13030,7 @@
           <a:p>
             <a:fld id="{A74F3EA5-292C-4331-BAB5-A6575F471254}" type="datetimeFigureOut">
               <a:rPr lang="fr-FR" smtClean="0"/>
-              <a:t>15/11/2022</a:t>
+              <a:t>06/01/2023</a:t>
             </a:fld>
             <a:endParaRPr lang="fr-FR"/>
           </a:p>
@@ -12448,7 +13282,7 @@
           <a:p>
             <a:fld id="{A74F3EA5-292C-4331-BAB5-A6575F471254}" type="datetimeFigureOut">
               <a:rPr lang="fr-FR" smtClean="0"/>
-              <a:t>15/11/2022</a:t>
+              <a:t>06/01/2023</a:t>
             </a:fld>
             <a:endParaRPr lang="fr-FR"/>
           </a:p>
@@ -12694,7 +13528,7 @@
           <a:p>
             <a:fld id="{A74F3EA5-292C-4331-BAB5-A6575F471254}" type="datetimeFigureOut">
               <a:rPr lang="fr-FR" smtClean="0"/>
-              <a:t>15/11/2022</a:t>
+              <a:t>06/01/2023</a:t>
             </a:fld>
             <a:endParaRPr lang="fr-FR"/>
           </a:p>
@@ -13076,7 +13910,7 @@
           <a:p>
             <a:fld id="{A74F3EA5-292C-4331-BAB5-A6575F471254}" type="datetimeFigureOut">
               <a:rPr lang="fr-FR" smtClean="0"/>
-              <a:t>15/11/2022</a:t>
+              <a:t>06/01/2023</a:t>
             </a:fld>
             <a:endParaRPr lang="fr-FR"/>
           </a:p>
@@ -13202,7 +14036,7 @@
           <a:p>
             <a:fld id="{A74F3EA5-292C-4331-BAB5-A6575F471254}" type="datetimeFigureOut">
               <a:rPr lang="fr-FR" smtClean="0"/>
-              <a:t>15/11/2022</a:t>
+              <a:t>06/01/2023</a:t>
             </a:fld>
             <a:endParaRPr lang="fr-FR"/>
           </a:p>
@@ -13297,7 +14131,7 @@
           <a:p>
             <a:fld id="{A74F3EA5-292C-4331-BAB5-A6575F471254}" type="datetimeFigureOut">
               <a:rPr lang="fr-FR" smtClean="0"/>
-              <a:t>15/11/2022</a:t>
+              <a:t>06/01/2023</a:t>
             </a:fld>
             <a:endParaRPr lang="fr-FR"/>
           </a:p>
@@ -13583,7 +14417,7 @@
           <a:p>
             <a:fld id="{A74F3EA5-292C-4331-BAB5-A6575F471254}" type="datetimeFigureOut">
               <a:rPr lang="fr-FR" smtClean="0"/>
-              <a:t>15/11/2022</a:t>
+              <a:t>06/01/2023</a:t>
             </a:fld>
             <a:endParaRPr lang="fr-FR"/>
           </a:p>
@@ -13845,7 +14679,7 @@
           <a:p>
             <a:fld id="{A74F3EA5-292C-4331-BAB5-A6575F471254}" type="datetimeFigureOut">
               <a:rPr lang="fr-FR" smtClean="0"/>
-              <a:t>15/11/2022</a:t>
+              <a:t>06/01/2023</a:t>
             </a:fld>
             <a:endParaRPr lang="fr-FR"/>
           </a:p>
@@ -13963,7 +14797,7 @@
           <a:p>
             <a:fld id="{A74F3EA5-292C-4331-BAB5-A6575F471254}" type="datetimeFigureOut">
               <a:rPr lang="fr-FR" smtClean="0"/>
-              <a:t>15/11/2022</a:t>
+              <a:t>06/01/2023</a:t>
             </a:fld>
             <a:endParaRPr lang="fr-FR"/>
           </a:p>
@@ -14803,7 +15637,7 @@
           <a:p>
             <a:fld id="{A74F3EA5-292C-4331-BAB5-A6575F471254}" type="datetimeFigureOut">
               <a:rPr lang="fr-FR" smtClean="0"/>
-              <a:t>15/11/2022</a:t>
+              <a:t>06/01/2023</a:t>
             </a:fld>
             <a:endParaRPr lang="fr-FR"/>
           </a:p>
@@ -15899,15 +16733,7 @@
           <a:p>
             <a:r>
               <a:rPr lang="fr-FR" dirty="0" smtClean="0"/>
-              <a:t>Placer deux PLAE 1100m au sud sur les points côtés </a:t>
-            </a:r>
-            <a:r>
-              <a:rPr lang="fr-FR" dirty="0" smtClean="0"/>
-              <a:t>244 </a:t>
-            </a:r>
-            <a:r>
-              <a:rPr lang="fr-FR" dirty="0" smtClean="0"/>
-              <a:t>et 261</a:t>
+              <a:t>Placer deux PLAE 1100m au sud sur les points côtés 244 et 261</a:t>
             </a:r>
           </a:p>
           <a:p>
@@ -16814,7 +17640,6 @@
               <a:rPr lang="fr-FR" dirty="0"/>
               <a:t>Exercice 10</a:t>
             </a:r>
-            <a:endParaRPr lang="fr-FR" dirty="0"/>
           </a:p>
         </p:txBody>
       </p:sp>
@@ -16837,11 +17662,7 @@
           <a:p>
             <a:r>
               <a:rPr lang="fr-FR" dirty="0" smtClean="0"/>
-              <a:t>Importer le </a:t>
-            </a:r>
-            <a:r>
-              <a:rPr lang="fr-FR" dirty="0" smtClean="0"/>
-              <a:t>fichier </a:t>
+              <a:t>Importer le fichier </a:t>
             </a:r>
             <a:r>
               <a:rPr lang="fr-FR" b="1" dirty="0" err="1" smtClean="0"/>
@@ -16867,11 +17688,7 @@
             <a:pPr lvl="1"/>
             <a:r>
               <a:rPr lang="fr-FR" dirty="0" smtClean="0"/>
-              <a:t>Utiliser </a:t>
-            </a:r>
-            <a:r>
-              <a:rPr lang="fr-FR" dirty="0" smtClean="0"/>
-              <a:t>l’outil </a:t>
+              <a:t>Utiliser l’outil </a:t>
             </a:r>
             <a:r>
               <a:rPr lang="fr-FR" dirty="0" err="1" smtClean="0"/>
@@ -16887,13 +17704,8 @@
             </a:r>
             <a:r>
               <a:rPr lang="fr-FR" dirty="0" smtClean="0"/>
-              <a:t> et </a:t>
-            </a:r>
-            <a:r>
-              <a:rPr lang="fr-FR" dirty="0" smtClean="0"/>
-              <a:t>noter :</a:t>
-            </a:r>
-            <a:endParaRPr lang="fr-FR" dirty="0" smtClean="0"/>
+              <a:t> et noter :</a:t>
+            </a:r>
           </a:p>
           <a:p>
             <a:pPr lvl="2"/>
@@ -16927,13 +17739,8 @@
             </a:r>
             <a:r>
               <a:rPr lang="fr-FR" b="1" dirty="0" smtClean="0"/>
-              <a:t> </a:t>
-            </a:r>
-            <a:r>
-              <a:rPr lang="fr-FR" b="1" dirty="0" smtClean="0"/>
-              <a:t>VUHF</a:t>
-            </a:r>
-            <a:endParaRPr lang="fr-FR" b="1" dirty="0" smtClean="0"/>
+              <a:t> VUHF</a:t>
+            </a:r>
           </a:p>
           <a:p>
             <a:pPr lvl="1"/>
@@ -17233,6 +18040,26 @@
               <a:rPr lang="fr-FR" dirty="0" smtClean="0"/>
               <a:t>Attributs</a:t>
             </a:r>
+          </a:p>
+          <a:p>
+            <a:pPr marL="514350" indent="-514350">
+              <a:buFont typeface="+mj-lt"/>
+              <a:buAutoNum type="arabicPeriod" startAt="11"/>
+            </a:pPr>
+            <a:r>
+              <a:rPr lang="fr-FR" dirty="0" smtClean="0"/>
+              <a:t>Outils analyse</a:t>
+            </a:r>
+          </a:p>
+          <a:p>
+            <a:pPr marL="514350" indent="-514350">
+              <a:buFont typeface="+mj-lt"/>
+              <a:buAutoNum type="arabicPeriod" startAt="11"/>
+            </a:pPr>
+            <a:r>
+              <a:rPr lang="fr-FR" dirty="0" smtClean="0"/>
+              <a:t>Import TXT et analyse</a:t>
+            </a:r>
             <a:endParaRPr lang="fr-FR" dirty="0"/>
           </a:p>
           <a:p>
@@ -17326,7 +18153,6 @@
               <a:rPr lang="fr-FR" dirty="0" smtClean="0"/>
               <a:t>, afficher en nom la FRQ et l’API</a:t>
             </a:r>
-            <a:endParaRPr lang="fr-FR" dirty="0" smtClean="0"/>
           </a:p>
           <a:p>
             <a:endParaRPr lang="fr-FR" dirty="0" smtClean="0"/>
@@ -17496,11 +18322,7 @@
           <a:p>
             <a:r>
               <a:rPr lang="fr-FR" dirty="0" smtClean="0"/>
-              <a:t>Diviser </a:t>
-            </a:r>
-            <a:r>
-              <a:rPr lang="fr-FR" dirty="0" smtClean="0"/>
-              <a:t>la couche </a:t>
+              <a:t>Diviser la couche </a:t>
             </a:r>
             <a:r>
               <a:rPr lang="fr-FR" b="1" dirty="0" smtClean="0"/>
@@ -17512,11 +18334,7 @@
             </a:r>
             <a:r>
               <a:rPr lang="fr-FR" dirty="0" smtClean="0"/>
-              <a:t> </a:t>
-            </a:r>
-            <a:r>
-              <a:rPr lang="fr-FR" dirty="0" smtClean="0"/>
-              <a:t>selon l’attribut FRQ</a:t>
+              <a:t> selon l’attribut FRQ</a:t>
             </a:r>
           </a:p>
           <a:p>
@@ -17525,11 +18343,7 @@
           <a:p>
             <a:r>
               <a:rPr lang="fr-FR" dirty="0" smtClean="0"/>
-              <a:t>Créer les statistiques de la </a:t>
-            </a:r>
-            <a:r>
-              <a:rPr lang="fr-FR" dirty="0" smtClean="0"/>
-              <a:t>couche </a:t>
+              <a:t>Créer les statistiques de la couche </a:t>
             </a:r>
             <a:r>
               <a:rPr lang="fr-FR" b="1" dirty="0" err="1" smtClean="0"/>
@@ -17546,6 +18360,31 @@
             <a:r>
               <a:rPr lang="fr-FR" dirty="0" smtClean="0"/>
               <a:t>point selon l’attribut « LAYER »</a:t>
+            </a:r>
+          </a:p>
+          <a:p>
+            <a:endParaRPr lang="fr-FR" dirty="0"/>
+          </a:p>
+          <a:p>
+            <a:r>
+              <a:rPr lang="fr-FR" dirty="0" smtClean="0"/>
+              <a:t>Ouvrir le tableau des attributs sur la couche </a:t>
+            </a:r>
+            <a:r>
+              <a:rPr lang="fr-FR" b="1" dirty="0" smtClean="0"/>
+              <a:t>relevés </a:t>
+            </a:r>
+            <a:r>
+              <a:rPr lang="fr-FR" b="1" dirty="0" err="1" smtClean="0"/>
+              <a:t>gonio.kml</a:t>
+            </a:r>
+            <a:endParaRPr lang="fr-FR" b="1" dirty="0" smtClean="0"/>
+          </a:p>
+          <a:p>
+            <a:pPr lvl="1"/>
+            <a:r>
+              <a:rPr lang="fr-FR" dirty="0" smtClean="0"/>
+              <a:t>Sauvegarder en CSV</a:t>
             </a:r>
           </a:p>
           <a:p>
@@ -17821,11 +18660,7 @@
           <a:p>
             <a:r>
               <a:rPr lang="fr-FR" dirty="0" smtClean="0"/>
-              <a:t>Configurer </a:t>
-            </a:r>
-            <a:r>
-              <a:rPr lang="fr-FR" dirty="0" smtClean="0"/>
-              <a:t>la sensibilité du « </a:t>
+              <a:t>Configurer la sensibilité du « </a:t>
             </a:r>
             <a:r>
               <a:rPr lang="fr-FR" dirty="0" err="1" smtClean="0"/>
@@ -17835,7 +18670,6 @@
               <a:rPr lang="fr-FR" dirty="0" smtClean="0"/>
               <a:t> »</a:t>
             </a:r>
-            <a:endParaRPr lang="fr-FR" dirty="0" smtClean="0"/>
           </a:p>
           <a:p>
             <a:endParaRPr lang="fr-FR" dirty="0"/>
@@ -18163,11 +18997,7 @@
           <a:p>
             <a:r>
               <a:rPr lang="fr-FR" dirty="0" smtClean="0"/>
-              <a:t>Créer </a:t>
-            </a:r>
-            <a:r>
-              <a:rPr lang="fr-FR" dirty="0" smtClean="0"/>
-              <a:t>le </a:t>
+              <a:t>Créer le </a:t>
             </a:r>
             <a:r>
               <a:rPr lang="fr-FR" dirty="0"/>
@@ -18366,18 +19196,36 @@
         <p:spPr/>
         <p:txBody>
           <a:bodyPr>
-            <a:normAutofit lnSpcReduction="10000"/>
+            <a:normAutofit/>
           </a:bodyPr>
           <a:lstStyle/>
           <a:p>
             <a:r>
               <a:rPr lang="fr-FR" dirty="0" smtClean="0"/>
+              <a:t>Importer le fichier </a:t>
+            </a:r>
+            <a:r>
+              <a:rPr lang="fr-FR" b="1" dirty="0" smtClean="0"/>
+              <a:t>relais.csv</a:t>
+            </a:r>
+          </a:p>
+          <a:p>
+            <a:endParaRPr lang="fr-FR" dirty="0"/>
+          </a:p>
+          <a:p>
+            <a:r>
+              <a:rPr lang="fr-FR" dirty="0" smtClean="0"/>
               <a:t>Mettre </a:t>
             </a:r>
             <a:r>
               <a:rPr lang="fr-FR" dirty="0"/>
-              <a:t>un fichier en pièce jointe</a:t>
-            </a:r>
+              <a:t>un fichier en pièce </a:t>
+            </a:r>
+            <a:r>
+              <a:rPr lang="fr-FR" dirty="0" smtClean="0"/>
+              <a:t>jointe d’un vecteur</a:t>
+            </a:r>
+            <a:endParaRPr lang="fr-FR" dirty="0"/>
           </a:p>
           <a:p>
             <a:endParaRPr lang="fr-FR" dirty="0" smtClean="0"/>
@@ -18385,63 +19233,27 @@
           <a:p>
             <a:r>
               <a:rPr lang="fr-FR" dirty="0" smtClean="0"/>
-              <a:t>Créer une colonne</a:t>
-            </a:r>
+              <a:t>Sur la couche </a:t>
+            </a:r>
+            <a:r>
+              <a:rPr lang="fr-FR" b="1" dirty="0" smtClean="0"/>
+              <a:t>relais.csv</a:t>
+            </a:r>
+            <a:r>
+              <a:rPr lang="fr-FR" dirty="0" smtClean="0"/>
+              <a:t>, joindre le fichier </a:t>
+            </a:r>
+            <a:r>
+              <a:rPr lang="fr-FR" b="1" dirty="0" smtClean="0"/>
+              <a:t>relais_data.csv</a:t>
+            </a:r>
+            <a:endParaRPr lang="fr-FR" b="1" dirty="0"/>
           </a:p>
           <a:p>
             <a:endParaRPr lang="fr-FR" dirty="0" smtClean="0"/>
           </a:p>
           <a:p>
-            <a:r>
-              <a:rPr lang="fr-FR" dirty="0" smtClean="0"/>
-              <a:t>Remplir </a:t>
-            </a:r>
-            <a:r>
-              <a:rPr lang="fr-FR" dirty="0"/>
-              <a:t>une valeur à la main</a:t>
-            </a:r>
-          </a:p>
-          <a:p>
             <a:endParaRPr lang="fr-FR" dirty="0" smtClean="0"/>
-          </a:p>
-          <a:p>
-            <a:r>
-              <a:rPr lang="fr-FR" dirty="0" smtClean="0"/>
-              <a:t>Calculer </a:t>
-            </a:r>
-            <a:r>
-              <a:rPr lang="fr-FR" dirty="0"/>
-              <a:t>un champ (</a:t>
-            </a:r>
-            <a:r>
-              <a:rPr lang="fr-FR" dirty="0" err="1"/>
-              <a:t>substring</a:t>
-            </a:r>
-            <a:r>
-              <a:rPr lang="fr-FR" dirty="0"/>
-              <a:t> </a:t>
-            </a:r>
-            <a:r>
-              <a:rPr lang="fr-FR" dirty="0" err="1"/>
-              <a:t>etc</a:t>
-            </a:r>
-            <a:r>
-              <a:rPr lang="fr-FR" dirty="0"/>
-              <a:t>)</a:t>
-            </a:r>
-          </a:p>
-          <a:p>
-            <a:endParaRPr lang="fr-FR" dirty="0" smtClean="0"/>
-          </a:p>
-          <a:p>
-            <a:r>
-              <a:rPr lang="fr-FR" dirty="0" smtClean="0"/>
-              <a:t>Jointure </a:t>
-            </a:r>
-            <a:r>
-              <a:rPr lang="fr-FR" dirty="0"/>
-              <a:t>de fichier</a:t>
-            </a:r>
           </a:p>
         </p:txBody>
       </p:sp>
@@ -18574,7 +19386,7 @@
           <a:p>
             <a:r>
               <a:rPr lang="fr-FR" dirty="0" smtClean="0"/>
-              <a:t>Exercice 17</a:t>
+              <a:t>Exercice 16</a:t>
             </a:r>
             <a:endParaRPr lang="fr-FR" dirty="0"/>
           </a:p>
@@ -18597,73 +19409,31 @@
           <a:p>
             <a:r>
               <a:rPr lang="fr-FR" dirty="0" smtClean="0"/>
-              <a:t>Afficher une carte de chaleur/densité sur la couche </a:t>
-            </a:r>
-            <a:r>
-              <a:rPr lang="fr-FR" b="1" dirty="0" err="1" smtClean="0"/>
-              <a:t>villes_alsace</a:t>
-            </a:r>
-            <a:endParaRPr lang="fr-FR" b="1" dirty="0"/>
+              <a:t>Ajouter l’attribut 	NORME2</a:t>
+            </a:r>
+          </a:p>
+          <a:p>
+            <a:pPr marL="0" indent="0">
+              <a:buNone/>
+            </a:pPr>
+            <a:endParaRPr lang="fr-FR" dirty="0"/>
+          </a:p>
+          <a:p>
+            <a:r>
+              <a:rPr lang="fr-FR" dirty="0" smtClean="0"/>
+              <a:t>Copier le contenu de l’attribut NORME dans NORME2</a:t>
+            </a:r>
+          </a:p>
+          <a:p>
+            <a:endParaRPr lang="fr-FR" dirty="0"/>
           </a:p>
           <a:p>
             <a:endParaRPr lang="fr-FR" dirty="0" smtClean="0"/>
           </a:p>
           <a:p>
-            <a:r>
-              <a:rPr lang="fr-FR" dirty="0" smtClean="0"/>
-              <a:t>Compter le nombre </a:t>
-            </a:r>
-            <a:r>
-              <a:rPr lang="fr-FR" dirty="0"/>
-              <a:t>de points </a:t>
-            </a:r>
-            <a:r>
-              <a:rPr lang="fr-FR" dirty="0" smtClean="0"/>
-              <a:t>dans la région alsace</a:t>
-            </a:r>
             <a:endParaRPr lang="fr-FR" dirty="0"/>
           </a:p>
           <a:p>
-            <a:endParaRPr lang="fr-FR" dirty="0" smtClean="0"/>
-          </a:p>
-          <a:p>
-            <a:r>
-              <a:rPr lang="fr-FR" dirty="0" smtClean="0"/>
-              <a:t>Importer les relais</a:t>
-            </a:r>
-          </a:p>
-          <a:p>
-            <a:endParaRPr lang="fr-FR" dirty="0" smtClean="0"/>
-          </a:p>
-          <a:p>
-            <a:r>
-              <a:rPr lang="fr-FR" dirty="0" smtClean="0"/>
-              <a:t>Générer un </a:t>
-            </a:r>
-            <a:r>
-              <a:rPr lang="fr-FR" dirty="0" err="1" smtClean="0"/>
-              <a:t>diagrame</a:t>
-            </a:r>
-            <a:r>
-              <a:rPr lang="fr-FR" dirty="0" smtClean="0"/>
-              <a:t> </a:t>
-            </a:r>
-            <a:r>
-              <a:rPr lang="fr-FR" dirty="0" err="1" smtClean="0"/>
-              <a:t>Voronoi</a:t>
-            </a:r>
-            <a:r>
-              <a:rPr lang="fr-FR" dirty="0" smtClean="0"/>
-              <a:t>/</a:t>
-            </a:r>
-            <a:r>
-              <a:rPr lang="fr-FR" dirty="0" err="1" smtClean="0"/>
-              <a:t>Thiessen</a:t>
-            </a:r>
-            <a:r>
-              <a:rPr lang="fr-FR" dirty="0" smtClean="0"/>
-              <a:t> sur la couche relais</a:t>
-            </a:r>
             <a:endParaRPr lang="fr-FR" dirty="0"/>
           </a:p>
         </p:txBody>
@@ -18671,7 +19441,7 @@
     </p:spTree>
     <p:extLst>
       <p:ext uri="{BB962C8B-B14F-4D97-AF65-F5344CB8AC3E}">
-        <p14:creationId xmlns:p14="http://schemas.microsoft.com/office/powerpoint/2010/main" val="297661873"/>
+        <p14:creationId xmlns:p14="http://schemas.microsoft.com/office/powerpoint/2010/main" val="3387801339"/>
       </p:ext>
     </p:extLst>
   </p:cSld>
@@ -18738,33 +19508,63 @@
           <a:p>
             <a:r>
               <a:rPr lang="fr-FR" dirty="0" smtClean="0"/>
-              <a:t>Importer le vecteur trajets</a:t>
-            </a:r>
-          </a:p>
-          <a:p>
+              <a:t>Afficher une carte de chaleur/densité sur la couche </a:t>
+            </a:r>
+            <a:r>
+              <a:rPr lang="fr-FR" b="1" dirty="0" err="1" smtClean="0"/>
+              <a:t>villes_alsace</a:t>
+            </a:r>
+            <a:endParaRPr lang="fr-FR" b="1" dirty="0"/>
+          </a:p>
+          <a:p>
+            <a:endParaRPr lang="fr-FR" dirty="0" smtClean="0"/>
+          </a:p>
+          <a:p>
+            <a:r>
+              <a:rPr lang="fr-FR" dirty="0" smtClean="0"/>
+              <a:t>Compter le nombre </a:t>
+            </a:r>
+            <a:r>
+              <a:rPr lang="fr-FR" dirty="0"/>
+              <a:t>de points </a:t>
+            </a:r>
+            <a:r>
+              <a:rPr lang="fr-FR" dirty="0" smtClean="0"/>
+              <a:t>dans la région alsace</a:t>
+            </a:r>
             <a:endParaRPr lang="fr-FR" dirty="0"/>
           </a:p>
           <a:p>
-            <a:r>
-              <a:rPr lang="fr-FR" dirty="0" smtClean="0"/>
+            <a:endParaRPr lang="fr-FR" dirty="0" smtClean="0"/>
+          </a:p>
+          <a:p>
+            <a:r>
+              <a:rPr lang="fr-FR" dirty="0"/>
+              <a:t>Importer le vecteur </a:t>
+            </a:r>
+            <a:r>
+              <a:rPr lang="fr-FR" b="1" dirty="0"/>
+              <a:t>trajets</a:t>
+            </a:r>
+          </a:p>
+          <a:p>
+            <a:endParaRPr lang="fr-FR" dirty="0"/>
+          </a:p>
+          <a:p>
+            <a:r>
+              <a:rPr lang="fr-FR" dirty="0"/>
               <a:t>Réaliser une étude de densité sur la couche trajets</a:t>
             </a:r>
           </a:p>
           <a:p>
-            <a:endParaRPr lang="fr-FR" dirty="0"/>
-          </a:p>
-          <a:p>
-            <a:endParaRPr lang="fr-FR" dirty="0"/>
-          </a:p>
-          <a:p>
-            <a:endParaRPr lang="fr-FR" dirty="0"/>
+            <a:endParaRPr lang="fr-FR" dirty="0" smtClean="0"/>
           </a:p>
         </p:txBody>
       </p:sp>
     </p:spTree>
     <p:extLst>
       <p:ext uri="{BB962C8B-B14F-4D97-AF65-F5344CB8AC3E}">
-        <p14:creationId xmlns:p14="http://schemas.microsoft.com/office/powerpoint/2010/main" val="1507155692"/>
+        <p14:creationId xmlns:p14="http://schemas.microsoft.com/office/powerpoint/2010/main" val="297661873"/>
       </p:ext>
     </p:extLst>
   </p:cSld>
@@ -18793,12 +19593,12 @@
       </p:grpSpPr>
       <p:sp>
         <p:nvSpPr>
-          <p:cNvPr id="4" name="Titre 3"/>
-          <p:cNvSpPr>
-            <a:spLocks noGrp="1"/>
-          </p:cNvSpPr>
-          <p:nvPr>
-            <p:ph type="ctrTitle"/>
+          <p:cNvPr id="2" name="Titre 1"/>
+          <p:cNvSpPr>
+            <a:spLocks noGrp="1"/>
+          </p:cNvSpPr>
+          <p:nvPr>
+            <p:ph type="title"/>
           </p:nvPr>
         </p:nvSpPr>
         <p:spPr/>
@@ -18806,33 +19606,166 @@
           <a:bodyPr/>
           <a:lstStyle/>
           <a:p>
-            <a:endParaRPr lang="fr-FR"/>
-          </a:p>
-        </p:txBody>
-      </p:sp>
-      <p:sp>
-        <p:nvSpPr>
-          <p:cNvPr id="5" name="Sous-titre 4"/>
-          <p:cNvSpPr>
-            <a:spLocks noGrp="1"/>
-          </p:cNvSpPr>
-          <p:nvPr>
-            <p:ph type="subTitle" idx="1"/>
-          </p:nvPr>
-        </p:nvSpPr>
-        <p:spPr/>
-        <p:txBody>
-          <a:bodyPr/>
-          <a:lstStyle/>
-          <a:p>
-            <a:endParaRPr lang="fr-FR"/>
+            <a:r>
+              <a:rPr lang="fr-FR" dirty="0" smtClean="0"/>
+              <a:t>Exercice 18</a:t>
+            </a:r>
+            <a:endParaRPr lang="fr-FR" dirty="0"/>
+          </a:p>
+        </p:txBody>
+      </p:sp>
+      <p:sp>
+        <p:nvSpPr>
+          <p:cNvPr id="3" name="Espace réservé du contenu 2"/>
+          <p:cNvSpPr>
+            <a:spLocks noGrp="1"/>
+          </p:cNvSpPr>
+          <p:nvPr>
+            <p:ph idx="1"/>
+          </p:nvPr>
+        </p:nvSpPr>
+        <p:spPr/>
+        <p:txBody>
+          <a:bodyPr>
+            <a:noAutofit/>
+          </a:bodyPr>
+          <a:lstStyle/>
+          <a:p>
+            <a:pPr marL="228600" lvl="1">
+              <a:spcBef>
+                <a:spcPts val="1000"/>
+              </a:spcBef>
+            </a:pPr>
+            <a:r>
+              <a:rPr lang="fr-FR" dirty="0" smtClean="0"/>
+              <a:t>Tracer les </a:t>
+            </a:r>
+            <a:r>
+              <a:rPr lang="fr-FR" dirty="0"/>
+              <a:t>relevés </a:t>
+            </a:r>
+            <a:r>
+              <a:rPr lang="fr-FR" dirty="0" err="1" smtClean="0"/>
+              <a:t>gonio</a:t>
+            </a:r>
+            <a:r>
+              <a:rPr lang="fr-FR" dirty="0" smtClean="0"/>
+              <a:t> à partir du fichier </a:t>
+            </a:r>
+            <a:r>
+              <a:rPr lang="fr-FR" b="1" dirty="0" smtClean="0"/>
+              <a:t>FITEC5.csv</a:t>
+            </a:r>
+          </a:p>
+          <a:p>
+            <a:endParaRPr lang="fr-FR" sz="2400" dirty="0" smtClean="0"/>
+          </a:p>
+          <a:p>
+            <a:r>
+              <a:rPr lang="fr-FR" sz="2400" dirty="0" smtClean="0"/>
+              <a:t>Importer </a:t>
+            </a:r>
+            <a:r>
+              <a:rPr lang="fr-FR" sz="2400" b="1" dirty="0" smtClean="0"/>
+              <a:t>BDD_VUHF.csv</a:t>
+            </a:r>
+            <a:endParaRPr lang="fr-FR" b="1" dirty="0" smtClean="0"/>
+          </a:p>
+          <a:p>
+            <a:endParaRPr lang="fr-FR" sz="2400" dirty="0" smtClean="0"/>
+          </a:p>
+          <a:p>
+            <a:r>
+              <a:rPr lang="fr-FR" sz="2400" dirty="0"/>
+              <a:t>Importer </a:t>
+            </a:r>
+            <a:r>
+              <a:rPr lang="fr-FR" sz="2400" b="1" dirty="0" smtClean="0"/>
+              <a:t>relais.csv</a:t>
+            </a:r>
+            <a:endParaRPr lang="fr-FR" sz="2400" b="1" dirty="0"/>
+          </a:p>
+          <a:p>
+            <a:r>
+              <a:rPr lang="fr-FR" sz="2400" dirty="0"/>
+              <a:t>Générer un </a:t>
+            </a:r>
+            <a:r>
+              <a:rPr lang="fr-FR" sz="2400" dirty="0" err="1"/>
+              <a:t>diagrame</a:t>
+            </a:r>
+            <a:r>
+              <a:rPr lang="fr-FR" sz="2400" dirty="0"/>
+              <a:t> </a:t>
+            </a:r>
+            <a:r>
+              <a:rPr lang="fr-FR" sz="2400" dirty="0" err="1"/>
+              <a:t>Voronoi</a:t>
+            </a:r>
+            <a:r>
+              <a:rPr lang="fr-FR" sz="2400" dirty="0"/>
+              <a:t>/</a:t>
+            </a:r>
+            <a:r>
+              <a:rPr lang="fr-FR" sz="2400" dirty="0" err="1"/>
+              <a:t>Thiessen</a:t>
+            </a:r>
+            <a:r>
+              <a:rPr lang="fr-FR" sz="2400" dirty="0"/>
+              <a:t> sur la couche relais</a:t>
+            </a:r>
+          </a:p>
+          <a:p>
+            <a:pPr marL="0" indent="0">
+              <a:buNone/>
+            </a:pPr>
+            <a:endParaRPr lang="fr-FR" sz="2400" dirty="0"/>
+          </a:p>
+          <a:p>
+            <a:r>
+              <a:rPr lang="fr-FR" sz="2400" dirty="0"/>
+              <a:t>Importer </a:t>
+            </a:r>
+            <a:r>
+              <a:rPr lang="fr-FR" sz="2400" b="1" dirty="0" smtClean="0"/>
+              <a:t>geonames_67.csv</a:t>
+            </a:r>
+          </a:p>
+          <a:p>
+            <a:r>
+              <a:rPr lang="fr-FR" sz="2400" dirty="0" smtClean="0"/>
+              <a:t>Carte </a:t>
+            </a:r>
+            <a:r>
+              <a:rPr lang="fr-FR" sz="2400" dirty="0"/>
+              <a:t>de chaleur de </a:t>
+            </a:r>
+            <a:r>
+              <a:rPr lang="fr-FR" sz="2400" dirty="0" smtClean="0"/>
+              <a:t>la couche geonames_67</a:t>
+            </a:r>
+          </a:p>
+          <a:p>
+            <a:pPr lvl="1"/>
+            <a:r>
+              <a:rPr lang="fr-FR" dirty="0" smtClean="0"/>
+              <a:t>Prendre en compte l’attribut POPULATION au lieu du nombre de point</a:t>
+            </a:r>
+            <a:endParaRPr lang="fr-FR" dirty="0"/>
+          </a:p>
+          <a:p>
+            <a:pPr lvl="1"/>
+            <a:endParaRPr lang="fr-FR" dirty="0"/>
+          </a:p>
+          <a:p>
+            <a:endParaRPr lang="fr-FR" sz="2400" dirty="0"/>
           </a:p>
         </p:txBody>
       </p:sp>
     </p:spTree>
     <p:extLst>
       <p:ext uri="{BB962C8B-B14F-4D97-AF65-F5344CB8AC3E}">
-        <p14:creationId xmlns:p14="http://schemas.microsoft.com/office/powerpoint/2010/main" val="2612630070"/>
+        <p14:creationId xmlns:p14="http://schemas.microsoft.com/office/powerpoint/2010/main" val="200458018"/>
       </p:ext>
     </p:extLst>
   </p:cSld>

--- a/cours/GM - Travaux pratiques - drill.pptx
+++ b/cours/GM - Travaux pratiques - drill.pptx
@@ -6,7 +6,7 @@
     <p:sldMasterId id="2147483666" r:id="rId2"/>
   </p:sldMasterIdLst>
   <p:notesMasterIdLst>
-    <p:notesMasterId r:id="rId36"/>
+    <p:notesMasterId r:id="rId38"/>
   </p:notesMasterIdLst>
   <p:sldIdLst>
     <p:sldId id="256" r:id="rId3"/>
@@ -27,11 +27,11 @@
     <p:sldId id="307" r:id="rId18"/>
     <p:sldId id="312" r:id="rId19"/>
     <p:sldId id="313" r:id="rId20"/>
-    <p:sldId id="336" r:id="rId21"/>
+    <p:sldId id="335" r:id="rId21"/>
     <p:sldId id="319" r:id="rId22"/>
-    <p:sldId id="335" r:id="rId23"/>
-    <p:sldId id="330" r:id="rId24"/>
-    <p:sldId id="320" r:id="rId25"/>
+    <p:sldId id="330" r:id="rId23"/>
+    <p:sldId id="320" r:id="rId24"/>
+    <p:sldId id="343" r:id="rId25"/>
     <p:sldId id="321" r:id="rId26"/>
     <p:sldId id="322" r:id="rId27"/>
     <p:sldId id="323" r:id="rId28"/>
@@ -41,7 +41,9 @@
     <p:sldId id="341" r:id="rId32"/>
     <p:sldId id="326" r:id="rId33"/>
     <p:sldId id="340" r:id="rId34"/>
-    <p:sldId id="339" r:id="rId35"/>
+    <p:sldId id="344" r:id="rId35"/>
+    <p:sldId id="342" r:id="rId36"/>
+    <p:sldId id="339" r:id="rId37"/>
   </p:sldIdLst>
   <p:sldSz cx="12192000" cy="6858000"/>
   <p:notesSz cx="6858000" cy="9144000"/>
@@ -230,7 +232,7 @@
           <a:p>
             <a:fld id="{05CF0F9A-6161-450D-AD24-FE13ECDFFC91}" type="datetimeFigureOut">
               <a:rPr lang="fr-FR" smtClean="0"/>
-              <a:t>06/01/2023</a:t>
+              <a:t>06/06/2023</a:t>
             </a:fld>
             <a:endParaRPr lang="fr-FR"/>
           </a:p>
@@ -2636,117 +2638,50 @@
             </a:pPr>
             <a:r>
               <a:rPr lang="fr-FR" dirty="0" smtClean="0"/>
-              <a:t>Importer</a:t>
-            </a:r>
-            <a:r>
-              <a:rPr lang="fr-FR" baseline="0" dirty="0" smtClean="0"/>
-              <a:t> le vecteur</a:t>
-            </a:r>
-          </a:p>
-          <a:p>
-            <a:pPr marL="171450" indent="-171450">
-              <a:buFontTx/>
-              <a:buChar char="-"/>
-            </a:pPr>
-            <a:r>
-              <a:rPr lang="fr-FR" baseline="0" dirty="0" smtClean="0"/>
-              <a:t>Faire glisser le fichier CARTO/VECTEURS/point </a:t>
-            </a:r>
-            <a:r>
-              <a:rPr lang="fr-FR" baseline="0" dirty="0" err="1" smtClean="0"/>
-              <a:t>unique.kml</a:t>
-            </a:r>
+              <a:t>Imports</a:t>
+            </a:r>
+          </a:p>
+          <a:p>
+            <a:pPr marL="0" marR="0" indent="0" algn="l" defTabSz="914400" rtl="0" eaLnBrk="1" fontAlgn="auto" latinLnBrk="0" hangingPunct="1">
+              <a:lnSpc>
+                <a:spcPct val="100000"/>
+              </a:lnSpc>
+              <a:spcBef>
+                <a:spcPts val="0"/>
+              </a:spcBef>
+              <a:spcAft>
+                <a:spcPts val="0"/>
+              </a:spcAft>
+              <a:buClrTx/>
+              <a:buSzTx/>
+              <a:buFontTx/>
+              <a:buNone/>
+              <a:tabLst/>
+              <a:defRPr/>
+            </a:pPr>
             <a:endParaRPr lang="fr-FR" baseline="0" dirty="0" smtClean="0"/>
           </a:p>
           <a:p>
-            <a:pPr marL="0" indent="0">
-              <a:buFontTx/>
-              <a:buNone/>
-            </a:pPr>
-            <a:endParaRPr lang="fr-FR" baseline="0" dirty="0" smtClean="0"/>
-          </a:p>
-          <a:p>
-            <a:pPr marL="0" indent="0">
-              <a:buFontTx/>
-              <a:buNone/>
-            </a:pPr>
-            <a:r>
-              <a:rPr lang="fr-FR" baseline="0" dirty="0" smtClean="0"/>
-              <a:t>2) Utiliser le </a:t>
-            </a:r>
-            <a:r>
-              <a:rPr lang="fr-FR" baseline="0" dirty="0" err="1" smtClean="0"/>
-              <a:t>feature</a:t>
-            </a:r>
-            <a:r>
-              <a:rPr lang="fr-FR" baseline="0" dirty="0" smtClean="0"/>
-              <a:t> info </a:t>
-            </a:r>
-            <a:r>
-              <a:rPr lang="fr-FR" baseline="0" dirty="0" err="1" smtClean="0"/>
-              <a:t>tool</a:t>
-            </a:r>
-            <a:endParaRPr lang="fr-FR" baseline="0" dirty="0" smtClean="0"/>
-          </a:p>
-          <a:p>
-            <a:pPr marL="171450" indent="-171450">
-              <a:buFontTx/>
-              <a:buChar char="-"/>
-            </a:pPr>
-            <a:r>
-              <a:rPr lang="fr-FR" baseline="0" dirty="0" smtClean="0"/>
-              <a:t>Cliquer sur la bulle bleu ou</a:t>
-            </a:r>
-          </a:p>
-          <a:p>
-            <a:pPr marL="171450" indent="-171450">
-              <a:buFontTx/>
-              <a:buChar char="-"/>
-            </a:pPr>
-            <a:r>
-              <a:rPr lang="fr-FR" baseline="0" dirty="0" smtClean="0"/>
-              <a:t>Menu </a:t>
-            </a:r>
-            <a:r>
-              <a:rPr lang="fr-FR" baseline="0" dirty="0" err="1" smtClean="0"/>
-              <a:t>tools</a:t>
-            </a:r>
-            <a:r>
-              <a:rPr lang="fr-FR" baseline="0" dirty="0" smtClean="0"/>
-              <a:t> -&gt; </a:t>
-            </a:r>
-            <a:r>
-              <a:rPr lang="fr-FR" baseline="0" dirty="0" err="1" smtClean="0"/>
-              <a:t>Feature</a:t>
-            </a:r>
-            <a:r>
-              <a:rPr lang="fr-FR" baseline="0" dirty="0" smtClean="0"/>
-              <a:t> info</a:t>
-            </a:r>
-          </a:p>
-          <a:p>
-            <a:pPr marL="0" indent="0">
-              <a:buFontTx/>
-              <a:buNone/>
-            </a:pPr>
-            <a:endParaRPr lang="fr-FR" baseline="0" dirty="0" smtClean="0"/>
-          </a:p>
-          <a:p>
-            <a:pPr marL="0" indent="0">
-              <a:buFontTx/>
-              <a:buNone/>
-            </a:pPr>
-            <a:r>
-              <a:rPr lang="fr-FR" baseline="0" dirty="0" smtClean="0"/>
-              <a:t>3) Importer </a:t>
-            </a:r>
-            <a:r>
-              <a:rPr lang="fr-FR" baseline="0" dirty="0" err="1" smtClean="0"/>
-              <a:t>gonio</a:t>
-            </a:r>
-            <a:r>
-              <a:rPr lang="fr-FR" baseline="0" dirty="0" smtClean="0"/>
-              <a:t> VUHF</a:t>
+            <a:pPr marL="0" marR="0" indent="0" algn="l" defTabSz="914400" rtl="0" eaLnBrk="1" fontAlgn="auto" latinLnBrk="0" hangingPunct="1">
+              <a:lnSpc>
+                <a:spcPct val="100000"/>
+              </a:lnSpc>
+              <a:spcBef>
+                <a:spcPts val="0"/>
+              </a:spcBef>
+              <a:spcAft>
+                <a:spcPts val="0"/>
+              </a:spcAft>
+              <a:buClrTx/>
+              <a:buSzTx/>
+              <a:buFontTx/>
+              <a:buNone/>
+              <a:tabLst/>
+              <a:defRPr/>
+            </a:pPr>
+            <a:r>
+              <a:rPr lang="fr-FR" baseline="0" dirty="0" smtClean="0"/>
+              <a:t>2) Afficher un autre nom</a:t>
             </a:r>
           </a:p>
           <a:p>
@@ -2769,21 +2704,8 @@
             </a:pPr>
             <a:r>
               <a:rPr lang="fr-FR" baseline="0" dirty="0" smtClean="0"/>
-              <a:t>Faire glisser le fichier CARTO/VECTEURS/</a:t>
-            </a:r>
-            <a:r>
-              <a:rPr lang="fr-FR" baseline="0" dirty="0" err="1" smtClean="0"/>
-              <a:t>gonio</a:t>
-            </a:r>
-            <a:r>
-              <a:rPr lang="fr-FR" baseline="0" dirty="0" smtClean="0"/>
-              <a:t> </a:t>
-            </a:r>
-            <a:r>
-              <a:rPr lang="fr-FR" baseline="0" dirty="0" err="1" smtClean="0"/>
-              <a:t>VUHF.kmz</a:t>
-            </a:r>
-            <a:endParaRPr lang="fr-FR" baseline="0" dirty="0" smtClean="0"/>
+              <a:t>Sur la couche, clic droit -&gt; OPTIONS</a:t>
+            </a:r>
           </a:p>
           <a:p>
             <a:pPr marL="171450" marR="0" indent="-171450" algn="l" defTabSz="914400" rtl="0" eaLnBrk="1" fontAlgn="auto" latinLnBrk="0" hangingPunct="1">
@@ -2805,46 +2727,119 @@
             </a:pPr>
             <a:r>
               <a:rPr lang="fr-FR" baseline="0" dirty="0" smtClean="0"/>
-              <a:t>Sur la couche </a:t>
+              <a:t>Onglet Labels, pour « use </a:t>
             </a:r>
             <a:r>
               <a:rPr lang="fr-FR" baseline="0" dirty="0" err="1" smtClean="0"/>
-              <a:t>gonio</a:t>
-            </a:r>
-            <a:r>
-              <a:rPr lang="fr-FR" baseline="0" dirty="0" smtClean="0"/>
-              <a:t> VUHF, clic droit -&gt; EDIT ATTRIBUTES</a:t>
-            </a:r>
-          </a:p>
-          <a:p>
-            <a:pPr marL="171450" marR="0" indent="-171450" algn="l" defTabSz="914400" rtl="0" eaLnBrk="1" fontAlgn="auto" latinLnBrk="0" hangingPunct="1">
-              <a:lnSpc>
-                <a:spcPct val="100000"/>
-              </a:lnSpc>
-              <a:spcBef>
-                <a:spcPts val="0"/>
-              </a:spcBef>
-              <a:spcAft>
-                <a:spcPts val="0"/>
-              </a:spcAft>
-              <a:buClrTx/>
-              <a:buSzTx/>
-              <a:buFontTx/>
-              <a:buChar char="-"/>
-              <a:tabLst/>
-              <a:defRPr/>
-            </a:pPr>
-            <a:r>
-              <a:rPr lang="fr-FR" baseline="0" dirty="0" smtClean="0"/>
-              <a:t>Dans la barre d’outil du tableau, bouton « Save to CSV »</a:t>
+              <a:t>selected</a:t>
+            </a:r>
+            <a:r>
+              <a:rPr lang="fr-FR" baseline="0" dirty="0" smtClean="0"/>
+              <a:t> </a:t>
+            </a:r>
+            <a:r>
+              <a:rPr lang="fr-FR" baseline="0" dirty="0" err="1" smtClean="0"/>
+              <a:t>attribute</a:t>
+            </a:r>
+            <a:r>
+              <a:rPr lang="fr-FR" baseline="0" dirty="0" smtClean="0"/>
+              <a:t> value for </a:t>
+            </a:r>
+            <a:r>
+              <a:rPr lang="fr-FR" baseline="0" dirty="0" err="1" smtClean="0"/>
+              <a:t>name</a:t>
+            </a:r>
+            <a:r>
+              <a:rPr lang="fr-FR" baseline="0" dirty="0" smtClean="0"/>
+              <a:t> », choisir l’attribut à afficher</a:t>
             </a:r>
           </a:p>
           <a:p>
             <a:pPr marL="0" indent="0">
-              <a:buFontTx/>
-              <a:buNone/>
-            </a:pPr>
-            <a:endParaRPr lang="fr-FR" dirty="0"/>
+              <a:buNone/>
+            </a:pPr>
+            <a:endParaRPr lang="fr-FR" dirty="0" smtClean="0"/>
+          </a:p>
+          <a:p>
+            <a:pPr marL="0" indent="0">
+              <a:buFontTx/>
+              <a:buNone/>
+            </a:pPr>
+            <a:r>
+              <a:rPr lang="fr-FR" baseline="0" dirty="0" smtClean="0"/>
+              <a:t>3) Tableau des attributs</a:t>
+            </a:r>
+          </a:p>
+          <a:p>
+            <a:pPr marL="171450" indent="-171450">
+              <a:buFontTx/>
+              <a:buChar char="-"/>
+            </a:pPr>
+            <a:r>
+              <a:rPr lang="fr-FR" baseline="0" dirty="0" smtClean="0"/>
+              <a:t>Sur la couche relevés gonion clic droit -&gt; EDIT ATTRIBUTES</a:t>
+            </a:r>
+          </a:p>
+          <a:p>
+            <a:pPr marL="171450" indent="-171450">
+              <a:buFontTx/>
+              <a:buChar char="-"/>
+            </a:pPr>
+            <a:r>
+              <a:rPr lang="fr-FR" baseline="0" dirty="0" smtClean="0"/>
+              <a:t>Icone « sauvegarder en CSV »</a:t>
+            </a:r>
+            <a:endParaRPr lang="fr-FR" dirty="0" smtClean="0"/>
+          </a:p>
+          <a:p>
+            <a:pPr marL="0" indent="0">
+              <a:buNone/>
+            </a:pPr>
+            <a:endParaRPr lang="fr-FR" dirty="0" smtClean="0"/>
+          </a:p>
+          <a:p>
+            <a:r>
+              <a:rPr lang="fr-FR" dirty="0" smtClean="0"/>
+              <a:t>4) Diviser</a:t>
+            </a:r>
+            <a:r>
+              <a:rPr lang="fr-FR" baseline="0" dirty="0" smtClean="0"/>
+              <a:t> la couche</a:t>
+            </a:r>
+          </a:p>
+          <a:p>
+            <a:pPr marL="171450" indent="-171450">
+              <a:buFontTx/>
+              <a:buChar char="-"/>
+            </a:pPr>
+            <a:r>
+              <a:rPr lang="fr-FR" baseline="0" dirty="0" smtClean="0"/>
+              <a:t>Sur la couche, clic droit -&gt; LAYER - &gt;SPLIT</a:t>
+            </a:r>
+          </a:p>
+          <a:p>
+            <a:pPr marL="171450" indent="-171450">
+              <a:buFontTx/>
+              <a:buChar char="-"/>
+            </a:pPr>
+            <a:r>
+              <a:rPr lang="fr-FR" baseline="0" dirty="0" smtClean="0"/>
+              <a:t>Sélectionner l’attribut « FRQ »</a:t>
+            </a:r>
+          </a:p>
+          <a:p>
+            <a:pPr marL="0" indent="0">
+              <a:buFontTx/>
+              <a:buNone/>
+            </a:pPr>
+            <a:endParaRPr lang="fr-FR" baseline="0" dirty="0" smtClean="0"/>
+          </a:p>
+          <a:p>
+            <a:pPr marL="0" indent="0">
+              <a:buFontTx/>
+              <a:buNone/>
+            </a:pPr>
+            <a:endParaRPr lang="fr-FR" baseline="0" dirty="0" smtClean="0"/>
           </a:p>
         </p:txBody>
       </p:sp>
@@ -2874,7 +2869,7 @@
     </p:spTree>
     <p:extLst>
       <p:ext uri="{BB962C8B-B14F-4D97-AF65-F5344CB8AC3E}">
-        <p14:creationId xmlns:p14="http://schemas.microsoft.com/office/powerpoint/2010/main" val="1199384960"/>
+        <p14:creationId xmlns:p14="http://schemas.microsoft.com/office/powerpoint/2010/main" val="4104824786"/>
       </p:ext>
     </p:extLst>
   </p:cSld>
@@ -2928,96 +2923,89 @@
           <a:bodyPr/>
           <a:lstStyle/>
           <a:p>
-            <a:pPr marL="228600" marR="0" indent="-228600" algn="l" defTabSz="914400" rtl="0" eaLnBrk="1" fontAlgn="auto" latinLnBrk="0" hangingPunct="1">
-              <a:lnSpc>
-                <a:spcPct val="100000"/>
-              </a:lnSpc>
-              <a:spcBef>
-                <a:spcPts val="0"/>
-              </a:spcBef>
-              <a:spcAft>
-                <a:spcPts val="0"/>
-              </a:spcAft>
-              <a:buClrTx/>
-              <a:buSzTx/>
-              <a:buFontTx/>
-              <a:buAutoNum type="arabicParenR"/>
-              <a:tabLst/>
-              <a:defRPr/>
-            </a:pPr>
-            <a:r>
-              <a:rPr lang="fr-FR" baseline="0" dirty="0" smtClean="0"/>
-              <a:t>Afficher un autre nom</a:t>
-            </a:r>
-          </a:p>
-          <a:p>
-            <a:pPr marL="171450" marR="0" indent="-171450" algn="l" defTabSz="914400" rtl="0" eaLnBrk="1" fontAlgn="auto" latinLnBrk="0" hangingPunct="1">
-              <a:lnSpc>
-                <a:spcPct val="100000"/>
-              </a:lnSpc>
-              <a:spcBef>
-                <a:spcPts val="0"/>
-              </a:spcBef>
-              <a:spcAft>
-                <a:spcPts val="0"/>
-              </a:spcAft>
-              <a:buClrTx/>
-              <a:buSzTx/>
-              <a:buFontTx/>
-              <a:buChar char="-"/>
-              <a:tabLst/>
-              <a:defRPr/>
-            </a:pPr>
-            <a:r>
-              <a:rPr lang="fr-FR" baseline="0" dirty="0" smtClean="0"/>
-              <a:t>Sur la couche, clic droit -&gt; OPTIONS</a:t>
-            </a:r>
-          </a:p>
-          <a:p>
-            <a:pPr marL="171450" marR="0" indent="-171450" algn="l" defTabSz="914400" rtl="0" eaLnBrk="1" fontAlgn="auto" latinLnBrk="0" hangingPunct="1">
-              <a:lnSpc>
-                <a:spcPct val="100000"/>
-              </a:lnSpc>
-              <a:spcBef>
-                <a:spcPts val="0"/>
-              </a:spcBef>
-              <a:spcAft>
-                <a:spcPts val="0"/>
-              </a:spcAft>
-              <a:buClrTx/>
-              <a:buSzTx/>
-              <a:buFontTx/>
-              <a:buChar char="-"/>
-              <a:tabLst/>
-              <a:defRPr/>
-            </a:pPr>
-            <a:r>
-              <a:rPr lang="fr-FR" baseline="0" dirty="0" smtClean="0"/>
-              <a:t>Onglet Labels, pour « use </a:t>
+            <a:pPr marL="0" indent="0">
+              <a:buFontTx/>
+              <a:buNone/>
+            </a:pPr>
+            <a:r>
+              <a:rPr lang="fr-FR" baseline="0" dirty="0" smtClean="0"/>
+              <a:t>1) Générer les </a:t>
             </a:r>
             <a:r>
               <a:rPr lang="fr-FR" baseline="0" dirty="0" err="1" smtClean="0"/>
-              <a:t>selected</a:t>
+              <a:t>stats</a:t>
+            </a:r>
+            <a:r>
+              <a:rPr lang="fr-FR" baseline="0" dirty="0" smtClean="0"/>
+              <a:t> de couches</a:t>
+            </a:r>
+          </a:p>
+          <a:p>
+            <a:pPr marL="171450" indent="-171450">
+              <a:buFontTx/>
+              <a:buChar char="-"/>
+            </a:pPr>
+            <a:r>
+              <a:rPr lang="fr-FR" baseline="0" dirty="0" smtClean="0"/>
+              <a:t>Sur la couche, clic droit -&gt; ANALYSIS -&gt; </a:t>
+            </a:r>
+            <a:r>
+              <a:rPr lang="fr-FR" baseline="0" dirty="0" err="1" smtClean="0"/>
+              <a:t>create</a:t>
+            </a:r>
+            <a:r>
+              <a:rPr lang="fr-FR" baseline="0" dirty="0" smtClean="0"/>
+              <a:t> layer </a:t>
+            </a:r>
+            <a:r>
+              <a:rPr lang="fr-FR" baseline="0" dirty="0" err="1" smtClean="0"/>
+              <a:t>statistics</a:t>
+            </a:r>
+            <a:r>
+              <a:rPr lang="fr-FR" baseline="0" dirty="0" smtClean="0"/>
+              <a:t> report</a:t>
+            </a:r>
+          </a:p>
+          <a:p>
+            <a:pPr marL="171450" indent="-171450">
+              <a:buFontTx/>
+              <a:buChar char="-"/>
+            </a:pPr>
+            <a:r>
+              <a:rPr lang="fr-FR" dirty="0" smtClean="0"/>
+              <a:t>Définir le nom du fichier contenant le rapport</a:t>
+            </a:r>
+          </a:p>
+          <a:p>
+            <a:pPr marL="171450" indent="-171450">
+              <a:buFontTx/>
+              <a:buChar char="-"/>
+            </a:pPr>
+            <a:r>
+              <a:rPr lang="fr-FR" dirty="0" smtClean="0"/>
+              <a:t>Choisir les couches à inclure dans le rapport</a:t>
+            </a:r>
+          </a:p>
+          <a:p>
+            <a:pPr marL="171450" indent="-171450">
+              <a:buFontTx/>
+              <a:buChar char="-"/>
+            </a:pPr>
+            <a:r>
+              <a:rPr lang="fr-FR" dirty="0" smtClean="0"/>
+              <a:t>Choisir le ou les attributs pour grouper les statistiques</a:t>
             </a:r>
             <a:r>
               <a:rPr lang="fr-FR" baseline="0" dirty="0" smtClean="0"/>
               <a:t> </a:t>
             </a:r>
             <a:r>
-              <a:rPr lang="fr-FR" baseline="0" dirty="0" err="1" smtClean="0"/>
-              <a:t>attribute</a:t>
-            </a:r>
-            <a:r>
-              <a:rPr lang="fr-FR" baseline="0" dirty="0" smtClean="0"/>
-              <a:t> value for </a:t>
-            </a:r>
-            <a:r>
-              <a:rPr lang="fr-FR" baseline="0" dirty="0" err="1" smtClean="0"/>
-              <a:t>name</a:t>
-            </a:r>
-            <a:r>
-              <a:rPr lang="fr-FR" baseline="0" dirty="0" smtClean="0"/>
-              <a:t> », choisir l’attribut à afficher</a:t>
+              <a:rPr lang="fr-FR" dirty="0" smtClean="0"/>
+              <a:t>(ici</a:t>
+            </a:r>
+            <a:r>
+              <a:rPr lang="fr-FR" baseline="0" dirty="0" smtClean="0"/>
+              <a:t> l’attribut LAYER)</a:t>
             </a:r>
           </a:p>
           <a:p>
@@ -3269,7 +3257,7 @@
             </a:pPr>
             <a:r>
               <a:rPr lang="fr-FR" dirty="0" smtClean="0"/>
-              <a:t>Imports</a:t>
+              <a:t>BDD GONIO</a:t>
             </a:r>
           </a:p>
           <a:p>
@@ -3279,165 +3267,48 @@
             <a:endParaRPr lang="fr-FR" dirty="0" smtClean="0"/>
           </a:p>
           <a:p>
-            <a:r>
-              <a:rPr lang="fr-FR" dirty="0" smtClean="0"/>
-              <a:t>2) Diviser</a:t>
-            </a:r>
-            <a:r>
-              <a:rPr lang="fr-FR" baseline="0" dirty="0" smtClean="0"/>
-              <a:t> la couche</a:t>
-            </a:r>
-          </a:p>
-          <a:p>
-            <a:pPr marL="171450" indent="-171450">
-              <a:buFontTx/>
-              <a:buChar char="-"/>
-            </a:pPr>
-            <a:r>
-              <a:rPr lang="fr-FR" baseline="0" dirty="0" smtClean="0"/>
-              <a:t>Sur la couche, clic droit -&gt; LAYER - &gt;SPLIT</a:t>
-            </a:r>
-          </a:p>
-          <a:p>
-            <a:pPr marL="171450" indent="-171450">
-              <a:buFontTx/>
-              <a:buChar char="-"/>
-            </a:pPr>
-            <a:r>
-              <a:rPr lang="fr-FR" baseline="0" dirty="0" smtClean="0"/>
-              <a:t>Sélectionner l’attribut « FRQ »</a:t>
-            </a:r>
-          </a:p>
-          <a:p>
-            <a:pPr marL="0" indent="0">
-              <a:buFontTx/>
-              <a:buNone/>
-            </a:pPr>
-            <a:endParaRPr lang="fr-FR" baseline="0" dirty="0" smtClean="0"/>
-          </a:p>
-          <a:p>
-            <a:pPr marL="0" indent="0">
-              <a:buFontTx/>
-              <a:buNone/>
-            </a:pPr>
-            <a:r>
-              <a:rPr lang="fr-FR" baseline="0" dirty="0" smtClean="0"/>
-              <a:t>3) Générer les </a:t>
-            </a:r>
-            <a:r>
-              <a:rPr lang="fr-FR" baseline="0" dirty="0" err="1" smtClean="0"/>
-              <a:t>stats</a:t>
-            </a:r>
-            <a:r>
-              <a:rPr lang="fr-FR" baseline="0" dirty="0" smtClean="0"/>
-              <a:t> de couches</a:t>
-            </a:r>
-          </a:p>
-          <a:p>
-            <a:pPr marL="171450" indent="-171450">
-              <a:buFontTx/>
-              <a:buChar char="-"/>
-            </a:pPr>
-            <a:r>
-              <a:rPr lang="fr-FR" baseline="0" dirty="0" smtClean="0"/>
-              <a:t>Sur la couche, clic droit -&gt; ANALYSIS -&gt; </a:t>
-            </a:r>
-            <a:r>
-              <a:rPr lang="fr-FR" baseline="0" dirty="0" err="1" smtClean="0"/>
-              <a:t>create</a:t>
-            </a:r>
-            <a:r>
-              <a:rPr lang="fr-FR" baseline="0" dirty="0" smtClean="0"/>
-              <a:t> layer </a:t>
-            </a:r>
-            <a:r>
-              <a:rPr lang="fr-FR" baseline="0" dirty="0" err="1" smtClean="0"/>
-              <a:t>statistics</a:t>
-            </a:r>
-            <a:r>
-              <a:rPr lang="fr-FR" baseline="0" dirty="0" smtClean="0"/>
-              <a:t> report</a:t>
-            </a:r>
-          </a:p>
-          <a:p>
-            <a:pPr marL="171450" indent="-171450">
-              <a:buFontTx/>
-              <a:buChar char="-"/>
-            </a:pPr>
-            <a:r>
-              <a:rPr lang="fr-FR" dirty="0" smtClean="0"/>
-              <a:t>Définir le nom du fichier contenant le rapport</a:t>
-            </a:r>
-          </a:p>
-          <a:p>
-            <a:pPr marL="171450" indent="-171450">
-              <a:buFontTx/>
-              <a:buChar char="-"/>
-            </a:pPr>
-            <a:r>
-              <a:rPr lang="fr-FR" dirty="0" smtClean="0"/>
-              <a:t>Choisir les couches à inclure dans le rapport</a:t>
-            </a:r>
-          </a:p>
-          <a:p>
-            <a:pPr marL="171450" indent="-171450">
-              <a:buFontTx/>
-              <a:buChar char="-"/>
-            </a:pPr>
-            <a:r>
-              <a:rPr lang="fr-FR" dirty="0" smtClean="0"/>
-              <a:t>Choisir le ou les attributs pour grouper les statistiques</a:t>
-            </a:r>
-            <a:r>
-              <a:rPr lang="fr-FR" baseline="0" dirty="0" smtClean="0"/>
-              <a:t> </a:t>
-            </a:r>
-            <a:r>
-              <a:rPr lang="fr-FR" dirty="0" smtClean="0"/>
-              <a:t>(ici</a:t>
-            </a:r>
-            <a:r>
-              <a:rPr lang="fr-FR" baseline="0" dirty="0" smtClean="0"/>
-              <a:t> l’attribut LAYER)</a:t>
-            </a:r>
-          </a:p>
-          <a:p>
-            <a:pPr marL="0" indent="0">
-              <a:buFontTx/>
-              <a:buNone/>
-            </a:pPr>
-            <a:endParaRPr lang="fr-FR" baseline="0" dirty="0" smtClean="0"/>
-          </a:p>
-          <a:p>
-            <a:pPr marL="0" indent="0">
-              <a:buFontTx/>
-              <a:buNone/>
-            </a:pPr>
-            <a:r>
-              <a:rPr lang="fr-FR" baseline="0" dirty="0" smtClean="0"/>
-              <a:t>4) Tableau des attributs</a:t>
-            </a:r>
-          </a:p>
-          <a:p>
-            <a:pPr marL="171450" indent="-171450">
-              <a:buFontTx/>
-              <a:buChar char="-"/>
-            </a:pPr>
-            <a:r>
-              <a:rPr lang="fr-FR" baseline="0" dirty="0" smtClean="0"/>
-              <a:t>Sur la couche relevés gonion clic droit -&gt; EDIT ATTRIBUTES</a:t>
-            </a:r>
-          </a:p>
-          <a:p>
-            <a:pPr marL="171450" indent="-171450">
-              <a:buFontTx/>
-              <a:buChar char="-"/>
-            </a:pPr>
-            <a:r>
-              <a:rPr lang="fr-FR" baseline="0" dirty="0" smtClean="0"/>
-              <a:t>Icone « sauvegarder en CSV »</a:t>
-            </a:r>
+            <a:pPr marL="228600" indent="-228600">
+              <a:buAutoNum type="arabicParenR"/>
+            </a:pPr>
+            <a:r>
+              <a:rPr lang="fr-FR" dirty="0" smtClean="0"/>
+              <a:t>Convertisseur de coordonnées</a:t>
+            </a:r>
+          </a:p>
+          <a:p>
+            <a:pPr marL="228600" indent="-228600">
+              <a:buAutoNum type="arabicParenR"/>
+            </a:pPr>
             <a:endParaRPr lang="fr-FR" dirty="0" smtClean="0"/>
+          </a:p>
+          <a:p>
+            <a:pPr marL="228600" indent="-228600">
+              <a:buAutoNum type="arabicParenR"/>
+            </a:pPr>
+            <a:r>
+              <a:rPr lang="fr-FR" dirty="0" smtClean="0"/>
+              <a:t>COGO</a:t>
+            </a:r>
+          </a:p>
+          <a:p>
+            <a:pPr marL="228600" indent="-228600">
+              <a:buAutoNum type="arabicParenR"/>
+            </a:pPr>
+            <a:endParaRPr lang="fr-FR" dirty="0" smtClean="0"/>
+          </a:p>
+          <a:p>
+            <a:pPr marL="228600" indent="-228600">
+              <a:buAutoNum type="arabicParenR"/>
+            </a:pPr>
+            <a:r>
+              <a:rPr lang="fr-FR" dirty="0" smtClean="0"/>
+              <a:t>Image </a:t>
+            </a:r>
+            <a:r>
+              <a:rPr lang="fr-FR" dirty="0" err="1" smtClean="0"/>
+              <a:t>swipe</a:t>
+            </a:r>
+            <a:endParaRPr lang="fr-FR" dirty="0"/>
           </a:p>
         </p:txBody>
       </p:sp>
@@ -3458,7 +3329,7 @@
           <a:p>
             <a:fld id="{7FED9F59-E5F7-4D0D-AFB1-35ABD0360038}" type="slidenum">
               <a:rPr lang="fr-FR" smtClean="0"/>
-              <a:t>21</a:t>
+              <a:t>22</a:t>
             </a:fld>
             <a:endParaRPr lang="fr-FR"/>
           </a:p>
@@ -3467,7 +3338,7 @@
     </p:spTree>
     <p:extLst>
       <p:ext uri="{BB962C8B-B14F-4D97-AF65-F5344CB8AC3E}">
-        <p14:creationId xmlns:p14="http://schemas.microsoft.com/office/powerpoint/2010/main" val="4104824786"/>
+        <p14:creationId xmlns:p14="http://schemas.microsoft.com/office/powerpoint/2010/main" val="2766311557"/>
       </p:ext>
     </p:extLst>
   </p:cSld>
@@ -3607,7 +3478,7 @@
     </p:spTree>
     <p:extLst>
       <p:ext uri="{BB962C8B-B14F-4D97-AF65-F5344CB8AC3E}">
-        <p14:creationId xmlns:p14="http://schemas.microsoft.com/office/powerpoint/2010/main" val="2766311557"/>
+        <p14:creationId xmlns:p14="http://schemas.microsoft.com/office/powerpoint/2010/main" val="1194137759"/>
       </p:ext>
     </p:extLst>
   </p:cSld>
@@ -7145,10 +7016,9 @@
               <a:buAutoNum type="arabicParenR"/>
             </a:pPr>
             <a:r>
-              <a:rPr lang="fr-FR" baseline="0" smtClean="0"/>
+              <a:rPr lang="fr-FR" baseline="0" dirty="0" smtClean="0"/>
               <a:t>Importer le fichier BDD_VUHF.csv</a:t>
             </a:r>
-            <a:endParaRPr lang="fr-FR" baseline="0" dirty="0" smtClean="0"/>
           </a:p>
           <a:p>
             <a:pPr marL="228600" indent="-228600">
@@ -7703,76 +7573,6 @@
           <a:bodyPr/>
           <a:lstStyle/>
           <a:p>
-            <a:pPr marL="171450" indent="-171450">
-              <a:buFontTx/>
-              <a:buChar char="-"/>
-            </a:pPr>
-            <a:endParaRPr lang="fr-FR" dirty="0" smtClean="0"/>
-          </a:p>
-          <a:p>
-            <a:pPr marL="0" indent="0">
-              <a:buFontTx/>
-              <a:buNone/>
-            </a:pPr>
-            <a:r>
-              <a:rPr lang="fr-FR" dirty="0" smtClean="0"/>
-              <a:t>4) Mettre à jour</a:t>
-            </a:r>
-            <a:r>
-              <a:rPr lang="fr-FR" baseline="0" dirty="0" smtClean="0"/>
-              <a:t> les attributs de taille</a:t>
-            </a:r>
-          </a:p>
-          <a:p>
-            <a:pPr marL="171450" indent="-171450">
-              <a:buFontTx/>
-              <a:buChar char="-"/>
-            </a:pPr>
-            <a:r>
-              <a:rPr lang="fr-FR" baseline="0" dirty="0" smtClean="0"/>
-              <a:t>Avec le numériseur, sélectionner les vecteurs</a:t>
-            </a:r>
-          </a:p>
-          <a:p>
-            <a:pPr marL="171450" indent="-171450">
-              <a:buFontTx/>
-              <a:buChar char="-"/>
-            </a:pPr>
-            <a:r>
-              <a:rPr lang="fr-FR" baseline="0" dirty="0" smtClean="0"/>
-              <a:t>Clic droit -&gt; </a:t>
-            </a:r>
-            <a:r>
-              <a:rPr lang="fr-FR" baseline="0" dirty="0" err="1" smtClean="0"/>
-              <a:t>Analysis</a:t>
-            </a:r>
-            <a:r>
-              <a:rPr lang="fr-FR" baseline="0" dirty="0" smtClean="0"/>
-              <a:t>/</a:t>
-            </a:r>
-            <a:r>
-              <a:rPr lang="fr-FR" baseline="0" dirty="0" err="1" smtClean="0"/>
-              <a:t>measurement</a:t>
-            </a:r>
-            <a:r>
-              <a:rPr lang="fr-FR" baseline="0" dirty="0" smtClean="0"/>
-              <a:t> -&gt; </a:t>
-            </a:r>
-            <a:r>
-              <a:rPr lang="fr-FR" baseline="0" dirty="0" err="1" smtClean="0"/>
-              <a:t>Add</a:t>
-            </a:r>
-            <a:r>
-              <a:rPr lang="fr-FR" baseline="0" dirty="0" smtClean="0"/>
-              <a:t>/update the mesure </a:t>
-            </a:r>
-            <a:r>
-              <a:rPr lang="fr-FR" baseline="0" dirty="0" err="1" smtClean="0"/>
-              <a:t>attributes</a:t>
-            </a:r>
-            <a:endParaRPr lang="fr-FR" dirty="0" smtClean="0"/>
-          </a:p>
-          <a:p>
             <a:endParaRPr lang="fr-FR" dirty="0"/>
           </a:p>
         </p:txBody>
@@ -7794,7 +7594,7 @@
           <a:p>
             <a:fld id="{7FED9F59-E5F7-4D0D-AFB1-35ABD0360038}" type="slidenum">
               <a:rPr lang="fr-FR" smtClean="0"/>
-              <a:t>33</a:t>
+              <a:t>34</a:t>
             </a:fld>
             <a:endParaRPr lang="fr-FR"/>
           </a:p>
@@ -7803,7 +7603,7 @@
     </p:spTree>
     <p:extLst>
       <p:ext uri="{BB962C8B-B14F-4D97-AF65-F5344CB8AC3E}">
-        <p14:creationId xmlns:p14="http://schemas.microsoft.com/office/powerpoint/2010/main" val="2194880912"/>
+        <p14:creationId xmlns:p14="http://schemas.microsoft.com/office/powerpoint/2010/main" val="1442518562"/>
       </p:ext>
     </p:extLst>
   </p:cSld>
@@ -7952,58 +7752,13 @@
             <a:endParaRPr lang="fr-FR" baseline="0" dirty="0" smtClean="0"/>
           </a:p>
           <a:p>
-            <a:pPr marL="0" lvl="0" indent="0">
-              <a:buFontTx/>
-              <a:buNone/>
-            </a:pPr>
-            <a:r>
-              <a:rPr lang="fr-FR" baseline="0" dirty="0" smtClean="0"/>
-              <a:t>3) Importer zone extraction</a:t>
-            </a:r>
-          </a:p>
-          <a:p>
-            <a:pPr marL="0" marR="0" lvl="0" indent="0" algn="l" defTabSz="914400" rtl="0" eaLnBrk="1" fontAlgn="auto" latinLnBrk="0" hangingPunct="1">
-              <a:lnSpc>
-                <a:spcPct val="100000"/>
-              </a:lnSpc>
-              <a:spcBef>
-                <a:spcPts val="0"/>
-              </a:spcBef>
-              <a:spcAft>
-                <a:spcPts val="0"/>
-              </a:spcAft>
-              <a:buClrTx/>
-              <a:buSzTx/>
-              <a:buFontTx/>
-              <a:buNone/>
-              <a:tabLst/>
-              <a:defRPr/>
-            </a:pPr>
-            <a:r>
-              <a:rPr lang="fr-FR" baseline="0" dirty="0" smtClean="0"/>
-              <a:t>- Faire glisser le fichier CARTO\vecteurs\zone extraction\zone </a:t>
-            </a:r>
-            <a:r>
-              <a:rPr lang="fr-FR" baseline="0" dirty="0" err="1" smtClean="0"/>
-              <a:t>extraction.shp</a:t>
-            </a:r>
-            <a:endParaRPr lang="fr-FR" baseline="0" dirty="0" smtClean="0"/>
-          </a:p>
-          <a:p>
             <a:pPr marL="0" indent="0">
               <a:buFontTx/>
               <a:buNone/>
             </a:pPr>
-            <a:endParaRPr lang="fr-FR" baseline="0" dirty="0" smtClean="0"/>
-          </a:p>
-          <a:p>
-            <a:pPr marL="0" indent="0">
-              <a:buFontTx/>
-              <a:buNone/>
-            </a:pPr>
-            <a:r>
-              <a:rPr lang="fr-FR" baseline="0" dirty="0" smtClean="0"/>
-              <a:t>4) Enregistrer l’espace de travail</a:t>
+            <a:r>
+              <a:rPr lang="fr-FR" baseline="0" dirty="0" smtClean="0"/>
+              <a:t>3) Enregistrer l’espace de travail</a:t>
             </a:r>
           </a:p>
           <a:p>
@@ -8055,6 +7810,160 @@
     <p:extLst>
       <p:ext uri="{BB962C8B-B14F-4D97-AF65-F5344CB8AC3E}">
         <p14:creationId xmlns:p14="http://schemas.microsoft.com/office/powerpoint/2010/main" val="1461504578"/>
+      </p:ext>
+    </p:extLst>
+  </p:cSld>
+  <p:clrMapOvr>
+    <a:masterClrMapping/>
+  </p:clrMapOvr>
+</p:notes>
+</file>
+
+<file path=ppt/notesSlides/notesSlide30.xml><?xml version="1.0" encoding="utf-8"?>
+<p:notes xmlns:a="http://schemas.openxmlformats.org/drawingml/2006/main" xmlns:r="http://schemas.openxmlformats.org/officeDocument/2006/relationships" xmlns:p="http://schemas.openxmlformats.org/presentationml/2006/main">
+  <p:cSld>
+    <p:spTree>
+      <p:nvGrpSpPr>
+        <p:cNvPr id="1" name=""/>
+        <p:cNvGrpSpPr/>
+        <p:nvPr/>
+      </p:nvGrpSpPr>
+      <p:grpSpPr>
+        <a:xfrm>
+          <a:off x="0" y="0"/>
+          <a:ext cx="0" cy="0"/>
+          <a:chOff x="0" y="0"/>
+          <a:chExt cx="0" cy="0"/>
+        </a:xfrm>
+      </p:grpSpPr>
+      <p:sp>
+        <p:nvSpPr>
+          <p:cNvPr id="2" name="Espace réservé de l'image des diapositives 1"/>
+          <p:cNvSpPr>
+            <a:spLocks noGrp="1" noRot="1" noChangeAspect="1"/>
+          </p:cNvSpPr>
+          <p:nvPr>
+            <p:ph type="sldImg"/>
+          </p:nvPr>
+        </p:nvSpPr>
+        <p:spPr/>
+      </p:sp>
+      <p:sp>
+        <p:nvSpPr>
+          <p:cNvPr id="3" name="Espace réservé des commentaires 2"/>
+          <p:cNvSpPr>
+            <a:spLocks noGrp="1"/>
+          </p:cNvSpPr>
+          <p:nvPr>
+            <p:ph type="body" idx="1"/>
+          </p:nvPr>
+        </p:nvSpPr>
+        <p:spPr/>
+        <p:txBody>
+          <a:bodyPr/>
+          <a:lstStyle/>
+          <a:p>
+            <a:pPr marL="171450" indent="-171450">
+              <a:buFontTx/>
+              <a:buChar char="-"/>
+            </a:pPr>
+            <a:endParaRPr lang="fr-FR" dirty="0" smtClean="0"/>
+          </a:p>
+          <a:p>
+            <a:pPr marL="0" indent="0">
+              <a:buFontTx/>
+              <a:buNone/>
+            </a:pPr>
+            <a:r>
+              <a:rPr lang="fr-FR" dirty="0" smtClean="0"/>
+              <a:t>4) Mettre à jour</a:t>
+            </a:r>
+            <a:r>
+              <a:rPr lang="fr-FR" baseline="0" dirty="0" smtClean="0"/>
+              <a:t> les attributs de taille</a:t>
+            </a:r>
+          </a:p>
+          <a:p>
+            <a:pPr marL="171450" indent="-171450">
+              <a:buFontTx/>
+              <a:buChar char="-"/>
+            </a:pPr>
+            <a:r>
+              <a:rPr lang="fr-FR" baseline="0" dirty="0" smtClean="0"/>
+              <a:t>Avec le numériseur, sélectionner les vecteurs</a:t>
+            </a:r>
+          </a:p>
+          <a:p>
+            <a:pPr marL="171450" indent="-171450">
+              <a:buFontTx/>
+              <a:buChar char="-"/>
+            </a:pPr>
+            <a:r>
+              <a:rPr lang="fr-FR" baseline="0" dirty="0" smtClean="0"/>
+              <a:t>Clic droit -&gt; </a:t>
+            </a:r>
+            <a:r>
+              <a:rPr lang="fr-FR" baseline="0" dirty="0" err="1" smtClean="0"/>
+              <a:t>Analysis</a:t>
+            </a:r>
+            <a:r>
+              <a:rPr lang="fr-FR" baseline="0" dirty="0" smtClean="0"/>
+              <a:t>/</a:t>
+            </a:r>
+            <a:r>
+              <a:rPr lang="fr-FR" baseline="0" dirty="0" err="1" smtClean="0"/>
+              <a:t>measurement</a:t>
+            </a:r>
+            <a:r>
+              <a:rPr lang="fr-FR" baseline="0" dirty="0" smtClean="0"/>
+              <a:t> -&gt; </a:t>
+            </a:r>
+            <a:r>
+              <a:rPr lang="fr-FR" baseline="0" dirty="0" err="1" smtClean="0"/>
+              <a:t>Add</a:t>
+            </a:r>
+            <a:r>
+              <a:rPr lang="fr-FR" baseline="0" dirty="0" smtClean="0"/>
+              <a:t>/update the mesure </a:t>
+            </a:r>
+            <a:r>
+              <a:rPr lang="fr-FR" baseline="0" dirty="0" err="1" smtClean="0"/>
+              <a:t>attributes</a:t>
+            </a:r>
+            <a:endParaRPr lang="fr-FR" dirty="0" smtClean="0"/>
+          </a:p>
+          <a:p>
+            <a:endParaRPr lang="fr-FR" dirty="0"/>
+          </a:p>
+        </p:txBody>
+      </p:sp>
+      <p:sp>
+        <p:nvSpPr>
+          <p:cNvPr id="4" name="Espace réservé du numéro de diapositive 3"/>
+          <p:cNvSpPr>
+            <a:spLocks noGrp="1"/>
+          </p:cNvSpPr>
+          <p:nvPr>
+            <p:ph type="sldNum" sz="quarter" idx="10"/>
+          </p:nvPr>
+        </p:nvSpPr>
+        <p:spPr/>
+        <p:txBody>
+          <a:bodyPr/>
+          <a:lstStyle/>
+          <a:p>
+            <a:fld id="{7FED9F59-E5F7-4D0D-AFB1-35ABD0360038}" type="slidenum">
+              <a:rPr lang="fr-FR" smtClean="0"/>
+              <a:t>35</a:t>
+            </a:fld>
+            <a:endParaRPr lang="fr-FR"/>
+          </a:p>
+        </p:txBody>
+      </p:sp>
+    </p:spTree>
+    <p:extLst>
+      <p:ext uri="{BB962C8B-B14F-4D97-AF65-F5344CB8AC3E}">
+        <p14:creationId xmlns:p14="http://schemas.microsoft.com/office/powerpoint/2010/main" val="2194880912"/>
       </p:ext>
     </p:extLst>
   </p:cSld>
@@ -10168,7 +10077,7 @@
           <a:p>
             <a:fld id="{A74F3EA5-292C-4331-BAB5-A6575F471254}" type="datetimeFigureOut">
               <a:rPr lang="fr-FR" smtClean="0"/>
-              <a:t>06/01/2023</a:t>
+              <a:t>06/06/2023</a:t>
             </a:fld>
             <a:endParaRPr lang="fr-FR"/>
           </a:p>
@@ -10354,7 +10263,7 @@
           <a:p>
             <a:fld id="{A74F3EA5-292C-4331-BAB5-A6575F471254}" type="datetimeFigureOut">
               <a:rPr lang="fr-FR" smtClean="0"/>
-              <a:t>06/01/2023</a:t>
+              <a:t>06/06/2023</a:t>
             </a:fld>
             <a:endParaRPr lang="fr-FR"/>
           </a:p>
@@ -10540,7 +10449,7 @@
           <a:p>
             <a:fld id="{A74F3EA5-292C-4331-BAB5-A6575F471254}" type="datetimeFigureOut">
               <a:rPr lang="fr-FR" smtClean="0"/>
-              <a:t>06/01/2023</a:t>
+              <a:t>06/06/2023</a:t>
             </a:fld>
             <a:endParaRPr lang="fr-FR"/>
           </a:p>
@@ -10732,7 +10641,7 @@
           <a:p>
             <a:fld id="{A74F3EA5-292C-4331-BAB5-A6575F471254}" type="datetimeFigureOut">
               <a:rPr lang="fr-FR" smtClean="0"/>
-              <a:t>06/01/2023</a:t>
+              <a:t>06/06/2023</a:t>
             </a:fld>
             <a:endParaRPr lang="fr-FR"/>
           </a:p>
@@ -10902,7 +10811,7 @@
           <a:p>
             <a:fld id="{A74F3EA5-292C-4331-BAB5-A6575F471254}" type="datetimeFigureOut">
               <a:rPr lang="fr-FR" smtClean="0"/>
-              <a:t>06/01/2023</a:t>
+              <a:t>06/06/2023</a:t>
             </a:fld>
             <a:endParaRPr lang="fr-FR"/>
           </a:p>
@@ -11148,7 +11057,7 @@
           <a:p>
             <a:fld id="{A74F3EA5-292C-4331-BAB5-A6575F471254}" type="datetimeFigureOut">
               <a:rPr lang="fr-FR" smtClean="0"/>
-              <a:t>06/01/2023</a:t>
+              <a:t>06/06/2023</a:t>
             </a:fld>
             <a:endParaRPr lang="fr-FR"/>
           </a:p>
@@ -11380,7 +11289,7 @@
           <a:p>
             <a:fld id="{A74F3EA5-292C-4331-BAB5-A6575F471254}" type="datetimeFigureOut">
               <a:rPr lang="fr-FR" smtClean="0"/>
-              <a:t>06/01/2023</a:t>
+              <a:t>06/06/2023</a:t>
             </a:fld>
             <a:endParaRPr lang="fr-FR"/>
           </a:p>
@@ -11747,7 +11656,7 @@
           <a:p>
             <a:fld id="{A74F3EA5-292C-4331-BAB5-A6575F471254}" type="datetimeFigureOut">
               <a:rPr lang="fr-FR" smtClean="0"/>
-              <a:t>06/01/2023</a:t>
+              <a:t>06/06/2023</a:t>
             </a:fld>
             <a:endParaRPr lang="fr-FR"/>
           </a:p>
@@ -11865,7 +11774,7 @@
           <a:p>
             <a:fld id="{A74F3EA5-292C-4331-BAB5-A6575F471254}" type="datetimeFigureOut">
               <a:rPr lang="fr-FR" smtClean="0"/>
-              <a:t>06/01/2023</a:t>
+              <a:t>06/06/2023</a:t>
             </a:fld>
             <a:endParaRPr lang="fr-FR"/>
           </a:p>
@@ -11960,7 +11869,7 @@
           <a:p>
             <a:fld id="{A74F3EA5-292C-4331-BAB5-A6575F471254}" type="datetimeFigureOut">
               <a:rPr lang="fr-FR" smtClean="0"/>
-              <a:t>06/01/2023</a:t>
+              <a:t>06/06/2023</a:t>
             </a:fld>
             <a:endParaRPr lang="fr-FR"/>
           </a:p>
@@ -12237,7 +12146,7 @@
           <a:p>
             <a:fld id="{A74F3EA5-292C-4331-BAB5-A6575F471254}" type="datetimeFigureOut">
               <a:rPr lang="fr-FR" smtClean="0"/>
-              <a:t>06/01/2023</a:t>
+              <a:t>06/06/2023</a:t>
             </a:fld>
             <a:endParaRPr lang="fr-FR"/>
           </a:p>
@@ -12423,7 +12332,7 @@
           <a:p>
             <a:fld id="{A74F3EA5-292C-4331-BAB5-A6575F471254}" type="datetimeFigureOut">
               <a:rPr lang="fr-FR" smtClean="0"/>
-              <a:t>06/01/2023</a:t>
+              <a:t>06/06/2023</a:t>
             </a:fld>
             <a:endParaRPr lang="fr-FR"/>
           </a:p>
@@ -12680,7 +12589,7 @@
           <a:p>
             <a:fld id="{A74F3EA5-292C-4331-BAB5-A6575F471254}" type="datetimeFigureOut">
               <a:rPr lang="fr-FR" smtClean="0"/>
-              <a:t>06/01/2023</a:t>
+              <a:t>06/06/2023</a:t>
             </a:fld>
             <a:endParaRPr lang="fr-FR"/>
           </a:p>
@@ -12850,7 +12759,7 @@
           <a:p>
             <a:fld id="{A74F3EA5-292C-4331-BAB5-A6575F471254}" type="datetimeFigureOut">
               <a:rPr lang="fr-FR" smtClean="0"/>
-              <a:t>06/01/2023</a:t>
+              <a:t>06/06/2023</a:t>
             </a:fld>
             <a:endParaRPr lang="fr-FR"/>
           </a:p>
@@ -13030,7 +12939,7 @@
           <a:p>
             <a:fld id="{A74F3EA5-292C-4331-BAB5-A6575F471254}" type="datetimeFigureOut">
               <a:rPr lang="fr-FR" smtClean="0"/>
-              <a:t>06/01/2023</a:t>
+              <a:t>06/06/2023</a:t>
             </a:fld>
             <a:endParaRPr lang="fr-FR"/>
           </a:p>
@@ -13282,7 +13191,7 @@
           <a:p>
             <a:fld id="{A74F3EA5-292C-4331-BAB5-A6575F471254}" type="datetimeFigureOut">
               <a:rPr lang="fr-FR" smtClean="0"/>
-              <a:t>06/01/2023</a:t>
+              <a:t>06/06/2023</a:t>
             </a:fld>
             <a:endParaRPr lang="fr-FR"/>
           </a:p>
@@ -13528,7 +13437,7 @@
           <a:p>
             <a:fld id="{A74F3EA5-292C-4331-BAB5-A6575F471254}" type="datetimeFigureOut">
               <a:rPr lang="fr-FR" smtClean="0"/>
-              <a:t>06/01/2023</a:t>
+              <a:t>06/06/2023</a:t>
             </a:fld>
             <a:endParaRPr lang="fr-FR"/>
           </a:p>
@@ -13910,7 +13819,7 @@
           <a:p>
             <a:fld id="{A74F3EA5-292C-4331-BAB5-A6575F471254}" type="datetimeFigureOut">
               <a:rPr lang="fr-FR" smtClean="0"/>
-              <a:t>06/01/2023</a:t>
+              <a:t>06/06/2023</a:t>
             </a:fld>
             <a:endParaRPr lang="fr-FR"/>
           </a:p>
@@ -14036,7 +13945,7 @@
           <a:p>
             <a:fld id="{A74F3EA5-292C-4331-BAB5-A6575F471254}" type="datetimeFigureOut">
               <a:rPr lang="fr-FR" smtClean="0"/>
-              <a:t>06/01/2023</a:t>
+              <a:t>06/06/2023</a:t>
             </a:fld>
             <a:endParaRPr lang="fr-FR"/>
           </a:p>
@@ -14131,7 +14040,7 @@
           <a:p>
             <a:fld id="{A74F3EA5-292C-4331-BAB5-A6575F471254}" type="datetimeFigureOut">
               <a:rPr lang="fr-FR" smtClean="0"/>
-              <a:t>06/01/2023</a:t>
+              <a:t>06/06/2023</a:t>
             </a:fld>
             <a:endParaRPr lang="fr-FR"/>
           </a:p>
@@ -14417,7 +14326,7 @@
           <a:p>
             <a:fld id="{A74F3EA5-292C-4331-BAB5-A6575F471254}" type="datetimeFigureOut">
               <a:rPr lang="fr-FR" smtClean="0"/>
-              <a:t>06/01/2023</a:t>
+              <a:t>06/06/2023</a:t>
             </a:fld>
             <a:endParaRPr lang="fr-FR"/>
           </a:p>
@@ -14679,7 +14588,7 @@
           <a:p>
             <a:fld id="{A74F3EA5-292C-4331-BAB5-A6575F471254}" type="datetimeFigureOut">
               <a:rPr lang="fr-FR" smtClean="0"/>
-              <a:t>06/01/2023</a:t>
+              <a:t>06/06/2023</a:t>
             </a:fld>
             <a:endParaRPr lang="fr-FR"/>
           </a:p>
@@ -14797,7 +14706,7 @@
           <a:p>
             <a:fld id="{A74F3EA5-292C-4331-BAB5-A6575F471254}" type="datetimeFigureOut">
               <a:rPr lang="fr-FR" smtClean="0"/>
-              <a:t>06/01/2023</a:t>
+              <a:t>06/06/2023</a:t>
             </a:fld>
             <a:endParaRPr lang="fr-FR"/>
           </a:p>
@@ -15637,7 +15546,7 @@
           <a:p>
             <a:fld id="{A74F3EA5-292C-4331-BAB5-A6575F471254}" type="datetimeFigureOut">
               <a:rPr lang="fr-FR" smtClean="0"/>
-              <a:t>06/01/2023</a:t>
+              <a:t>06/06/2023</a:t>
             </a:fld>
             <a:endParaRPr lang="fr-FR"/>
           </a:p>
@@ -16358,8 +16267,8 @@
           <a:lstStyle/>
           <a:p>
             <a:r>
-              <a:rPr lang="fr-FR" dirty="0" smtClean="0"/>
-              <a:t>Global Mapper</a:t>
+              <a:rPr lang="fr-FR" dirty="0" err="1" smtClean="0"/>
+              <a:t>Globalmapper</a:t>
             </a:r>
             <a:endParaRPr lang="fr-FR" dirty="0"/>
           </a:p>
@@ -16398,6 +16307,13 @@
   <p:clrMapOvr>
     <a:masterClrMapping/>
   </p:clrMapOvr>
+  <p:timing>
+    <p:tnLst>
+      <p:par>
+        <p:cTn id="1" dur="indefinite" restart="never" nodeType="tmRoot"/>
+      </p:par>
+    </p:tnLst>
+  </p:timing>
 </p:sld>
 </file>
 
@@ -16471,6 +16387,19 @@
             <a:endParaRPr lang="fr-FR" dirty="0"/>
           </a:p>
           <a:p>
+            <a:endParaRPr lang="fr-FR" dirty="0" smtClean="0"/>
+          </a:p>
+          <a:p>
+            <a:r>
+              <a:rPr lang="fr-FR" dirty="0"/>
+              <a:t>Afficher à l’échelle </a:t>
+            </a:r>
+            <a:r>
+              <a:rPr lang="fr-FR" dirty="0" smtClean="0"/>
+              <a:t>1:30000</a:t>
+            </a:r>
+          </a:p>
+          <a:p>
             <a:endParaRPr lang="fr-FR" dirty="0"/>
           </a:p>
           <a:p>
@@ -16488,19 +16417,10 @@
             <a:endParaRPr lang="fr-FR" dirty="0"/>
           </a:p>
           <a:p>
-            <a:r>
-              <a:rPr lang="fr-FR" dirty="0"/>
-              <a:t>Récupérer la coordonnée </a:t>
-            </a:r>
-            <a:r>
-              <a:rPr lang="fr-FR" dirty="0" smtClean="0"/>
-              <a:t>de la localité d’</a:t>
-            </a:r>
-            <a:r>
-              <a:rPr lang="fr-FR" b="1" dirty="0" err="1" smtClean="0"/>
-              <a:t>Altwiller</a:t>
-            </a:r>
-            <a:endParaRPr lang="fr-FR" b="1" dirty="0"/>
+            <a:endParaRPr lang="fr-FR" dirty="0" smtClean="0"/>
+          </a:p>
+          <a:p>
+            <a:endParaRPr lang="fr-FR" dirty="0"/>
           </a:p>
           <a:p>
             <a:endParaRPr lang="fr-FR" dirty="0" smtClean="0"/>
@@ -16702,7 +16622,7 @@
         <p:spPr/>
         <p:txBody>
           <a:bodyPr>
-            <a:normAutofit lnSpcReduction="10000"/>
+            <a:normAutofit fontScale="92500"/>
           </a:bodyPr>
           <a:lstStyle/>
           <a:p>
@@ -16733,7 +16653,7 @@
           <a:p>
             <a:r>
               <a:rPr lang="fr-FR" dirty="0" smtClean="0"/>
-              <a:t>Placer deux PLAE 1100m au sud sur les points côtés 244 et 261</a:t>
+              <a:t>Placer deux PLAE environ 1000m au sud sur les points côtés 261 et 262</a:t>
             </a:r>
           </a:p>
           <a:p>
@@ -16745,15 +16665,7 @@
           <a:p>
             <a:r>
               <a:rPr lang="fr-FR" dirty="0" smtClean="0"/>
-              <a:t>Tracer une LIMA sur la route entre la maison </a:t>
-            </a:r>
-            <a:r>
-              <a:rPr lang="fr-FR" dirty="0" err="1" smtClean="0"/>
-              <a:t>forrestière</a:t>
-            </a:r>
-            <a:r>
-              <a:rPr lang="fr-FR" dirty="0" smtClean="0"/>
-              <a:t> de </a:t>
+              <a:t>Tracer une LIMA sur la route entre la maison forestière de </a:t>
             </a:r>
             <a:r>
               <a:rPr lang="fr-FR" dirty="0" err="1" smtClean="0"/>
@@ -16774,15 +16686,7 @@
           <a:p>
             <a:r>
               <a:rPr lang="fr-FR" dirty="0" smtClean="0"/>
-              <a:t>Dans la même zone, </a:t>
-            </a:r>
-            <a:r>
-              <a:rPr lang="fr-FR" dirty="0"/>
-              <a:t>d</a:t>
-            </a:r>
-            <a:r>
-              <a:rPr lang="fr-FR" dirty="0" smtClean="0"/>
-              <a:t>essiner un rectangle autour de </a:t>
+              <a:t>Dessiner un rectangle pour délimiter le château de </a:t>
             </a:r>
             <a:r>
               <a:rPr lang="fr-FR" b="1" dirty="0" err="1" smtClean="0"/>
@@ -16862,11 +16766,11 @@
           <a:p>
             <a:r>
               <a:rPr lang="fr-FR" dirty="0" smtClean="0"/>
-              <a:t>Dessiner un cercle sur </a:t>
+              <a:t>Dessiner un cercle (périmètre = 3km) sur </a:t>
             </a:r>
             <a:r>
               <a:rPr lang="fr-FR" b="1" dirty="0" err="1" smtClean="0"/>
-              <a:t>Neuweyerhof</a:t>
+              <a:t>Neuweihershof</a:t>
             </a:r>
             <a:endParaRPr lang="fr-FR" b="1" dirty="0" smtClean="0"/>
           </a:p>
@@ -16890,14 +16794,14 @@
           <a:p>
             <a:r>
               <a:rPr lang="fr-FR" dirty="0" smtClean="0"/>
-              <a:t>Copier/coller une PLAE dans la même couche</a:t>
+              <a:t>Copier/coller une PLAE dans la couche des autres PLAE</a:t>
             </a:r>
           </a:p>
           <a:p>
             <a:pPr lvl="1"/>
             <a:r>
               <a:rPr lang="fr-FR" dirty="0" smtClean="0"/>
-              <a:t>Placer la nouvelle PLAE sur le point côté 252</a:t>
+              <a:t>Placer la nouvelle PLAE sur le point côté 244</a:t>
             </a:r>
             <a:endParaRPr lang="fr-FR" dirty="0"/>
           </a:p>
@@ -17016,7 +16920,7 @@
           <a:p>
             <a:r>
               <a:rPr lang="fr-FR" dirty="0" smtClean="0"/>
-              <a:t>Renommer le PLAE 81 en PAT 11</a:t>
+              <a:t>Renommer une PLAE en PAT 11</a:t>
             </a:r>
           </a:p>
           <a:p>
@@ -17136,7 +17040,7 @@
         <p:spPr/>
         <p:txBody>
           <a:bodyPr>
-            <a:normAutofit fontScale="92500" lnSpcReduction="10000"/>
+            <a:normAutofit lnSpcReduction="10000"/>
           </a:bodyPr>
           <a:lstStyle/>
           <a:p>
@@ -17145,10 +17049,10 @@
               <a:t>Supprimer l’ellipse sur </a:t>
             </a:r>
             <a:r>
-              <a:rPr lang="fr-FR" dirty="0" err="1"/>
+              <a:rPr lang="fr-FR" b="1" dirty="0" err="1"/>
               <a:t>Welschaker</a:t>
             </a:r>
-            <a:endParaRPr lang="fr-FR" dirty="0"/>
+            <a:endParaRPr lang="fr-FR" b="1" dirty="0"/>
           </a:p>
           <a:p>
             <a:endParaRPr lang="fr-FR" dirty="0" smtClean="0"/>
@@ -17156,9 +17060,8 @@
           <a:p>
             <a:r>
               <a:rPr lang="fr-FR" dirty="0" smtClean="0"/>
-              <a:t>Déplacer la PAT 11 sur le point côté 243</a:t>
-            </a:r>
-            <a:endParaRPr lang="fr-FR" dirty="0"/>
+              <a:t>Déplacer la PLAE du PC 244 au PC 222</a:t>
+            </a:r>
           </a:p>
           <a:p>
             <a:endParaRPr lang="fr-FR" dirty="0" smtClean="0"/>
@@ -17181,7 +17084,7 @@
             <a:pPr lvl="1"/>
             <a:r>
               <a:rPr lang="fr-FR" dirty="0" smtClean="0"/>
-              <a:t>Ajouter un sommet sur le point côté 243</a:t>
+              <a:t>Ajouter un sommet sur le point côté 248</a:t>
             </a:r>
           </a:p>
           <a:p>
@@ -17196,7 +17099,7 @@
             <a:pPr lvl="1"/>
             <a:r>
               <a:rPr lang="fr-FR" dirty="0" smtClean="0"/>
-              <a:t>Déplacer le coin supérieur gauche sur le point côté 234</a:t>
+              <a:t>Déplacer le coin inférieur droit sur le point côté 223</a:t>
             </a:r>
             <a:endParaRPr lang="fr-FR" dirty="0"/>
           </a:p>
@@ -17216,10 +17119,10 @@
               <a:t>sur </a:t>
             </a:r>
             <a:r>
-              <a:rPr lang="fr-FR" dirty="0" err="1" smtClean="0"/>
+              <a:rPr lang="fr-FR" b="1" dirty="0" err="1" smtClean="0"/>
               <a:t>Welschaker</a:t>
             </a:r>
-            <a:endParaRPr lang="fr-FR" dirty="0"/>
+            <a:endParaRPr lang="fr-FR" b="1" dirty="0"/>
           </a:p>
         </p:txBody>
       </p:sp>
@@ -17289,7 +17192,7 @@
         <p:spPr/>
         <p:txBody>
           <a:bodyPr>
-            <a:normAutofit fontScale="85000" lnSpcReduction="20000"/>
+            <a:normAutofit fontScale="77500" lnSpcReduction="20000"/>
           </a:bodyPr>
           <a:lstStyle/>
           <a:p>
@@ -17304,6 +17207,16 @@
             <a:endParaRPr lang="fr-FR" dirty="0" smtClean="0"/>
           </a:p>
           <a:p>
+            <a:r>
+              <a:rPr lang="fr-FR" dirty="0" smtClean="0"/>
+              <a:t>Importer </a:t>
+            </a:r>
+            <a:r>
+              <a:rPr lang="fr-FR" b="1" dirty="0" smtClean="0"/>
+              <a:t>exo5.gmp</a:t>
+            </a:r>
+          </a:p>
+          <a:p>
             <a:endParaRPr lang="fr-FR" dirty="0"/>
           </a:p>
           <a:p>
@@ -17343,7 +17256,7 @@
           <a:p>
             <a:r>
               <a:rPr lang="fr-FR" dirty="0" smtClean="0"/>
-              <a:t>Profil de tracé sur l’itinéraire</a:t>
+              <a:t>Profil de tracé sur la ligne LIMA</a:t>
             </a:r>
           </a:p>
           <a:p>
@@ -17637,41 +17550,57 @@
           <a:lstStyle/>
           <a:p>
             <a:r>
+              <a:rPr lang="fr-FR" dirty="0" smtClean="0"/>
+              <a:t>Exercice 10</a:t>
+            </a:r>
+            <a:endParaRPr lang="fr-FR" dirty="0"/>
+          </a:p>
+        </p:txBody>
+      </p:sp>
+      <p:sp>
+        <p:nvSpPr>
+          <p:cNvPr id="3" name="Espace réservé du contenu 2"/>
+          <p:cNvSpPr>
+            <a:spLocks noGrp="1"/>
+          </p:cNvSpPr>
+          <p:nvPr>
+            <p:ph idx="1"/>
+          </p:nvPr>
+        </p:nvSpPr>
+        <p:spPr/>
+        <p:txBody>
+          <a:bodyPr>
+            <a:normAutofit/>
+          </a:bodyPr>
+          <a:lstStyle/>
+          <a:p>
+            <a:r>
+              <a:rPr lang="fr-FR" dirty="0" smtClean="0"/>
+              <a:t>Importer les vecteurs </a:t>
+            </a:r>
+            <a:r>
+              <a:rPr lang="fr-FR" b="1" dirty="0"/>
+              <a:t>relevés </a:t>
+            </a:r>
+            <a:r>
+              <a:rPr lang="fr-FR" b="1" dirty="0" err="1"/>
+              <a:t>gonio.kml</a:t>
+            </a:r>
+            <a:r>
               <a:rPr lang="fr-FR" dirty="0"/>
-              <a:t>Exercice 10</a:t>
-            </a:r>
-          </a:p>
-        </p:txBody>
-      </p:sp>
-      <p:sp>
-        <p:nvSpPr>
-          <p:cNvPr id="3" name="Espace réservé du contenu 2"/>
-          <p:cNvSpPr>
-            <a:spLocks noGrp="1"/>
-          </p:cNvSpPr>
-          <p:nvPr>
-            <p:ph idx="1"/>
-          </p:nvPr>
-        </p:nvSpPr>
-        <p:spPr/>
-        <p:txBody>
-          <a:bodyPr>
-            <a:normAutofit lnSpcReduction="10000"/>
-          </a:bodyPr>
-          <a:lstStyle/>
-          <a:p>
-            <a:r>
-              <a:rPr lang="fr-FR" dirty="0" smtClean="0"/>
-              <a:t>Importer le fichier </a:t>
-            </a:r>
-            <a:r>
-              <a:rPr lang="fr-FR" b="1" dirty="0" err="1" smtClean="0"/>
-              <a:t>etude.gmp</a:t>
-            </a:r>
-            <a:endParaRPr lang="fr-FR" b="1" dirty="0" smtClean="0"/>
-          </a:p>
-          <a:p>
-            <a:endParaRPr lang="fr-FR" dirty="0"/>
+              <a:t> </a:t>
+            </a:r>
+            <a:r>
+              <a:rPr lang="fr-FR" dirty="0" smtClean="0"/>
+              <a:t> et </a:t>
+            </a:r>
+            <a:r>
+              <a:rPr lang="fr-FR" b="1" dirty="0" smtClean="0"/>
+              <a:t>geonames_67.shp</a:t>
+            </a:r>
+          </a:p>
+          <a:p>
+            <a:endParaRPr lang="fr-FR" dirty="0" smtClean="0"/>
           </a:p>
           <a:p>
             <a:r>
@@ -17680,89 +17609,100 @@
             </a:r>
             <a:r>
               <a:rPr lang="fr-FR" b="1" dirty="0" smtClean="0"/>
-              <a:t>point unique</a:t>
-            </a:r>
-            <a:endParaRPr lang="fr-FR" b="1" dirty="0"/>
-          </a:p>
-          <a:p>
-            <a:pPr lvl="1"/>
-            <a:r>
-              <a:rPr lang="fr-FR" dirty="0" smtClean="0"/>
-              <a:t>Utiliser l’outil </a:t>
-            </a:r>
-            <a:r>
-              <a:rPr lang="fr-FR" dirty="0" err="1" smtClean="0"/>
-              <a:t>feature</a:t>
-            </a:r>
-            <a:r>
-              <a:rPr lang="fr-FR" dirty="0" smtClean="0"/>
-              <a:t> info </a:t>
-            </a:r>
-            <a:r>
-              <a:rPr lang="fr-FR" dirty="0" err="1" smtClean="0"/>
-              <a:t>tool</a:t>
-            </a:r>
-            <a:r>
-              <a:rPr lang="fr-FR" dirty="0" smtClean="0"/>
-              <a:t> et noter :</a:t>
-            </a:r>
-          </a:p>
-          <a:p>
-            <a:pPr lvl="2"/>
-            <a:r>
-              <a:rPr lang="fr-FR" dirty="0" smtClean="0"/>
-              <a:t>Les attributs</a:t>
-            </a:r>
-          </a:p>
-          <a:p>
-            <a:pPr lvl="2"/>
-            <a:r>
-              <a:rPr lang="fr-FR" dirty="0"/>
-              <a:t>L</a:t>
-            </a:r>
-            <a:r>
-              <a:rPr lang="fr-FR" dirty="0" smtClean="0"/>
-              <a:t>es coordonnées</a:t>
-            </a:r>
-          </a:p>
-          <a:p>
-            <a:endParaRPr lang="fr-FR" dirty="0"/>
-          </a:p>
-          <a:p>
-            <a:r>
-              <a:rPr lang="fr-FR" dirty="0" smtClean="0"/>
-              <a:t>Sur la couche </a:t>
+              <a:t>relevés </a:t>
             </a:r>
             <a:r>
               <a:rPr lang="fr-FR" b="1" dirty="0" err="1" smtClean="0"/>
               <a:t>gonio</a:t>
             </a:r>
             <a:r>
+              <a:rPr lang="fr-FR" dirty="0" smtClean="0"/>
+              <a:t>, </a:t>
+            </a:r>
+            <a:r>
+              <a:rPr lang="fr-FR" dirty="0"/>
+              <a:t>afficher en nom </a:t>
+            </a:r>
+            <a:r>
+              <a:rPr lang="fr-FR" dirty="0" smtClean="0"/>
+              <a:t>: FRQ - API</a:t>
+            </a:r>
+            <a:endParaRPr lang="fr-FR" dirty="0"/>
+          </a:p>
+          <a:p>
+            <a:endParaRPr lang="fr-FR" dirty="0" smtClean="0"/>
+          </a:p>
+          <a:p>
+            <a:r>
+              <a:rPr lang="fr-FR" dirty="0" smtClean="0"/>
+              <a:t>Ouvrir </a:t>
+            </a:r>
+            <a:r>
+              <a:rPr lang="fr-FR" dirty="0"/>
+              <a:t>le tableau des attributs sur la couche </a:t>
+            </a:r>
+            <a:r>
+              <a:rPr lang="fr-FR" b="1" dirty="0"/>
+              <a:t>relevés </a:t>
+            </a:r>
+            <a:r>
+              <a:rPr lang="fr-FR" b="1" dirty="0" err="1"/>
+              <a:t>gonio.kml</a:t>
+            </a:r>
+            <a:endParaRPr lang="fr-FR" b="1" dirty="0"/>
+          </a:p>
+          <a:p>
+            <a:pPr lvl="1"/>
+            <a:r>
+              <a:rPr lang="fr-FR" dirty="0"/>
+              <a:t>Sauvegarder en CSV</a:t>
+            </a:r>
+          </a:p>
+          <a:p>
+            <a:pPr marL="0" indent="0">
+              <a:buNone/>
+            </a:pPr>
+            <a:endParaRPr lang="fr-FR" dirty="0"/>
+          </a:p>
+          <a:p>
+            <a:r>
+              <a:rPr lang="fr-FR" dirty="0" smtClean="0"/>
+              <a:t>Diviser la couche </a:t>
+            </a:r>
+            <a:r>
               <a:rPr lang="fr-FR" b="1" dirty="0" smtClean="0"/>
-              <a:t> VUHF</a:t>
-            </a:r>
-          </a:p>
-          <a:p>
-            <a:pPr lvl="1"/>
-            <a:r>
-              <a:rPr lang="fr-FR" dirty="0" smtClean="0"/>
-              <a:t>Afficher le tableau attributaire</a:t>
-            </a:r>
-          </a:p>
-          <a:p>
-            <a:pPr lvl="1"/>
-            <a:r>
-              <a:rPr lang="fr-FR" dirty="0" smtClean="0"/>
-              <a:t>Sauvegarder le tableau en CSV</a:t>
-            </a:r>
+              <a:t>relevés </a:t>
+            </a:r>
+            <a:r>
+              <a:rPr lang="fr-FR" b="1" dirty="0" err="1" smtClean="0"/>
+              <a:t>gonio.kml</a:t>
+            </a:r>
+            <a:r>
+              <a:rPr lang="fr-FR" dirty="0" smtClean="0"/>
+              <a:t> selon l’attribut FRQ</a:t>
+            </a:r>
+          </a:p>
+          <a:p>
+            <a:endParaRPr lang="fr-FR" dirty="0" smtClean="0"/>
+          </a:p>
+          <a:p>
             <a:endParaRPr lang="fr-FR" dirty="0"/>
+          </a:p>
+          <a:p>
+            <a:pPr marL="0" indent="0">
+              <a:buNone/>
+            </a:pPr>
+            <a:endParaRPr lang="fr-FR" dirty="0"/>
+          </a:p>
+          <a:p>
+            <a:endParaRPr lang="fr-FR" dirty="0" smtClean="0"/>
           </a:p>
         </p:txBody>
       </p:sp>
     </p:spTree>
     <p:extLst>
       <p:ext uri="{BB962C8B-B14F-4D97-AF65-F5344CB8AC3E}">
-        <p14:creationId xmlns:p14="http://schemas.microsoft.com/office/powerpoint/2010/main" val="177822062"/>
+        <p14:creationId xmlns:p14="http://schemas.microsoft.com/office/powerpoint/2010/main" val="786939648"/>
       </p:ext>
     </p:extLst>
   </p:cSld>
@@ -18067,6 +18007,10 @@
               <a:buFont typeface="+mj-lt"/>
               <a:buAutoNum type="arabicPeriod" startAt="11"/>
             </a:pPr>
+            <a:r>
+              <a:rPr lang="fr-FR" dirty="0" smtClean="0"/>
+              <a:t>Conversion de projection</a:t>
+            </a:r>
             <a:endParaRPr lang="fr-FR" dirty="0" smtClean="0"/>
           </a:p>
         </p:txBody>
@@ -18081,6 +18025,13 @@
   <p:clrMapOvr>
     <a:masterClrMapping/>
   </p:clrMapOvr>
+  <p:timing>
+    <p:tnLst>
+      <p:par>
+        <p:cTn id="1" dur="indefinite" restart="never" nodeType="tmRoot"/>
+      </p:par>
+    </p:tnLst>
+  </p:timing>
 </p:sld>
 </file>
 
@@ -18142,47 +18093,57 @@
           <a:lstStyle/>
           <a:p>
             <a:r>
+              <a:rPr lang="fr-FR" dirty="0"/>
+              <a:t>Créer les statistiques de la couche </a:t>
+            </a:r>
+            <a:r>
+              <a:rPr lang="fr-FR" b="1" dirty="0"/>
+              <a:t>geonames_67</a:t>
+            </a:r>
+          </a:p>
+          <a:p>
+            <a:pPr lvl="1"/>
+            <a:r>
+              <a:rPr lang="fr-FR" dirty="0"/>
+              <a:t>Compter le nombre de point selon l’attribut « LAYER »</a:t>
+            </a:r>
+          </a:p>
+          <a:p>
+            <a:endParaRPr lang="fr-FR" dirty="0" smtClean="0"/>
+          </a:p>
+          <a:p>
+            <a:r>
+              <a:rPr lang="fr-FR" dirty="0" smtClean="0"/>
+              <a:t>Ajouter les données d’altitudes sur la couche </a:t>
+            </a:r>
+            <a:r>
+              <a:rPr lang="fr-FR" b="1" dirty="0" err="1" smtClean="0"/>
+              <a:t>geonames.shp</a:t>
+            </a:r>
+            <a:endParaRPr lang="fr-FR" b="1" dirty="0" smtClean="0"/>
+          </a:p>
+          <a:p>
+            <a:pPr marL="0" indent="0">
+              <a:buNone/>
+            </a:pPr>
+            <a:endParaRPr lang="fr-FR" dirty="0" smtClean="0"/>
+          </a:p>
+          <a:p>
+            <a:pPr marL="0" indent="0">
+              <a:buNone/>
+            </a:pPr>
+            <a:r>
               <a:rPr lang="fr-FR" dirty="0" smtClean="0"/>
               <a:t>Sur la couche </a:t>
             </a:r>
             <a:r>
-              <a:rPr lang="fr-FR" b="1" dirty="0" smtClean="0"/>
-              <a:t>activités VUHF</a:t>
-            </a:r>
-            <a:r>
-              <a:rPr lang="fr-FR" dirty="0" smtClean="0"/>
-              <a:t>, afficher en nom la FRQ et l’API</a:t>
-            </a:r>
-          </a:p>
-          <a:p>
-            <a:endParaRPr lang="fr-FR" dirty="0" smtClean="0"/>
-          </a:p>
-          <a:p>
-            <a:r>
-              <a:rPr lang="fr-FR" dirty="0" smtClean="0"/>
-              <a:t>Affecter </a:t>
-            </a:r>
-            <a:r>
-              <a:rPr lang="fr-FR" dirty="0"/>
-              <a:t>l'</a:t>
-            </a:r>
-            <a:r>
-              <a:rPr lang="fr-FR" dirty="0" err="1"/>
-              <a:t>elevation</a:t>
-            </a:r>
-            <a:r>
-              <a:rPr lang="fr-FR" dirty="0"/>
-              <a:t> sur les </a:t>
-            </a:r>
-            <a:r>
-              <a:rPr lang="fr-FR" dirty="0" smtClean="0"/>
-              <a:t>villes</a:t>
-            </a:r>
-          </a:p>
-          <a:p>
-            <a:pPr marL="0" indent="0">
-              <a:buNone/>
-            </a:pPr>
+              <a:rPr lang="fr-FR" dirty="0" err="1" smtClean="0"/>
+              <a:t>geonames.shp</a:t>
+            </a:r>
+            <a:r>
+              <a:rPr lang="fr-FR" dirty="0" smtClean="0"/>
+              <a:t> :</a:t>
+            </a:r>
             <a:endParaRPr lang="fr-FR" dirty="0"/>
           </a:p>
           <a:p>
@@ -18190,8 +18151,6 @@
               <a:rPr lang="fr-FR" dirty="0" smtClean="0"/>
               <a:t>Lister les points situés à plus de 900m d’altitude</a:t>
             </a:r>
-          </a:p>
-          <a:p>
             <a:endParaRPr lang="fr-FR" dirty="0"/>
           </a:p>
           <a:p>
@@ -18254,12 +18213,12 @@
       </p:grpSpPr>
       <p:sp>
         <p:nvSpPr>
-          <p:cNvPr id="2" name="Titre 1"/>
-          <p:cNvSpPr>
-            <a:spLocks noGrp="1"/>
-          </p:cNvSpPr>
-          <p:nvPr>
-            <p:ph type="title"/>
+          <p:cNvPr id="4" name="Titre 3"/>
+          <p:cNvSpPr>
+            <a:spLocks noGrp="1"/>
+          </p:cNvSpPr>
+          <p:nvPr>
+            <p:ph type="ctrTitle"/>
           </p:nvPr>
         </p:nvSpPr>
         <p:spPr/>
@@ -18268,8 +18227,12 @@
           <a:lstStyle/>
           <a:p>
             <a:r>
-              <a:rPr lang="fr-FR" dirty="0" smtClean="0"/>
-              <a:t>Exercice 10</a:t>
+              <a:rPr lang="fr-FR" smtClean="0"/>
+              <a:t>Drill partie </a:t>
+            </a:r>
+            <a:r>
+              <a:rPr lang="fr-FR" dirty="0" smtClean="0"/>
+              <a:t>2</a:t>
             </a:r>
             <a:endParaRPr lang="fr-FR" dirty="0"/>
           </a:p>
@@ -18277,12 +18240,12 @@
       </p:sp>
       <p:sp>
         <p:nvSpPr>
-          <p:cNvPr id="3" name="Espace réservé du contenu 2"/>
-          <p:cNvSpPr>
-            <a:spLocks noGrp="1"/>
-          </p:cNvSpPr>
-          <p:nvPr>
-            <p:ph idx="1"/>
+          <p:cNvPr id="5" name="Sous-titre 4"/>
+          <p:cNvSpPr>
+            <a:spLocks noGrp="1"/>
+          </p:cNvSpPr>
+          <p:nvPr>
+            <p:ph type="subTitle" idx="1"/>
           </p:nvPr>
         </p:nvSpPr>
         <p:spPr/>
@@ -18290,118 +18253,14 @@
           <a:bodyPr/>
           <a:lstStyle/>
           <a:p>
-            <a:r>
-              <a:rPr lang="fr-FR" dirty="0" smtClean="0"/>
-              <a:t>Importer les vecteurs </a:t>
-            </a:r>
-            <a:r>
-              <a:rPr lang="fr-FR" b="1" dirty="0"/>
-              <a:t>relevés </a:t>
-            </a:r>
-            <a:r>
-              <a:rPr lang="fr-FR" b="1" dirty="0" err="1"/>
-              <a:t>gonio.kml</a:t>
-            </a:r>
-            <a:r>
-              <a:rPr lang="fr-FR" dirty="0"/>
-              <a:t> </a:t>
-            </a:r>
-            <a:r>
-              <a:rPr lang="fr-FR" dirty="0" smtClean="0"/>
-              <a:t> et </a:t>
-            </a:r>
-            <a:r>
-              <a:rPr lang="fr-FR" b="1" dirty="0" err="1" smtClean="0"/>
-              <a:t>geonames.shp</a:t>
-            </a:r>
-            <a:endParaRPr lang="fr-FR" b="1" dirty="0" smtClean="0"/>
-          </a:p>
-          <a:p>
-            <a:endParaRPr lang="fr-FR" dirty="0"/>
-          </a:p>
-          <a:p>
-            <a:r>
-              <a:rPr lang="fr-FR" dirty="0" smtClean="0"/>
-              <a:t>Diviser la couche </a:t>
-            </a:r>
-            <a:r>
-              <a:rPr lang="fr-FR" b="1" dirty="0" smtClean="0"/>
-              <a:t>relevés </a:t>
-            </a:r>
-            <a:r>
-              <a:rPr lang="fr-FR" b="1" dirty="0" err="1" smtClean="0"/>
-              <a:t>gonio.kml</a:t>
-            </a:r>
-            <a:r>
-              <a:rPr lang="fr-FR" dirty="0" smtClean="0"/>
-              <a:t> selon l’attribut FRQ</a:t>
-            </a:r>
-          </a:p>
-          <a:p>
-            <a:endParaRPr lang="fr-FR" dirty="0" smtClean="0"/>
-          </a:p>
-          <a:p>
-            <a:r>
-              <a:rPr lang="fr-FR" dirty="0" smtClean="0"/>
-              <a:t>Créer les statistiques de la couche </a:t>
-            </a:r>
-            <a:r>
-              <a:rPr lang="fr-FR" b="1" dirty="0" err="1" smtClean="0"/>
-              <a:t>geonames.shp</a:t>
-            </a:r>
-            <a:endParaRPr lang="fr-FR" b="1" dirty="0" smtClean="0"/>
-          </a:p>
-          <a:p>
-            <a:pPr lvl="1"/>
-            <a:r>
-              <a:rPr lang="fr-FR" dirty="0"/>
-              <a:t>Compter le nombre de </a:t>
-            </a:r>
-            <a:r>
-              <a:rPr lang="fr-FR" dirty="0" smtClean="0"/>
-              <a:t>point selon l’attribut « LAYER »</a:t>
-            </a:r>
-          </a:p>
-          <a:p>
-            <a:endParaRPr lang="fr-FR" dirty="0"/>
-          </a:p>
-          <a:p>
-            <a:r>
-              <a:rPr lang="fr-FR" dirty="0" smtClean="0"/>
-              <a:t>Ouvrir le tableau des attributs sur la couche </a:t>
-            </a:r>
-            <a:r>
-              <a:rPr lang="fr-FR" b="1" dirty="0" smtClean="0"/>
-              <a:t>relevés </a:t>
-            </a:r>
-            <a:r>
-              <a:rPr lang="fr-FR" b="1" dirty="0" err="1" smtClean="0"/>
-              <a:t>gonio.kml</a:t>
-            </a:r>
-            <a:endParaRPr lang="fr-FR" b="1" dirty="0" smtClean="0"/>
-          </a:p>
-          <a:p>
-            <a:pPr lvl="1"/>
-            <a:r>
-              <a:rPr lang="fr-FR" dirty="0" smtClean="0"/>
-              <a:t>Sauvegarder en CSV</a:t>
-            </a:r>
-          </a:p>
-          <a:p>
-            <a:pPr marL="0" indent="0">
-              <a:buNone/>
-            </a:pPr>
-            <a:endParaRPr lang="fr-FR" dirty="0"/>
-          </a:p>
-          <a:p>
-            <a:endParaRPr lang="fr-FR" dirty="0" smtClean="0"/>
+            <a:endParaRPr lang="fr-FR"/>
           </a:p>
         </p:txBody>
       </p:sp>
     </p:spTree>
     <p:extLst>
       <p:ext uri="{BB962C8B-B14F-4D97-AF65-F5344CB8AC3E}">
-        <p14:creationId xmlns:p14="http://schemas.microsoft.com/office/powerpoint/2010/main" val="786939648"/>
+        <p14:creationId xmlns:p14="http://schemas.microsoft.com/office/powerpoint/2010/main" val="3910737511"/>
       </p:ext>
     </p:extLst>
   </p:cSld>
@@ -18430,12 +18289,12 @@
       </p:grpSpPr>
       <p:sp>
         <p:nvSpPr>
-          <p:cNvPr id="4" name="Titre 3"/>
-          <p:cNvSpPr>
-            <a:spLocks noGrp="1"/>
-          </p:cNvSpPr>
-          <p:nvPr>
-            <p:ph type="ctrTitle"/>
+          <p:cNvPr id="2" name="Titre 1"/>
+          <p:cNvSpPr>
+            <a:spLocks noGrp="1"/>
+          </p:cNvSpPr>
+          <p:nvPr>
+            <p:ph type="title"/>
           </p:nvPr>
         </p:nvSpPr>
         <p:spPr/>
@@ -18445,7 +18304,7 @@
           <a:p>
             <a:r>
               <a:rPr lang="fr-FR" dirty="0" smtClean="0"/>
-              <a:t>Drill 2</a:t>
+              <a:t>Exercice 11</a:t>
             </a:r>
             <a:endParaRPr lang="fr-FR" dirty="0"/>
           </a:p>
@@ -18453,27 +18312,160 @@
       </p:sp>
       <p:sp>
         <p:nvSpPr>
-          <p:cNvPr id="5" name="Sous-titre 4"/>
-          <p:cNvSpPr>
-            <a:spLocks noGrp="1"/>
-          </p:cNvSpPr>
-          <p:nvPr>
-            <p:ph type="subTitle" idx="1"/>
-          </p:nvPr>
-        </p:nvSpPr>
-        <p:spPr/>
-        <p:txBody>
-          <a:bodyPr/>
-          <a:lstStyle/>
-          <a:p>
-            <a:endParaRPr lang="fr-FR"/>
-          </a:p>
-        </p:txBody>
-      </p:sp>
+          <p:cNvPr id="3" name="Espace réservé du contenu 2"/>
+          <p:cNvSpPr>
+            <a:spLocks noGrp="1"/>
+          </p:cNvSpPr>
+          <p:nvPr>
+            <p:ph idx="1"/>
+          </p:nvPr>
+        </p:nvSpPr>
+        <p:spPr/>
+        <p:txBody>
+          <a:bodyPr>
+            <a:normAutofit fontScale="92500"/>
+          </a:bodyPr>
+          <a:lstStyle/>
+          <a:p>
+            <a:r>
+              <a:rPr lang="fr-FR" dirty="0" smtClean="0"/>
+              <a:t>Utiliser l’outil </a:t>
+            </a:r>
+            <a:r>
+              <a:rPr lang="fr-FR" b="1" dirty="0" smtClean="0"/>
+              <a:t>Image </a:t>
+            </a:r>
+            <a:r>
+              <a:rPr lang="fr-FR" b="1" dirty="0" err="1" smtClean="0"/>
+              <a:t>swipe</a:t>
+            </a:r>
+            <a:r>
+              <a:rPr lang="fr-FR" dirty="0" smtClean="0"/>
+              <a:t> pour comparer la BDORTHO et la coupeJP2</a:t>
+            </a:r>
+          </a:p>
+          <a:p>
+            <a:endParaRPr lang="fr-FR" dirty="0"/>
+          </a:p>
+          <a:p>
+            <a:r>
+              <a:rPr lang="fr-FR" dirty="0" smtClean="0"/>
+              <a:t>Convertir les coordonnées du fichier </a:t>
+            </a:r>
+            <a:r>
+              <a:rPr lang="fr-FR" b="1" dirty="0" smtClean="0"/>
+              <a:t>liste coord.txt</a:t>
+            </a:r>
+            <a:r>
+              <a:rPr lang="fr-FR" dirty="0" smtClean="0"/>
+              <a:t> vers le format latitude/longitude en décimales</a:t>
+            </a:r>
+            <a:endParaRPr lang="fr-FR" dirty="0"/>
+          </a:p>
+          <a:p>
+            <a:endParaRPr lang="fr-FR" dirty="0" smtClean="0"/>
+          </a:p>
+          <a:p>
+            <a:r>
+              <a:rPr lang="fr-FR" dirty="0" smtClean="0"/>
+              <a:t>A partir du PC221 à l’est de </a:t>
+            </a:r>
+            <a:r>
+              <a:rPr lang="fr-FR" dirty="0" err="1" smtClean="0"/>
+              <a:t>Viberswiller</a:t>
+            </a:r>
+            <a:r>
+              <a:rPr lang="fr-FR" dirty="0" smtClean="0"/>
+              <a:t>, tracer des relevés </a:t>
+            </a:r>
+            <a:r>
+              <a:rPr lang="fr-FR" dirty="0" err="1" smtClean="0"/>
+              <a:t>gonio</a:t>
+            </a:r>
+            <a:endParaRPr lang="fr-FR" dirty="0" smtClean="0"/>
+          </a:p>
+          <a:p>
+            <a:endParaRPr lang="fr-FR" dirty="0"/>
+          </a:p>
+          <a:p>
+            <a:r>
+              <a:rPr lang="fr-FR" dirty="0" smtClean="0"/>
+              <a:t>BDD GONIO</a:t>
+            </a:r>
+            <a:endParaRPr lang="fr-FR" dirty="0"/>
+          </a:p>
+          <a:p>
+            <a:r>
+              <a:rPr lang="fr-FR" dirty="0"/>
+              <a:t>COGO</a:t>
+            </a:r>
+          </a:p>
+          <a:p>
+            <a:endParaRPr lang="fr-FR" dirty="0"/>
+          </a:p>
+        </p:txBody>
+      </p:sp>
+      <p:graphicFrame>
+        <p:nvGraphicFramePr>
+          <p:cNvPr id="4" name="Objet 3"/>
+          <p:cNvGraphicFramePr>
+            <a:graphicFrameLocks noChangeAspect="1"/>
+          </p:cNvGraphicFramePr>
+          <p:nvPr>
+            <p:extLst>
+              <p:ext uri="{D42A27DB-BD31-4B8C-83A1-F6EECF244321}">
+                <p14:modId xmlns:p14="http://schemas.microsoft.com/office/powerpoint/2010/main" val="1248478638"/>
+              </p:ext>
+            </p:extLst>
+          </p:nvPr>
+        </p:nvGraphicFramePr>
+        <p:xfrm>
+          <a:off x="9758735" y="3229584"/>
+          <a:ext cx="1750708" cy="1038428"/>
+        </p:xfrm>
+        <a:graphic>
+          <a:graphicData uri="http://schemas.openxmlformats.org/presentationml/2006/ole">
+            <mc:AlternateContent xmlns:mc="http://schemas.openxmlformats.org/markup-compatibility/2006">
+              <mc:Choice xmlns:v="urn:schemas-microsoft-com:vml" Requires="v">
+                <p:oleObj spid="_x0000_s1038" name="Objet d’environnement du Gestionnaire de liaisons" showAsIcon="1" r:id="rId4" imgW="740880" imgH="440280" progId="Package">
+                  <p:embed/>
+                </p:oleObj>
+              </mc:Choice>
+              <mc:Fallback>
+                <p:oleObj name="Objet d’environnement du Gestionnaire de liaisons" showAsIcon="1" r:id="rId4" imgW="740880" imgH="440280" progId="Package">
+                  <p:embed/>
+                  <p:pic>
+                    <p:nvPicPr>
+                      <p:cNvPr id="0" name=""/>
+                      <p:cNvPicPr/>
+                      <p:nvPr/>
+                    </p:nvPicPr>
+                    <p:blipFill>
+                      <a:blip r:embed="rId5"/>
+                      <a:stretch>
+                        <a:fillRect/>
+                      </a:stretch>
+                    </p:blipFill>
+                    <p:spPr>
+                      <a:xfrm>
+                        <a:off x="9758735" y="3229584"/>
+                        <a:ext cx="1750708" cy="1038428"/>
+                      </a:xfrm>
+                      <a:prstGeom prst="rect">
+                        <a:avLst/>
+                      </a:prstGeom>
+                    </p:spPr>
+                  </p:pic>
+                </p:oleObj>
+              </mc:Fallback>
+            </mc:AlternateContent>
+          </a:graphicData>
+        </a:graphic>
+      </p:graphicFrame>
     </p:spTree>
     <p:extLst>
       <p:ext uri="{BB962C8B-B14F-4D97-AF65-F5344CB8AC3E}">
-        <p14:creationId xmlns:p14="http://schemas.microsoft.com/office/powerpoint/2010/main" val="3910737511"/>
+        <p14:creationId xmlns:p14="http://schemas.microsoft.com/office/powerpoint/2010/main" val="2653840092"/>
       </p:ext>
     </p:extLst>
   </p:cSld>
@@ -18535,57 +18527,79 @@
         </p:nvSpPr>
         <p:spPr/>
         <p:txBody>
-          <a:bodyPr/>
-          <a:lstStyle/>
-          <a:p>
-            <a:r>
-              <a:rPr lang="fr-FR" dirty="0" smtClean="0"/>
-              <a:t>Utiliser </a:t>
-            </a:r>
+          <a:bodyPr>
+            <a:normAutofit/>
+          </a:bodyPr>
+          <a:lstStyle/>
+          <a:p>
+            <a:r>
+              <a:rPr lang="fr-FR" dirty="0" smtClean="0"/>
+              <a:t>A partir du PC221 à l’est de </a:t>
+            </a:r>
+            <a:r>
+              <a:rPr lang="fr-FR" dirty="0" err="1" smtClean="0"/>
+              <a:t>Viberswiller</a:t>
+            </a:r>
+            <a:r>
+              <a:rPr lang="fr-FR" dirty="0" smtClean="0"/>
+              <a:t>, tracer des relevés </a:t>
+            </a:r>
+            <a:r>
+              <a:rPr lang="fr-FR" dirty="0" err="1" smtClean="0"/>
+              <a:t>gonio</a:t>
+            </a:r>
+            <a:r>
+              <a:rPr lang="fr-FR" dirty="0" smtClean="0"/>
+              <a:t> sur les azimuts :</a:t>
+            </a:r>
+          </a:p>
+          <a:p>
+            <a:pPr lvl="1"/>
+            <a:r>
+              <a:rPr lang="fr-FR" dirty="0" smtClean="0"/>
+              <a:t>33°</a:t>
+            </a:r>
+          </a:p>
+          <a:p>
+            <a:pPr lvl="1"/>
+            <a:r>
+              <a:rPr lang="fr-FR" dirty="0" smtClean="0"/>
+              <a:t>58°</a:t>
+            </a:r>
+          </a:p>
+          <a:p>
+            <a:pPr lvl="1"/>
+            <a:r>
+              <a:rPr lang="fr-FR" dirty="0" smtClean="0"/>
+              <a:t>43°</a:t>
+            </a:r>
+          </a:p>
+          <a:p>
+            <a:endParaRPr lang="fr-FR" dirty="0" smtClean="0"/>
+          </a:p>
+          <a:p>
+            <a:r>
+              <a:rPr lang="fr-FR" dirty="0" smtClean="0"/>
+              <a:t>Avec les outils :</a:t>
+            </a:r>
+            <a:endParaRPr lang="fr-FR" dirty="0"/>
+          </a:p>
+          <a:p>
+            <a:pPr lvl="1"/>
+            <a:r>
+              <a:rPr lang="fr-FR" dirty="0" smtClean="0"/>
+              <a:t>BDD GONIO</a:t>
+            </a:r>
+            <a:endParaRPr lang="fr-FR" dirty="0"/>
+          </a:p>
+          <a:p>
+            <a:pPr lvl="1"/>
             <a:r>
               <a:rPr lang="fr-FR" dirty="0"/>
-              <a:t>l’outil BDD </a:t>
-            </a:r>
-            <a:r>
-              <a:rPr lang="fr-FR" dirty="0" smtClean="0"/>
-              <a:t>GONIO</a:t>
-            </a:r>
-          </a:p>
-          <a:p>
-            <a:endParaRPr lang="fr-FR" dirty="0"/>
-          </a:p>
-          <a:p>
-            <a:r>
-              <a:rPr lang="fr-FR" dirty="0" smtClean="0"/>
-              <a:t>Convertisseur </a:t>
-            </a:r>
-            <a:r>
-              <a:rPr lang="fr-FR" dirty="0"/>
-              <a:t>de coordonnées</a:t>
-            </a:r>
-          </a:p>
-          <a:p>
-            <a:endParaRPr lang="fr-FR" dirty="0" smtClean="0"/>
-          </a:p>
-          <a:p>
-            <a:r>
-              <a:rPr lang="fr-FR" dirty="0" smtClean="0"/>
               <a:t>COGO</a:t>
             </a:r>
-            <a:endParaRPr lang="fr-FR" dirty="0"/>
-          </a:p>
-          <a:p>
-            <a:endParaRPr lang="fr-FR" dirty="0" smtClean="0"/>
-          </a:p>
-          <a:p>
-            <a:r>
-              <a:rPr lang="fr-FR" dirty="0" smtClean="0"/>
-              <a:t>Image </a:t>
-            </a:r>
-            <a:r>
-              <a:rPr lang="fr-FR" dirty="0" err="1"/>
-              <a:t>swipe</a:t>
-            </a:r>
+          </a:p>
+          <a:p>
             <a:endParaRPr lang="fr-FR" dirty="0"/>
           </a:p>
         </p:txBody>
@@ -18593,7 +18607,7 @@
     </p:spTree>
     <p:extLst>
       <p:ext uri="{BB962C8B-B14F-4D97-AF65-F5344CB8AC3E}">
-        <p14:creationId xmlns:p14="http://schemas.microsoft.com/office/powerpoint/2010/main" val="2653840092"/>
+        <p14:creationId xmlns:p14="http://schemas.microsoft.com/office/powerpoint/2010/main" val="393661070"/>
       </p:ext>
     </p:extLst>
   </p:cSld>
@@ -18751,13 +18765,37 @@
         <p:spPr/>
         <p:txBody>
           <a:bodyPr>
-            <a:normAutofit/>
+            <a:normAutofit fontScale="92500" lnSpcReduction="20000"/>
           </a:bodyPr>
           <a:lstStyle/>
           <a:p>
             <a:r>
               <a:rPr lang="fr-FR" dirty="0" smtClean="0"/>
-              <a:t>Sur la FLOT, supprimer le segment passant par le point côté 256</a:t>
+              <a:t>Importer </a:t>
+            </a:r>
+            <a:r>
+              <a:rPr lang="fr-FR" b="1" dirty="0" smtClean="0"/>
+              <a:t>exo5.gmp</a:t>
+            </a:r>
+          </a:p>
+          <a:p>
+            <a:r>
+              <a:rPr lang="fr-FR" dirty="0" smtClean="0"/>
+              <a:t>Importer </a:t>
+            </a:r>
+            <a:r>
+              <a:rPr lang="fr-FR" b="1" dirty="0" err="1" smtClean="0"/>
+              <a:t>FLOT.kmz</a:t>
+            </a:r>
+            <a:endParaRPr lang="fr-FR" b="1" dirty="0" smtClean="0"/>
+          </a:p>
+          <a:p>
+            <a:endParaRPr lang="fr-FR" dirty="0"/>
+          </a:p>
+          <a:p>
+            <a:r>
+              <a:rPr lang="fr-FR" dirty="0" smtClean="0"/>
+              <a:t>Sur la FLOT, supprimer le segment passant par le point côté 263</a:t>
             </a:r>
           </a:p>
           <a:p>
@@ -18766,7 +18804,7 @@
           <a:p>
             <a:r>
               <a:rPr lang="fr-FR" dirty="0" smtClean="0"/>
-              <a:t>Combiner la FLOT en reliant le point côté 233 au 231</a:t>
+              <a:t>Combiner la FLOT en reliant le point côté 248 au 229</a:t>
             </a:r>
           </a:p>
           <a:p>
@@ -18775,8 +18813,21 @@
           <a:p>
             <a:r>
               <a:rPr lang="fr-FR" dirty="0" smtClean="0"/>
-              <a:t>Combiner deux surfaces</a:t>
-            </a:r>
+              <a:t>Combiner le rectangle de </a:t>
+            </a:r>
+            <a:r>
+              <a:rPr lang="fr-FR" dirty="0" err="1" smtClean="0"/>
+              <a:t>Bonnefontaine</a:t>
+            </a:r>
+            <a:r>
+              <a:rPr lang="fr-FR" dirty="0" smtClean="0"/>
+              <a:t> avec le cercle de </a:t>
+            </a:r>
+            <a:r>
+              <a:rPr lang="fr-FR" dirty="0" err="1" smtClean="0"/>
+              <a:t>Neuweihershof</a:t>
+            </a:r>
+            <a:endParaRPr lang="fr-FR" dirty="0" smtClean="0"/>
           </a:p>
           <a:p>
             <a:endParaRPr lang="fr-FR" dirty="0"/>
@@ -18866,30 +18917,52 @@
           <a:p>
             <a:r>
               <a:rPr lang="fr-FR" dirty="0"/>
-              <a:t>Générer un buffer</a:t>
-            </a:r>
-          </a:p>
-          <a:p>
+              <a:t>Générer </a:t>
+            </a:r>
+            <a:r>
+              <a:rPr lang="fr-FR" dirty="0" smtClean="0"/>
+              <a:t>une zone tampon autour de la surface de </a:t>
+            </a:r>
+            <a:r>
+              <a:rPr lang="fr-FR" dirty="0" err="1" smtClean="0"/>
+              <a:t>Bonnefontaine</a:t>
+            </a:r>
             <a:endParaRPr lang="fr-FR" dirty="0"/>
           </a:p>
           <a:p>
-            <a:r>
-              <a:rPr lang="fr-FR" dirty="0" smtClean="0"/>
-              <a:t>Déplacer le point XXX de 50m à l’est et 160m au sud</a:t>
-            </a:r>
-          </a:p>
-          <a:p>
             <a:endParaRPr lang="fr-FR" dirty="0"/>
           </a:p>
           <a:p>
             <a:r>
               <a:rPr lang="fr-FR" dirty="0" smtClean="0"/>
+              <a:t>Déplacer la PLAE du PC222 de 50m à l’est et 160m au sud</a:t>
+            </a:r>
+          </a:p>
+          <a:p>
+            <a:endParaRPr lang="fr-FR" dirty="0"/>
+          </a:p>
+          <a:p>
+            <a:r>
+              <a:rPr lang="fr-FR" dirty="0" smtClean="0"/>
               <a:t>Générer </a:t>
             </a:r>
             <a:r>
               <a:rPr lang="fr-FR" dirty="0"/>
-              <a:t>des points le long d'une ligne</a:t>
-            </a:r>
+              <a:t>des points </a:t>
+            </a:r>
+            <a:r>
+              <a:rPr lang="fr-FR" dirty="0" smtClean="0"/>
+              <a:t>tous les 50m le </a:t>
+            </a:r>
+            <a:r>
+              <a:rPr lang="fr-FR" dirty="0"/>
+              <a:t>long </a:t>
+            </a:r>
+            <a:r>
+              <a:rPr lang="fr-FR" dirty="0" smtClean="0"/>
+              <a:t>de la ligne LIMA</a:t>
+            </a:r>
+            <a:endParaRPr lang="fr-FR" dirty="0"/>
           </a:p>
           <a:p>
             <a:endParaRPr lang="fr-FR" dirty="0" smtClean="0"/>
@@ -18901,7 +18974,15 @@
             </a:r>
             <a:r>
               <a:rPr lang="fr-FR" dirty="0"/>
-              <a:t>des points en une ligne</a:t>
+              <a:t>l</a:t>
+            </a:r>
+            <a:r>
+              <a:rPr lang="fr-FR" dirty="0" smtClean="0"/>
+              <a:t>es </a:t>
+            </a:r>
+            <a:r>
+              <a:rPr lang="fr-FR" dirty="0"/>
+              <a:t>points en une ligne</a:t>
             </a:r>
           </a:p>
         </p:txBody>
@@ -18984,12 +19065,17 @@
             </a:r>
             <a:r>
               <a:rPr lang="fr-FR" dirty="0"/>
-              <a:t>une surface englobant un nuage de </a:t>
-            </a:r>
-            <a:r>
-              <a:rPr lang="fr-FR" dirty="0" smtClean="0"/>
-              <a:t>point</a:t>
-            </a:r>
+              <a:t>une surface englobant </a:t>
+            </a:r>
+            <a:r>
+              <a:rPr lang="fr-FR" dirty="0" smtClean="0"/>
+              <a:t>la couche </a:t>
+            </a:r>
+            <a:r>
+              <a:rPr lang="fr-FR" dirty="0" err="1" smtClean="0"/>
+              <a:t>villes_ouest</a:t>
+            </a:r>
+            <a:endParaRPr lang="fr-FR" dirty="0" smtClean="0"/>
           </a:p>
           <a:p>
             <a:endParaRPr lang="fr-FR" dirty="0" smtClean="0"/>
@@ -19349,6 +19435,13 @@
   <p:clrMapOvr>
     <a:masterClrMapping/>
   </p:clrMapOvr>
+  <p:timing>
+    <p:tnLst>
+      <p:par>
+        <p:cTn id="1" dur="indefinite" restart="never" nodeType="tmRoot"/>
+      </p:par>
+    </p:tnLst>
+  </p:timing>
 </p:sld>
 </file>
 
@@ -19691,12 +19784,8 @@
               <a:t>Générer un </a:t>
             </a:r>
             <a:r>
-              <a:rPr lang="fr-FR" sz="2400" dirty="0" err="1"/>
-              <a:t>diagrame</a:t>
-            </a:r>
-            <a:r>
-              <a:rPr lang="fr-FR" sz="2400" dirty="0"/>
-              <a:t> </a:t>
+              <a:rPr lang="fr-FR" sz="2400" dirty="0" smtClean="0"/>
+              <a:t>diagramme </a:t>
             </a:r>
             <a:r>
               <a:rPr lang="fr-FR" sz="2400" dirty="0" err="1"/>
@@ -19807,6 +19896,262 @@
           <a:bodyPr/>
           <a:lstStyle/>
           <a:p>
+            <a:r>
+              <a:rPr lang="fr-FR" dirty="0" smtClean="0"/>
+              <a:t>Exercice 19</a:t>
+            </a:r>
+            <a:endParaRPr lang="fr-FR" dirty="0"/>
+          </a:p>
+        </p:txBody>
+      </p:sp>
+      <p:sp>
+        <p:nvSpPr>
+          <p:cNvPr id="3" name="Espace réservé du contenu 2"/>
+          <p:cNvSpPr>
+            <a:spLocks noGrp="1"/>
+          </p:cNvSpPr>
+          <p:nvPr>
+            <p:ph idx="1"/>
+          </p:nvPr>
+        </p:nvSpPr>
+        <p:spPr/>
+        <p:txBody>
+          <a:bodyPr>
+            <a:normAutofit lnSpcReduction="10000"/>
+          </a:bodyPr>
+          <a:lstStyle/>
+          <a:p>
+            <a:r>
+              <a:rPr lang="fr-FR" dirty="0" smtClean="0"/>
+              <a:t>Convertir la projection d’une carte</a:t>
+            </a:r>
+          </a:p>
+          <a:p>
+            <a:endParaRPr lang="fr-FR" dirty="0"/>
+          </a:p>
+          <a:p>
+            <a:pPr lvl="1"/>
+            <a:r>
+              <a:rPr lang="fr-FR" dirty="0"/>
+              <a:t>Ouvrir une nouvelle fenêtre </a:t>
+            </a:r>
+            <a:r>
+              <a:rPr lang="fr-FR" dirty="0" err="1"/>
+              <a:t>Globalmapper</a:t>
+            </a:r>
+            <a:r>
+              <a:rPr lang="fr-FR" dirty="0"/>
+              <a:t> vide</a:t>
+            </a:r>
+          </a:p>
+          <a:p>
+            <a:pPr lvl="1"/>
+            <a:r>
+              <a:rPr lang="fr-FR" dirty="0"/>
+              <a:t>Importer la carte voulue</a:t>
+            </a:r>
+          </a:p>
+          <a:p>
+            <a:pPr lvl="1"/>
+            <a:r>
+              <a:rPr lang="fr-FR" dirty="0"/>
+              <a:t>Outil configuration -&gt; Menu projection -&gt; projection</a:t>
+            </a:r>
+          </a:p>
+          <a:p>
+            <a:pPr lvl="1"/>
+            <a:r>
+              <a:rPr lang="fr-FR" dirty="0"/>
+              <a:t>Choisir la </a:t>
+            </a:r>
+            <a:r>
+              <a:rPr lang="fr-FR" dirty="0" smtClean="0"/>
+              <a:t>projection de destination</a:t>
+            </a:r>
+          </a:p>
+          <a:p>
+            <a:pPr lvl="1"/>
+            <a:r>
+              <a:rPr lang="fr-FR" dirty="0" smtClean="0"/>
+              <a:t>Valider avec « ok »</a:t>
+            </a:r>
+          </a:p>
+          <a:p>
+            <a:pPr lvl="1"/>
+            <a:endParaRPr lang="fr-FR" dirty="0"/>
+          </a:p>
+          <a:p>
+            <a:pPr lvl="1"/>
+            <a:r>
+              <a:rPr lang="fr-FR" dirty="0"/>
+              <a:t>Clic droit sur la couche -&gt; </a:t>
+            </a:r>
+            <a:r>
+              <a:rPr lang="fr-FR" b="1" dirty="0"/>
+              <a:t>LAYER</a:t>
+            </a:r>
+            <a:r>
+              <a:rPr lang="fr-FR" dirty="0"/>
+              <a:t> -&gt; </a:t>
+            </a:r>
+            <a:r>
+              <a:rPr lang="fr-FR" b="1" dirty="0"/>
+              <a:t>EXPORT</a:t>
+            </a:r>
+            <a:endParaRPr lang="fr-FR" dirty="0"/>
+          </a:p>
+          <a:p>
+            <a:pPr lvl="1"/>
+            <a:r>
+              <a:rPr lang="fr-FR" dirty="0"/>
+              <a:t>Choisir le </a:t>
+            </a:r>
+            <a:r>
+              <a:rPr lang="fr-FR" dirty="0" smtClean="0"/>
+              <a:t>format voulu</a:t>
+            </a:r>
+            <a:endParaRPr lang="fr-FR" dirty="0"/>
+          </a:p>
+          <a:p>
+            <a:pPr lvl="1"/>
+            <a:r>
+              <a:rPr lang="fr-FR" smtClean="0"/>
+              <a:t>Enregistrer le fichier</a:t>
+            </a:r>
+            <a:endParaRPr lang="fr-FR" dirty="0"/>
+          </a:p>
+          <a:p>
+            <a:endParaRPr lang="fr-FR" dirty="0"/>
+          </a:p>
+        </p:txBody>
+      </p:sp>
+    </p:spTree>
+    <p:extLst>
+      <p:ext uri="{BB962C8B-B14F-4D97-AF65-F5344CB8AC3E}">
+        <p14:creationId xmlns:p14="http://schemas.microsoft.com/office/powerpoint/2010/main" val="607013047"/>
+      </p:ext>
+    </p:extLst>
+  </p:cSld>
+  <p:clrMapOvr>
+    <a:masterClrMapping/>
+  </p:clrMapOvr>
+</p:sld>
+</file>
+
+<file path=ppt/slides/slide34.xml><?xml version="1.0" encoding="utf-8"?>
+<p:sld xmlns:a="http://schemas.openxmlformats.org/drawingml/2006/main" xmlns:r="http://schemas.openxmlformats.org/officeDocument/2006/relationships" xmlns:p="http://schemas.openxmlformats.org/presentationml/2006/main">
+  <p:cSld>
+    <p:spTree>
+      <p:nvGrpSpPr>
+        <p:cNvPr id="1" name=""/>
+        <p:cNvGrpSpPr/>
+        <p:nvPr/>
+      </p:nvGrpSpPr>
+      <p:grpSpPr>
+        <a:xfrm>
+          <a:off x="0" y="0"/>
+          <a:ext cx="0" cy="0"/>
+          <a:chOff x="0" y="0"/>
+          <a:chExt cx="0" cy="0"/>
+        </a:xfrm>
+      </p:grpSpPr>
+      <p:sp>
+        <p:nvSpPr>
+          <p:cNvPr id="2" name="Titre 1"/>
+          <p:cNvSpPr>
+            <a:spLocks noGrp="1"/>
+          </p:cNvSpPr>
+          <p:nvPr>
+            <p:ph type="title"/>
+          </p:nvPr>
+        </p:nvSpPr>
+        <p:spPr/>
+        <p:txBody>
+          <a:bodyPr/>
+          <a:lstStyle/>
+          <a:p>
+            <a:r>
+              <a:rPr lang="fr-FR" dirty="0" smtClean="0"/>
+              <a:t>Exercice 19</a:t>
+            </a:r>
+            <a:endParaRPr lang="fr-FR" dirty="0"/>
+          </a:p>
+        </p:txBody>
+      </p:sp>
+      <p:sp>
+        <p:nvSpPr>
+          <p:cNvPr id="3" name="Espace réservé du contenu 2"/>
+          <p:cNvSpPr>
+            <a:spLocks noGrp="1"/>
+          </p:cNvSpPr>
+          <p:nvPr>
+            <p:ph idx="1"/>
+          </p:nvPr>
+        </p:nvSpPr>
+        <p:spPr/>
+        <p:txBody>
+          <a:bodyPr>
+            <a:noAutofit/>
+          </a:bodyPr>
+          <a:lstStyle/>
+          <a:p>
+            <a:r>
+              <a:rPr lang="fr-FR" sz="2400" dirty="0"/>
+              <a:t>Importer l’image </a:t>
+            </a:r>
+            <a:r>
+              <a:rPr lang="fr-FR" sz="2400" b="1" dirty="0" smtClean="0"/>
+              <a:t>foret_albestroff.png</a:t>
+            </a:r>
+            <a:endParaRPr lang="fr-FR" sz="2400" b="1" dirty="0"/>
+          </a:p>
+        </p:txBody>
+      </p:sp>
+    </p:spTree>
+    <p:extLst>
+      <p:ext uri="{BB962C8B-B14F-4D97-AF65-F5344CB8AC3E}">
+        <p14:creationId xmlns:p14="http://schemas.microsoft.com/office/powerpoint/2010/main" val="1329945911"/>
+      </p:ext>
+    </p:extLst>
+  </p:cSld>
+  <p:clrMapOvr>
+    <a:masterClrMapping/>
+  </p:clrMapOvr>
+</p:sld>
+</file>
+
+<file path=ppt/slides/slide35.xml><?xml version="1.0" encoding="utf-8"?>
+<p:sld xmlns:a="http://schemas.openxmlformats.org/drawingml/2006/main" xmlns:r="http://schemas.openxmlformats.org/officeDocument/2006/relationships" xmlns:p="http://schemas.openxmlformats.org/presentationml/2006/main">
+  <p:cSld>
+    <p:spTree>
+      <p:nvGrpSpPr>
+        <p:cNvPr id="1" name=""/>
+        <p:cNvGrpSpPr/>
+        <p:nvPr/>
+      </p:nvGrpSpPr>
+      <p:grpSpPr>
+        <a:xfrm>
+          <a:off x="0" y="0"/>
+          <a:ext cx="0" cy="0"/>
+          <a:chOff x="0" y="0"/>
+          <a:chExt cx="0" cy="0"/>
+        </a:xfrm>
+      </p:grpSpPr>
+      <p:sp>
+        <p:nvSpPr>
+          <p:cNvPr id="2" name="Titre 1"/>
+          <p:cNvSpPr>
+            <a:spLocks noGrp="1"/>
+          </p:cNvSpPr>
+          <p:nvPr>
+            <p:ph type="title"/>
+          </p:nvPr>
+        </p:nvSpPr>
+        <p:spPr/>
+        <p:txBody>
+          <a:bodyPr/>
+          <a:lstStyle/>
+          <a:p>
             <a:endParaRPr lang="fr-FR"/>
           </a:p>
         </p:txBody>
@@ -19884,7 +20229,7 @@
           <a:p>
             <a:r>
               <a:rPr lang="fr-FR" dirty="0" smtClean="0"/>
-              <a:t>Drill 1</a:t>
+              <a:t>Drill partie 1</a:t>
             </a:r>
             <a:endParaRPr lang="fr-FR" dirty="0"/>
           </a:p>
@@ -19919,6 +20264,13 @@
   <p:clrMapOvr>
     <a:masterClrMapping/>
   </p:clrMapOvr>
+  <p:timing>
+    <p:tnLst>
+      <p:par>
+        <p:cTn id="1" dur="indefinite" restart="never" nodeType="tmRoot"/>
+      </p:par>
+    </p:tnLst>
+  </p:timing>
 </p:sld>
 </file>
 
@@ -20023,6 +20375,24 @@
               <a:rPr lang="fr-FR" b="1" dirty="0" smtClean="0"/>
               <a:t>SCAN/alsace2.tif</a:t>
             </a:r>
+          </a:p>
+          <a:p>
+            <a:endParaRPr lang="fr-FR" b="1" dirty="0"/>
+          </a:p>
+          <a:p>
+            <a:r>
+              <a:rPr lang="fr-FR" dirty="0" smtClean="0"/>
+              <a:t>Importer </a:t>
+            </a:r>
+            <a:r>
+              <a:rPr lang="fr-FR" dirty="0"/>
+              <a:t>le fichier </a:t>
+            </a:r>
+            <a:r>
+              <a:rPr lang="fr-FR" b="1" dirty="0" smtClean="0"/>
+              <a:t>SCAN/coupeJP2.tif</a:t>
+            </a:r>
+            <a:endParaRPr lang="fr-FR" b="1" dirty="0"/>
           </a:p>
           <a:p>
             <a:pPr marL="0" indent="0">
@@ -20131,24 +20501,6 @@
             <a:endParaRPr lang="fr-FR" b="1" dirty="0" smtClean="0"/>
           </a:p>
           <a:p>
-            <a:endParaRPr lang="fr-FR" b="1" dirty="0"/>
-          </a:p>
-          <a:p>
-            <a:r>
-              <a:rPr lang="fr-FR" dirty="0" smtClean="0"/>
-              <a:t>Importer le vecteur </a:t>
-            </a:r>
-            <a:r>
-              <a:rPr lang="fr-FR" b="1" dirty="0" smtClean="0"/>
-              <a:t>zone </a:t>
-            </a:r>
-            <a:r>
-              <a:rPr lang="fr-FR" b="1" dirty="0" err="1" smtClean="0"/>
-              <a:t>extraction.shp</a:t>
-            </a:r>
-            <a:endParaRPr lang="fr-FR" dirty="0"/>
-          </a:p>
-          <a:p>
             <a:pPr marL="0" indent="0">
               <a:buNone/>
             </a:pPr>
@@ -20256,7 +20608,15 @@
           <a:p>
             <a:r>
               <a:rPr lang="fr-FR" dirty="0" smtClean="0"/>
-              <a:t>Convertir la couche alsace2.tif au format ECW</a:t>
+              <a:t>Convertir la couche </a:t>
+            </a:r>
+            <a:r>
+              <a:rPr lang="fr-FR" b="1" dirty="0" smtClean="0"/>
+              <a:t>alsace2.tif</a:t>
+            </a:r>
+            <a:r>
+              <a:rPr lang="fr-FR" dirty="0" smtClean="0"/>
+              <a:t> au format ECW</a:t>
             </a:r>
             <a:endParaRPr lang="fr-FR" dirty="0"/>
           </a:p>
@@ -20391,7 +20751,15 @@
           <a:p>
             <a:r>
               <a:rPr lang="fr-FR" dirty="0" smtClean="0"/>
-              <a:t>Export en tuiles</a:t>
+              <a:t>Exporter la couche </a:t>
+            </a:r>
+            <a:r>
+              <a:rPr lang="fr-FR" b="1" dirty="0" smtClean="0"/>
+              <a:t>coupeJP2</a:t>
+            </a:r>
+            <a:r>
+              <a:rPr lang="fr-FR" dirty="0" smtClean="0"/>
+              <a:t> en tuiles (2x2)</a:t>
             </a:r>
           </a:p>
           <a:p>
@@ -20400,7 +20768,15 @@
           <a:p>
             <a:r>
               <a:rPr lang="fr-FR" dirty="0" smtClean="0"/>
-              <a:t>Export des données visibles à l’écran</a:t>
+              <a:t>Exporter </a:t>
+            </a:r>
+            <a:r>
+              <a:rPr lang="fr-FR" b="1" dirty="0" smtClean="0"/>
+              <a:t>alsace2.tif</a:t>
+            </a:r>
+            <a:r>
+              <a:rPr lang="fr-FR" dirty="0" smtClean="0"/>
+              <a:t> avec les données visibles à l’écran</a:t>
             </a:r>
             <a:endParaRPr lang="fr-FR" dirty="0"/>
           </a:p>
@@ -20409,12 +20785,16 @@
           </a:p>
           <a:p>
             <a:r>
-              <a:rPr lang="fr-FR" dirty="0"/>
-              <a:t>Export des données </a:t>
-            </a:r>
-            <a:r>
-              <a:rPr lang="fr-FR" dirty="0" smtClean="0"/>
-              <a:t>dans un rectangle tracé</a:t>
+              <a:rPr lang="fr-FR" dirty="0" smtClean="0"/>
+              <a:t>Exporter </a:t>
+            </a:r>
+            <a:r>
+              <a:rPr lang="fr-FR" b="1" dirty="0" smtClean="0"/>
+              <a:t>alsace2.tif</a:t>
+            </a:r>
+            <a:r>
+              <a:rPr lang="fr-FR" dirty="0" smtClean="0"/>
+              <a:t> dans un rectangle tracé</a:t>
             </a:r>
           </a:p>
           <a:p>
@@ -20509,7 +20889,7 @@
         <p:spPr/>
         <p:txBody>
           <a:bodyPr>
-            <a:normAutofit lnSpcReduction="10000"/>
+            <a:normAutofit/>
           </a:bodyPr>
           <a:lstStyle/>
           <a:p>
@@ -20541,34 +20921,41 @@
             </a:r>
           </a:p>
           <a:p>
+            <a:pPr marL="0" indent="0">
+              <a:buNone/>
+            </a:pPr>
+            <a:endParaRPr lang="fr-FR" b="1" dirty="0" smtClean="0"/>
+          </a:p>
+          <a:p>
+            <a:r>
+              <a:rPr lang="fr-FR" dirty="0" smtClean="0"/>
+              <a:t>Récupérer </a:t>
+            </a:r>
+            <a:r>
+              <a:rPr lang="fr-FR" dirty="0"/>
+              <a:t>la coordonnée de la localité d’</a:t>
+            </a:r>
+            <a:r>
+              <a:rPr lang="fr-FR" b="1" dirty="0" err="1"/>
+              <a:t>Altwiller</a:t>
+            </a:r>
+            <a:endParaRPr lang="fr-FR" b="1" dirty="0"/>
+          </a:p>
+          <a:p>
+            <a:pPr marL="0" indent="0">
+              <a:buNone/>
+            </a:pPr>
             <a:endParaRPr lang="fr-FR" dirty="0" smtClean="0"/>
           </a:p>
           <a:p>
             <a:r>
               <a:rPr lang="fr-FR" dirty="0" smtClean="0"/>
-              <a:t>Chercher la localité d’</a:t>
+              <a:t>Mesurer la distance entre </a:t>
             </a:r>
             <a:r>
               <a:rPr lang="fr-FR" b="1" dirty="0" err="1" smtClean="0"/>
               <a:t>Altwiller</a:t>
             </a:r>
-            <a:endParaRPr lang="fr-FR" b="1" dirty="0" smtClean="0"/>
-          </a:p>
-          <a:p>
-            <a:pPr marL="0" indent="0">
-              <a:buNone/>
-            </a:pPr>
-            <a:endParaRPr lang="fr-FR" dirty="0" smtClean="0"/>
-          </a:p>
-          <a:p>
-            <a:r>
-              <a:rPr lang="fr-FR" dirty="0" smtClean="0"/>
-              <a:t>Mesurer la distance entre </a:t>
-            </a:r>
-            <a:r>
-              <a:rPr lang="fr-FR" b="1" dirty="0" err="1" smtClean="0"/>
-              <a:t>Altwiller</a:t>
-            </a:r>
             <a:r>
               <a:rPr lang="fr-FR" dirty="0" smtClean="0"/>
               <a:t> et </a:t>
@@ -20580,13 +20967,6 @@
             <a:endParaRPr lang="fr-FR" b="1" dirty="0" smtClean="0"/>
           </a:p>
           <a:p>
-            <a:endParaRPr lang="fr-FR" dirty="0" smtClean="0"/>
-          </a:p>
-          <a:p>
-            <a:r>
-              <a:rPr lang="fr-FR" dirty="0"/>
-              <a:t>Afficher à l’échelle 1:30000</a:t>
-            </a:r>
             <a:endParaRPr lang="fr-FR" dirty="0" smtClean="0"/>
           </a:p>
           <a:p>
